--- a/docs/figures.pptx
+++ b/docs/figures.pptx
@@ -4,8 +4,13 @@
   <p:sldMasterIdLst>
     <p:sldMasterId id="2147483648" r:id="rId1"/>
   </p:sldMasterIdLst>
+  <p:notesMasterIdLst>
+    <p:notesMasterId r:id="rId5"/>
+  </p:notesMasterIdLst>
   <p:sldIdLst>
-    <p:sldId id="257" r:id="rId2"/>
+    <p:sldId id="260" r:id="rId2"/>
+    <p:sldId id="258" r:id="rId3"/>
+    <p:sldId id="257" r:id="rId4"/>
   </p:sldIdLst>
   <p:sldSz cx="12192000" cy="6858000"/>
   <p:notesSz cx="6858000" cy="9144000"/>
@@ -104,7 +109,4781 @@
       </a:defRPr>
     </a:lvl9pPr>
   </p:defaultTextStyle>
+  <p:extLst>
+    <p:ext uri="{EFAFB233-063F-42B5-8137-9DF3F51BA10A}">
+      <p15:sldGuideLst xmlns:p15="http://schemas.microsoft.com/office/powerpoint/2012/main"/>
+    </p:ext>
+  </p:extLst>
 </p:presentation>
+</file>
+
+<file path=ppt/diagrams/colors1.xml><?xml version="1.0" encoding="utf-8"?>
+<dgm:colorsDef xmlns:dgm="http://schemas.openxmlformats.org/drawingml/2006/diagram" xmlns:a="http://schemas.openxmlformats.org/drawingml/2006/main" uniqueId="urn:microsoft.com/office/officeart/2005/8/colors/accent0_3">
+  <dgm:title val=""/>
+  <dgm:desc val=""/>
+  <dgm:catLst>
+    <dgm:cat type="mainScheme" pri="10300"/>
+  </dgm:catLst>
+  <dgm:styleLbl name="node0">
+    <dgm:fillClrLst meth="repeat">
+      <a:schemeClr val="dk2"/>
+    </dgm:fillClrLst>
+    <dgm:linClrLst meth="repeat">
+      <a:schemeClr val="lt2"/>
+    </dgm:linClrLst>
+    <dgm:effectClrLst/>
+    <dgm:txLinClrLst/>
+    <dgm:txFillClrLst/>
+    <dgm:txEffectClrLst/>
+  </dgm:styleLbl>
+  <dgm:styleLbl name="alignNode1">
+    <dgm:fillClrLst meth="repeat">
+      <a:schemeClr val="dk2"/>
+    </dgm:fillClrLst>
+    <dgm:linClrLst meth="repeat">
+      <a:schemeClr val="dk2"/>
+    </dgm:linClrLst>
+    <dgm:effectClrLst/>
+    <dgm:txLinClrLst/>
+    <dgm:txFillClrLst/>
+    <dgm:txEffectClrLst/>
+  </dgm:styleLbl>
+  <dgm:styleLbl name="node1">
+    <dgm:fillClrLst meth="repeat">
+      <a:schemeClr val="dk2"/>
+    </dgm:fillClrLst>
+    <dgm:linClrLst meth="repeat">
+      <a:schemeClr val="lt2"/>
+    </dgm:linClrLst>
+    <dgm:effectClrLst/>
+    <dgm:txLinClrLst/>
+    <dgm:txFillClrLst/>
+    <dgm:txEffectClrLst/>
+  </dgm:styleLbl>
+  <dgm:styleLbl name="lnNode1">
+    <dgm:fillClrLst meth="repeat">
+      <a:schemeClr val="dk2"/>
+    </dgm:fillClrLst>
+    <dgm:linClrLst meth="repeat">
+      <a:schemeClr val="lt2"/>
+    </dgm:linClrLst>
+    <dgm:effectClrLst/>
+    <dgm:txLinClrLst/>
+    <dgm:txFillClrLst/>
+    <dgm:txEffectClrLst/>
+  </dgm:styleLbl>
+  <dgm:styleLbl name="vennNode1">
+    <dgm:fillClrLst meth="repeat">
+      <a:schemeClr val="dk2">
+        <a:alpha val="50000"/>
+      </a:schemeClr>
+    </dgm:fillClrLst>
+    <dgm:linClrLst meth="repeat">
+      <a:schemeClr val="lt2"/>
+    </dgm:linClrLst>
+    <dgm:effectClrLst/>
+    <dgm:txLinClrLst/>
+    <dgm:txFillClrLst/>
+    <dgm:txEffectClrLst/>
+  </dgm:styleLbl>
+  <dgm:styleLbl name="node2">
+    <dgm:fillClrLst meth="repeat">
+      <a:schemeClr val="dk2"/>
+    </dgm:fillClrLst>
+    <dgm:linClrLst meth="repeat">
+      <a:schemeClr val="lt2"/>
+    </dgm:linClrLst>
+    <dgm:effectClrLst/>
+    <dgm:txLinClrLst/>
+    <dgm:txFillClrLst/>
+    <dgm:txEffectClrLst/>
+  </dgm:styleLbl>
+  <dgm:styleLbl name="node3">
+    <dgm:fillClrLst meth="repeat">
+      <a:schemeClr val="dk2"/>
+    </dgm:fillClrLst>
+    <dgm:linClrLst meth="repeat">
+      <a:schemeClr val="lt2"/>
+    </dgm:linClrLst>
+    <dgm:effectClrLst/>
+    <dgm:txLinClrLst/>
+    <dgm:txFillClrLst/>
+    <dgm:txEffectClrLst/>
+  </dgm:styleLbl>
+  <dgm:styleLbl name="node4">
+    <dgm:fillClrLst meth="repeat">
+      <a:schemeClr val="dk2"/>
+    </dgm:fillClrLst>
+    <dgm:linClrLst meth="repeat">
+      <a:schemeClr val="lt2"/>
+    </dgm:linClrLst>
+    <dgm:effectClrLst/>
+    <dgm:txLinClrLst/>
+    <dgm:txFillClrLst/>
+    <dgm:txEffectClrLst/>
+  </dgm:styleLbl>
+  <dgm:styleLbl name="fgImgPlace1">
+    <dgm:fillClrLst meth="repeat">
+      <a:schemeClr val="dk2">
+        <a:tint val="50000"/>
+      </a:schemeClr>
+    </dgm:fillClrLst>
+    <dgm:linClrLst meth="repeat">
+      <a:schemeClr val="lt2"/>
+    </dgm:linClrLst>
+    <dgm:effectClrLst/>
+    <dgm:txLinClrLst/>
+    <dgm:txFillClrLst meth="repeat">
+      <a:schemeClr val="lt2"/>
+    </dgm:txFillClrLst>
+    <dgm:txEffectClrLst/>
+  </dgm:styleLbl>
+  <dgm:styleLbl name="alignImgPlace1">
+    <dgm:fillClrLst meth="repeat">
+      <a:schemeClr val="dk2">
+        <a:tint val="50000"/>
+      </a:schemeClr>
+    </dgm:fillClrLst>
+    <dgm:linClrLst meth="repeat">
+      <a:schemeClr val="dk2">
+        <a:shade val="80000"/>
+      </a:schemeClr>
+    </dgm:linClrLst>
+    <dgm:effectClrLst/>
+    <dgm:txLinClrLst/>
+    <dgm:txFillClrLst meth="repeat">
+      <a:schemeClr val="lt2"/>
+    </dgm:txFillClrLst>
+    <dgm:txEffectClrLst/>
+  </dgm:styleLbl>
+  <dgm:styleLbl name="bgImgPlace1">
+    <dgm:fillClrLst meth="repeat">
+      <a:schemeClr val="dk2">
+        <a:tint val="50000"/>
+      </a:schemeClr>
+    </dgm:fillClrLst>
+    <dgm:linClrLst meth="repeat">
+      <a:schemeClr val="dk2">
+        <a:shade val="80000"/>
+      </a:schemeClr>
+    </dgm:linClrLst>
+    <dgm:effectClrLst/>
+    <dgm:txLinClrLst/>
+    <dgm:txFillClrLst meth="repeat">
+      <a:schemeClr val="lt2"/>
+    </dgm:txFillClrLst>
+    <dgm:txEffectClrLst/>
+  </dgm:styleLbl>
+  <dgm:styleLbl name="sibTrans2D1">
+    <dgm:fillClrLst meth="repeat">
+      <a:schemeClr val="dk2">
+        <a:tint val="60000"/>
+      </a:schemeClr>
+    </dgm:fillClrLst>
+    <dgm:linClrLst meth="repeat">
+      <a:schemeClr val="dk2">
+        <a:tint val="60000"/>
+      </a:schemeClr>
+    </dgm:linClrLst>
+    <dgm:effectClrLst/>
+    <dgm:txLinClrLst/>
+    <dgm:txFillClrLst/>
+    <dgm:txEffectClrLst/>
+  </dgm:styleLbl>
+  <dgm:styleLbl name="fgSibTrans2D1">
+    <dgm:fillClrLst meth="repeat">
+      <a:schemeClr val="dk2">
+        <a:tint val="60000"/>
+      </a:schemeClr>
+    </dgm:fillClrLst>
+    <dgm:linClrLst meth="repeat">
+      <a:schemeClr val="dk2">
+        <a:tint val="60000"/>
+      </a:schemeClr>
+    </dgm:linClrLst>
+    <dgm:effectClrLst/>
+    <dgm:txLinClrLst/>
+    <dgm:txFillClrLst/>
+    <dgm:txEffectClrLst/>
+  </dgm:styleLbl>
+  <dgm:styleLbl name="bgSibTrans2D1">
+    <dgm:fillClrLst meth="repeat">
+      <a:schemeClr val="dk2">
+        <a:tint val="60000"/>
+      </a:schemeClr>
+    </dgm:fillClrLst>
+    <dgm:linClrLst meth="repeat">
+      <a:schemeClr val="dk2">
+        <a:tint val="60000"/>
+      </a:schemeClr>
+    </dgm:linClrLst>
+    <dgm:effectClrLst/>
+    <dgm:txLinClrLst/>
+    <dgm:txFillClrLst/>
+    <dgm:txEffectClrLst/>
+  </dgm:styleLbl>
+  <dgm:styleLbl name="sibTrans1D1">
+    <dgm:fillClrLst meth="repeat">
+      <a:schemeClr val="dk2"/>
+    </dgm:fillClrLst>
+    <dgm:linClrLst meth="repeat">
+      <a:schemeClr val="dk2"/>
+    </dgm:linClrLst>
+    <dgm:effectClrLst/>
+    <dgm:txLinClrLst/>
+    <dgm:txFillClrLst meth="repeat">
+      <a:schemeClr val="lt2"/>
+    </dgm:txFillClrLst>
+    <dgm:txEffectClrLst/>
+  </dgm:styleLbl>
+  <dgm:styleLbl name="callout">
+    <dgm:fillClrLst meth="repeat">
+      <a:schemeClr val="dk2"/>
+    </dgm:fillClrLst>
+    <dgm:linClrLst meth="repeat">
+      <a:schemeClr val="dk2">
+        <a:tint val="50000"/>
+      </a:schemeClr>
+    </dgm:linClrLst>
+    <dgm:effectClrLst/>
+    <dgm:txLinClrLst/>
+    <dgm:txFillClrLst meth="repeat">
+      <a:schemeClr val="lt2"/>
+    </dgm:txFillClrLst>
+    <dgm:txEffectClrLst/>
+  </dgm:styleLbl>
+  <dgm:styleLbl name="asst0">
+    <dgm:fillClrLst meth="repeat">
+      <a:schemeClr val="dk2"/>
+    </dgm:fillClrLst>
+    <dgm:linClrLst meth="repeat">
+      <a:schemeClr val="lt2"/>
+    </dgm:linClrLst>
+    <dgm:effectClrLst/>
+    <dgm:txLinClrLst/>
+    <dgm:txFillClrLst/>
+    <dgm:txEffectClrLst/>
+  </dgm:styleLbl>
+  <dgm:styleLbl name="asst1">
+    <dgm:fillClrLst meth="repeat">
+      <a:schemeClr val="dk2"/>
+    </dgm:fillClrLst>
+    <dgm:linClrLst meth="repeat">
+      <a:schemeClr val="lt2"/>
+    </dgm:linClrLst>
+    <dgm:effectClrLst/>
+    <dgm:txLinClrLst/>
+    <dgm:txFillClrLst/>
+    <dgm:txEffectClrLst/>
+  </dgm:styleLbl>
+  <dgm:styleLbl name="asst2">
+    <dgm:fillClrLst meth="repeat">
+      <a:schemeClr val="dk2"/>
+    </dgm:fillClrLst>
+    <dgm:linClrLst meth="repeat">
+      <a:schemeClr val="lt2"/>
+    </dgm:linClrLst>
+    <dgm:effectClrLst/>
+    <dgm:txLinClrLst/>
+    <dgm:txFillClrLst/>
+    <dgm:txEffectClrLst/>
+  </dgm:styleLbl>
+  <dgm:styleLbl name="asst3">
+    <dgm:fillClrLst meth="repeat">
+      <a:schemeClr val="dk2"/>
+    </dgm:fillClrLst>
+    <dgm:linClrLst meth="repeat">
+      <a:schemeClr val="lt2"/>
+    </dgm:linClrLst>
+    <dgm:effectClrLst/>
+    <dgm:txLinClrLst/>
+    <dgm:txFillClrLst/>
+    <dgm:txEffectClrLst/>
+  </dgm:styleLbl>
+  <dgm:styleLbl name="asst4">
+    <dgm:fillClrLst meth="repeat">
+      <a:schemeClr val="dk2"/>
+    </dgm:fillClrLst>
+    <dgm:linClrLst meth="repeat">
+      <a:schemeClr val="lt2"/>
+    </dgm:linClrLst>
+    <dgm:effectClrLst/>
+    <dgm:txLinClrLst/>
+    <dgm:txFillClrLst/>
+    <dgm:txEffectClrLst/>
+  </dgm:styleLbl>
+  <dgm:styleLbl name="parChTrans2D1">
+    <dgm:fillClrLst meth="repeat">
+      <a:schemeClr val="dk2">
+        <a:tint val="60000"/>
+      </a:schemeClr>
+    </dgm:fillClrLst>
+    <dgm:linClrLst meth="repeat">
+      <a:schemeClr val="dk2">
+        <a:tint val="60000"/>
+      </a:schemeClr>
+    </dgm:linClrLst>
+    <dgm:effectClrLst/>
+    <dgm:txLinClrLst/>
+    <dgm:txFillClrLst meth="repeat">
+      <a:schemeClr val="lt2"/>
+    </dgm:txFillClrLst>
+    <dgm:txEffectClrLst/>
+  </dgm:styleLbl>
+  <dgm:styleLbl name="parChTrans2D2">
+    <dgm:fillClrLst meth="repeat">
+      <a:schemeClr val="dk2"/>
+    </dgm:fillClrLst>
+    <dgm:linClrLst meth="repeat">
+      <a:schemeClr val="dk2"/>
+    </dgm:linClrLst>
+    <dgm:effectClrLst/>
+    <dgm:txLinClrLst/>
+    <dgm:txFillClrLst meth="repeat">
+      <a:schemeClr val="lt2"/>
+    </dgm:txFillClrLst>
+    <dgm:txEffectClrLst/>
+  </dgm:styleLbl>
+  <dgm:styleLbl name="parChTrans2D3">
+    <dgm:fillClrLst meth="repeat">
+      <a:schemeClr val="dk2"/>
+    </dgm:fillClrLst>
+    <dgm:linClrLst meth="repeat">
+      <a:schemeClr val="dk2"/>
+    </dgm:linClrLst>
+    <dgm:effectClrLst/>
+    <dgm:txLinClrLst/>
+    <dgm:txFillClrLst meth="repeat">
+      <a:schemeClr val="lt2"/>
+    </dgm:txFillClrLst>
+    <dgm:txEffectClrLst/>
+  </dgm:styleLbl>
+  <dgm:styleLbl name="parChTrans2D4">
+    <dgm:fillClrLst meth="repeat">
+      <a:schemeClr val="dk2"/>
+    </dgm:fillClrLst>
+    <dgm:linClrLst meth="repeat">
+      <a:schemeClr val="dk2"/>
+    </dgm:linClrLst>
+    <dgm:effectClrLst/>
+    <dgm:txLinClrLst/>
+    <dgm:txFillClrLst meth="repeat">
+      <a:schemeClr val="lt2"/>
+    </dgm:txFillClrLst>
+    <dgm:txEffectClrLst/>
+  </dgm:styleLbl>
+  <dgm:styleLbl name="parChTrans1D1">
+    <dgm:fillClrLst meth="repeat">
+      <a:schemeClr val="dk2"/>
+    </dgm:fillClrLst>
+    <dgm:linClrLst meth="repeat">
+      <a:schemeClr val="dk2">
+        <a:shade val="60000"/>
+      </a:schemeClr>
+    </dgm:linClrLst>
+    <dgm:effectClrLst/>
+    <dgm:txLinClrLst/>
+    <dgm:txFillClrLst meth="repeat">
+      <a:schemeClr val="tx1"/>
+    </dgm:txFillClrLst>
+    <dgm:txEffectClrLst/>
+  </dgm:styleLbl>
+  <dgm:styleLbl name="parChTrans1D2">
+    <dgm:fillClrLst meth="repeat">
+      <a:schemeClr val="dk2"/>
+    </dgm:fillClrLst>
+    <dgm:linClrLst meth="repeat">
+      <a:schemeClr val="dk2">
+        <a:shade val="60000"/>
+      </a:schemeClr>
+    </dgm:linClrLst>
+    <dgm:effectClrLst/>
+    <dgm:txLinClrLst/>
+    <dgm:txFillClrLst meth="repeat">
+      <a:schemeClr val="tx1"/>
+    </dgm:txFillClrLst>
+    <dgm:txEffectClrLst/>
+  </dgm:styleLbl>
+  <dgm:styleLbl name="parChTrans1D3">
+    <dgm:fillClrLst meth="repeat">
+      <a:schemeClr val="dk2"/>
+    </dgm:fillClrLst>
+    <dgm:linClrLst meth="repeat">
+      <a:schemeClr val="dk2">
+        <a:shade val="80000"/>
+      </a:schemeClr>
+    </dgm:linClrLst>
+    <dgm:effectClrLst/>
+    <dgm:txLinClrLst/>
+    <dgm:txFillClrLst meth="repeat">
+      <a:schemeClr val="tx1"/>
+    </dgm:txFillClrLst>
+    <dgm:txEffectClrLst/>
+  </dgm:styleLbl>
+  <dgm:styleLbl name="parChTrans1D4">
+    <dgm:fillClrLst meth="repeat">
+      <a:schemeClr val="dk2"/>
+    </dgm:fillClrLst>
+    <dgm:linClrLst meth="repeat">
+      <a:schemeClr val="dk2">
+        <a:shade val="80000"/>
+      </a:schemeClr>
+    </dgm:linClrLst>
+    <dgm:effectClrLst/>
+    <dgm:txLinClrLst/>
+    <dgm:txFillClrLst meth="repeat">
+      <a:schemeClr val="tx1"/>
+    </dgm:txFillClrLst>
+    <dgm:txEffectClrLst/>
+  </dgm:styleLbl>
+  <dgm:styleLbl name="fgAcc1">
+    <dgm:fillClrLst meth="repeat">
+      <a:schemeClr val="lt2">
+        <a:alpha val="90000"/>
+      </a:schemeClr>
+    </dgm:fillClrLst>
+    <dgm:linClrLst meth="repeat">
+      <a:schemeClr val="dk2"/>
+    </dgm:linClrLst>
+    <dgm:effectClrLst/>
+    <dgm:txLinClrLst/>
+    <dgm:txFillClrLst meth="repeat">
+      <a:schemeClr val="dk1"/>
+    </dgm:txFillClrLst>
+    <dgm:txEffectClrLst/>
+  </dgm:styleLbl>
+  <dgm:styleLbl name="conFgAcc1">
+    <dgm:fillClrLst meth="repeat">
+      <a:schemeClr val="lt2">
+        <a:alpha val="90000"/>
+      </a:schemeClr>
+    </dgm:fillClrLst>
+    <dgm:linClrLst meth="repeat">
+      <a:schemeClr val="dk2"/>
+    </dgm:linClrLst>
+    <dgm:effectClrLst/>
+    <dgm:txLinClrLst/>
+    <dgm:txFillClrLst meth="repeat">
+      <a:schemeClr val="dk1"/>
+    </dgm:txFillClrLst>
+    <dgm:txEffectClrLst/>
+  </dgm:styleLbl>
+  <dgm:styleLbl name="alignAcc1">
+    <dgm:fillClrLst meth="repeat">
+      <a:schemeClr val="lt2">
+        <a:alpha val="90000"/>
+      </a:schemeClr>
+    </dgm:fillClrLst>
+    <dgm:linClrLst meth="repeat">
+      <a:schemeClr val="dk2"/>
+    </dgm:linClrLst>
+    <dgm:effectClrLst/>
+    <dgm:txLinClrLst/>
+    <dgm:txFillClrLst meth="repeat">
+      <a:schemeClr val="dk1"/>
+    </dgm:txFillClrLst>
+    <dgm:txEffectClrLst/>
+  </dgm:styleLbl>
+  <dgm:styleLbl name="trAlignAcc1">
+    <dgm:fillClrLst meth="repeat">
+      <a:schemeClr val="lt2">
+        <a:alpha val="40000"/>
+      </a:schemeClr>
+    </dgm:fillClrLst>
+    <dgm:linClrLst meth="repeat">
+      <a:schemeClr val="dk2"/>
+    </dgm:linClrLst>
+    <dgm:effectClrLst/>
+    <dgm:txLinClrLst/>
+    <dgm:txFillClrLst meth="repeat">
+      <a:schemeClr val="dk1"/>
+    </dgm:txFillClrLst>
+    <dgm:txEffectClrLst/>
+  </dgm:styleLbl>
+  <dgm:styleLbl name="bgAcc1">
+    <dgm:fillClrLst meth="repeat">
+      <a:schemeClr val="lt2">
+        <a:alpha val="90000"/>
+      </a:schemeClr>
+    </dgm:fillClrLst>
+    <dgm:linClrLst meth="repeat">
+      <a:schemeClr val="dk2"/>
+    </dgm:linClrLst>
+    <dgm:effectClrLst/>
+    <dgm:txLinClrLst/>
+    <dgm:txFillClrLst meth="repeat">
+      <a:schemeClr val="dk1"/>
+    </dgm:txFillClrLst>
+    <dgm:txEffectClrLst/>
+  </dgm:styleLbl>
+  <dgm:styleLbl name="solidFgAcc1">
+    <dgm:fillClrLst meth="repeat">
+      <a:schemeClr val="lt2"/>
+    </dgm:fillClrLst>
+    <dgm:linClrLst meth="repeat">
+      <a:schemeClr val="dk2"/>
+    </dgm:linClrLst>
+    <dgm:effectClrLst/>
+    <dgm:txLinClrLst/>
+    <dgm:txFillClrLst meth="repeat">
+      <a:schemeClr val="dk1"/>
+    </dgm:txFillClrLst>
+    <dgm:txEffectClrLst/>
+  </dgm:styleLbl>
+  <dgm:styleLbl name="solidAlignAcc1">
+    <dgm:fillClrLst meth="repeat">
+      <a:schemeClr val="lt2"/>
+    </dgm:fillClrLst>
+    <dgm:linClrLst meth="repeat">
+      <a:schemeClr val="dk2"/>
+    </dgm:linClrLst>
+    <dgm:effectClrLst/>
+    <dgm:txLinClrLst/>
+    <dgm:txFillClrLst meth="repeat">
+      <a:schemeClr val="dk1"/>
+    </dgm:txFillClrLst>
+    <dgm:txEffectClrLst/>
+  </dgm:styleLbl>
+  <dgm:styleLbl name="solidBgAcc1">
+    <dgm:fillClrLst meth="repeat">
+      <a:schemeClr val="lt2"/>
+    </dgm:fillClrLst>
+    <dgm:linClrLst meth="repeat">
+      <a:schemeClr val="dk2"/>
+    </dgm:linClrLst>
+    <dgm:effectClrLst/>
+    <dgm:txLinClrLst/>
+    <dgm:txFillClrLst meth="repeat">
+      <a:schemeClr val="dk1"/>
+    </dgm:txFillClrLst>
+    <dgm:txEffectClrLst/>
+  </dgm:styleLbl>
+  <dgm:styleLbl name="fgAccFollowNode1">
+    <dgm:fillClrLst meth="repeat">
+      <a:schemeClr val="dk2">
+        <a:alpha val="90000"/>
+        <a:tint val="40000"/>
+      </a:schemeClr>
+    </dgm:fillClrLst>
+    <dgm:linClrLst meth="repeat">
+      <a:schemeClr val="dk2">
+        <a:alpha val="90000"/>
+        <a:tint val="40000"/>
+      </a:schemeClr>
+    </dgm:linClrLst>
+    <dgm:effectClrLst/>
+    <dgm:txLinClrLst/>
+    <dgm:txFillClrLst meth="repeat">
+      <a:schemeClr val="dk1"/>
+    </dgm:txFillClrLst>
+    <dgm:txEffectClrLst/>
+  </dgm:styleLbl>
+  <dgm:styleLbl name="alignAccFollowNode1">
+    <dgm:fillClrLst meth="repeat">
+      <a:schemeClr val="dk2">
+        <a:alpha val="90000"/>
+        <a:tint val="40000"/>
+      </a:schemeClr>
+    </dgm:fillClrLst>
+    <dgm:linClrLst meth="repeat">
+      <a:schemeClr val="dk2">
+        <a:alpha val="90000"/>
+        <a:tint val="40000"/>
+      </a:schemeClr>
+    </dgm:linClrLst>
+    <dgm:effectClrLst/>
+    <dgm:txLinClrLst/>
+    <dgm:txFillClrLst meth="repeat">
+      <a:schemeClr val="dk1"/>
+    </dgm:txFillClrLst>
+    <dgm:txEffectClrLst/>
+  </dgm:styleLbl>
+  <dgm:styleLbl name="bgAccFollowNode1">
+    <dgm:fillClrLst meth="repeat">
+      <a:schemeClr val="dk2">
+        <a:alpha val="90000"/>
+        <a:tint val="40000"/>
+      </a:schemeClr>
+    </dgm:fillClrLst>
+    <dgm:linClrLst meth="repeat">
+      <a:schemeClr val="dk2">
+        <a:alpha val="90000"/>
+        <a:tint val="40000"/>
+      </a:schemeClr>
+    </dgm:linClrLst>
+    <dgm:effectClrLst/>
+    <dgm:txLinClrLst/>
+    <dgm:txFillClrLst meth="repeat">
+      <a:schemeClr val="dk1"/>
+    </dgm:txFillClrLst>
+    <dgm:txEffectClrLst/>
+  </dgm:styleLbl>
+  <dgm:styleLbl name="fgAcc0">
+    <dgm:fillClrLst meth="repeat">
+      <a:schemeClr val="lt2">
+        <a:alpha val="90000"/>
+      </a:schemeClr>
+    </dgm:fillClrLst>
+    <dgm:linClrLst meth="repeat">
+      <a:schemeClr val="dk2"/>
+    </dgm:linClrLst>
+    <dgm:effectClrLst/>
+    <dgm:txLinClrLst/>
+    <dgm:txFillClrLst meth="repeat">
+      <a:schemeClr val="dk1"/>
+    </dgm:txFillClrLst>
+    <dgm:txEffectClrLst/>
+  </dgm:styleLbl>
+  <dgm:styleLbl name="fgAcc2">
+    <dgm:fillClrLst meth="repeat">
+      <a:schemeClr val="lt2">
+        <a:alpha val="90000"/>
+      </a:schemeClr>
+    </dgm:fillClrLst>
+    <dgm:linClrLst meth="repeat">
+      <a:schemeClr val="dk2"/>
+    </dgm:linClrLst>
+    <dgm:effectClrLst/>
+    <dgm:txLinClrLst/>
+    <dgm:txFillClrLst meth="repeat">
+      <a:schemeClr val="dk1"/>
+    </dgm:txFillClrLst>
+    <dgm:txEffectClrLst/>
+  </dgm:styleLbl>
+  <dgm:styleLbl name="fgAcc3">
+    <dgm:fillClrLst meth="repeat">
+      <a:schemeClr val="lt2">
+        <a:alpha val="90000"/>
+      </a:schemeClr>
+    </dgm:fillClrLst>
+    <dgm:linClrLst meth="repeat">
+      <a:schemeClr val="dk2"/>
+    </dgm:linClrLst>
+    <dgm:effectClrLst/>
+    <dgm:txLinClrLst/>
+    <dgm:txFillClrLst meth="repeat">
+      <a:schemeClr val="dk1"/>
+    </dgm:txFillClrLst>
+    <dgm:txEffectClrLst/>
+  </dgm:styleLbl>
+  <dgm:styleLbl name="fgAcc4">
+    <dgm:fillClrLst meth="repeat">
+      <a:schemeClr val="lt2">
+        <a:alpha val="90000"/>
+      </a:schemeClr>
+    </dgm:fillClrLst>
+    <dgm:linClrLst meth="repeat">
+      <a:schemeClr val="dk2"/>
+    </dgm:linClrLst>
+    <dgm:effectClrLst/>
+    <dgm:txLinClrLst/>
+    <dgm:txFillClrLst meth="repeat">
+      <a:schemeClr val="dk1"/>
+    </dgm:txFillClrLst>
+    <dgm:txEffectClrLst/>
+  </dgm:styleLbl>
+  <dgm:styleLbl name="bgShp">
+    <dgm:fillClrLst meth="repeat">
+      <a:schemeClr val="dk2">
+        <a:tint val="40000"/>
+      </a:schemeClr>
+    </dgm:fillClrLst>
+    <dgm:linClrLst meth="repeat">
+      <a:schemeClr val="dk2"/>
+    </dgm:linClrLst>
+    <dgm:effectClrLst/>
+    <dgm:txLinClrLst/>
+    <dgm:txFillClrLst meth="repeat">
+      <a:schemeClr val="dk1"/>
+    </dgm:txFillClrLst>
+    <dgm:txEffectClrLst/>
+  </dgm:styleLbl>
+  <dgm:styleLbl name="dkBgShp">
+    <dgm:fillClrLst meth="repeat">
+      <a:schemeClr val="dk2">
+        <a:shade val="80000"/>
+      </a:schemeClr>
+    </dgm:fillClrLst>
+    <dgm:linClrLst meth="repeat">
+      <a:schemeClr val="dk2"/>
+    </dgm:linClrLst>
+    <dgm:effectClrLst/>
+    <dgm:txLinClrLst/>
+    <dgm:txFillClrLst meth="repeat">
+      <a:schemeClr val="lt1"/>
+    </dgm:txFillClrLst>
+    <dgm:txEffectClrLst/>
+  </dgm:styleLbl>
+  <dgm:styleLbl name="trBgShp">
+    <dgm:fillClrLst meth="repeat">
+      <a:schemeClr val="dk2">
+        <a:tint val="50000"/>
+        <a:alpha val="40000"/>
+      </a:schemeClr>
+    </dgm:fillClrLst>
+    <dgm:linClrLst meth="repeat">
+      <a:schemeClr val="dk2"/>
+    </dgm:linClrLst>
+    <dgm:effectClrLst/>
+    <dgm:txLinClrLst/>
+    <dgm:txFillClrLst meth="repeat">
+      <a:schemeClr val="lt1"/>
+    </dgm:txFillClrLst>
+    <dgm:txEffectClrLst/>
+  </dgm:styleLbl>
+  <dgm:styleLbl name="fgShp">
+    <dgm:fillClrLst meth="repeat">
+      <a:schemeClr val="dk2">
+        <a:tint val="60000"/>
+      </a:schemeClr>
+    </dgm:fillClrLst>
+    <dgm:linClrLst meth="repeat">
+      <a:schemeClr val="lt2"/>
+    </dgm:linClrLst>
+    <dgm:effectClrLst/>
+    <dgm:txLinClrLst/>
+    <dgm:txFillClrLst meth="repeat">
+      <a:schemeClr val="dk1"/>
+    </dgm:txFillClrLst>
+    <dgm:txEffectClrLst/>
+  </dgm:styleLbl>
+  <dgm:styleLbl name="revTx">
+    <dgm:fillClrLst meth="repeat">
+      <a:schemeClr val="lt2">
+        <a:alpha val="0"/>
+      </a:schemeClr>
+    </dgm:fillClrLst>
+    <dgm:linClrLst meth="repeat">
+      <a:schemeClr val="dk1">
+        <a:alpha val="0"/>
+      </a:schemeClr>
+    </dgm:linClrLst>
+    <dgm:effectClrLst/>
+    <dgm:txLinClrLst/>
+    <dgm:txFillClrLst meth="repeat">
+      <a:schemeClr val="tx1"/>
+    </dgm:txFillClrLst>
+    <dgm:txEffectClrLst/>
+  </dgm:styleLbl>
+</dgm:colorsDef>
+</file>
+
+<file path=ppt/diagrams/data1.xml><?xml version="1.0" encoding="utf-8"?>
+<dgm:dataModel xmlns:dgm="http://schemas.openxmlformats.org/drawingml/2006/diagram" xmlns:a="http://schemas.openxmlformats.org/drawingml/2006/main">
+  <dgm:ptLst>
+    <dgm:pt modelId="{973A7D50-E3A1-429B-826B-DB04690DF08A}" type="doc">
+      <dgm:prSet loTypeId="urn:microsoft.com/office/officeart/2005/8/layout/cycle4" loCatId="cycle" qsTypeId="urn:microsoft.com/office/officeart/2005/8/quickstyle/simple1" qsCatId="simple" csTypeId="urn:microsoft.com/office/officeart/2005/8/colors/accent0_3" csCatId="mainScheme" phldr="1"/>
+      <dgm:spPr/>
+      <dgm:t>
+        <a:bodyPr/>
+        <a:lstStyle/>
+        <a:p>
+          <a:endParaRPr lang="en-US"/>
+        </a:p>
+      </dgm:t>
+    </dgm:pt>
+    <dgm:pt modelId="{A9CE331B-707F-45C3-9458-E2558B38B628}">
+      <dgm:prSet phldrT="[Text]"/>
+      <dgm:spPr/>
+      <dgm:t>
+        <a:bodyPr/>
+        <a:lstStyle/>
+        <a:p>
+          <a:r>
+            <a:rPr lang="en-US" dirty="0" smtClean="0"/>
+            <a:t>Gateway</a:t>
+          </a:r>
+          <a:endParaRPr lang="en-US" dirty="0"/>
+        </a:p>
+      </dgm:t>
+    </dgm:pt>
+    <dgm:pt modelId="{DE2F7CE7-FE3C-4052-A20E-853558365B03}" type="parTrans" cxnId="{BF56A5ED-850F-4021-B637-20AF5A180673}">
+      <dgm:prSet/>
+      <dgm:spPr/>
+      <dgm:t>
+        <a:bodyPr/>
+        <a:lstStyle/>
+        <a:p>
+          <a:endParaRPr lang="en-US"/>
+        </a:p>
+      </dgm:t>
+    </dgm:pt>
+    <dgm:pt modelId="{8E00C9E5-710C-4524-AF64-29A225996CAF}" type="sibTrans" cxnId="{BF56A5ED-850F-4021-B637-20AF5A180673}">
+      <dgm:prSet/>
+      <dgm:spPr/>
+      <dgm:t>
+        <a:bodyPr/>
+        <a:lstStyle/>
+        <a:p>
+          <a:endParaRPr lang="en-US"/>
+        </a:p>
+      </dgm:t>
+    </dgm:pt>
+    <dgm:pt modelId="{81EFA7CC-D42E-4430-B17E-1BDF4A177C54}">
+      <dgm:prSet phldrT="[Text]"/>
+      <dgm:spPr/>
+      <dgm:t>
+        <a:bodyPr/>
+        <a:lstStyle/>
+        <a:p>
+          <a:r>
+            <a:rPr lang="en-US" dirty="0" smtClean="0"/>
+            <a:t>Searching</a:t>
+          </a:r>
+          <a:endParaRPr lang="en-US" dirty="0"/>
+        </a:p>
+      </dgm:t>
+    </dgm:pt>
+    <dgm:pt modelId="{439B8849-99F2-49E4-AFB7-86EDBE35EEAD}" type="parTrans" cxnId="{B6E786F4-F15D-48F9-9CE2-066A51E6BF2E}">
+      <dgm:prSet/>
+      <dgm:spPr/>
+      <dgm:t>
+        <a:bodyPr/>
+        <a:lstStyle/>
+        <a:p>
+          <a:endParaRPr lang="en-US"/>
+        </a:p>
+      </dgm:t>
+    </dgm:pt>
+    <dgm:pt modelId="{8BD7BBB6-270D-4BC8-83D8-1A75756FA9C1}" type="sibTrans" cxnId="{B6E786F4-F15D-48F9-9CE2-066A51E6BF2E}">
+      <dgm:prSet/>
+      <dgm:spPr/>
+      <dgm:t>
+        <a:bodyPr/>
+        <a:lstStyle/>
+        <a:p>
+          <a:endParaRPr lang="en-US"/>
+        </a:p>
+      </dgm:t>
+    </dgm:pt>
+    <dgm:pt modelId="{13F3154E-1580-4CDF-8ABC-0281646D986E}">
+      <dgm:prSet phldrT="[Text]"/>
+      <dgm:spPr/>
+      <dgm:t>
+        <a:bodyPr/>
+        <a:lstStyle/>
+        <a:p>
+          <a:r>
+            <a:rPr lang="en-US" dirty="0" smtClean="0"/>
+            <a:t>Metadata</a:t>
+          </a:r>
+          <a:endParaRPr lang="en-US" dirty="0"/>
+        </a:p>
+      </dgm:t>
+    </dgm:pt>
+    <dgm:pt modelId="{FAD15A7D-3BD2-408F-B91E-0027A9BC87A5}" type="parTrans" cxnId="{BB0A32F5-97E3-4F0A-8E0C-FBB453E94DEA}">
+      <dgm:prSet/>
+      <dgm:spPr/>
+      <dgm:t>
+        <a:bodyPr/>
+        <a:lstStyle/>
+        <a:p>
+          <a:endParaRPr lang="en-US"/>
+        </a:p>
+      </dgm:t>
+    </dgm:pt>
+    <dgm:pt modelId="{09CB07DA-06CF-4A66-8AB8-83598AAEBE56}" type="sibTrans" cxnId="{BB0A32F5-97E3-4F0A-8E0C-FBB453E94DEA}">
+      <dgm:prSet/>
+      <dgm:spPr/>
+      <dgm:t>
+        <a:bodyPr/>
+        <a:lstStyle/>
+        <a:p>
+          <a:endParaRPr lang="en-US"/>
+        </a:p>
+      </dgm:t>
+    </dgm:pt>
+    <dgm:pt modelId="{918B291D-A6A8-4CD9-A2B2-6D92876B479F}">
+      <dgm:prSet phldrT="[Text]"/>
+      <dgm:spPr/>
+      <dgm:t>
+        <a:bodyPr/>
+        <a:lstStyle/>
+        <a:p>
+          <a:r>
+            <a:rPr lang="en-US" dirty="0" smtClean="0"/>
+            <a:t>Publishing</a:t>
+          </a:r>
+          <a:endParaRPr lang="en-US" dirty="0"/>
+        </a:p>
+      </dgm:t>
+    </dgm:pt>
+    <dgm:pt modelId="{795DA5FC-D69C-4CD6-97FB-6FDD29A5B6F6}" type="parTrans" cxnId="{448B3764-2D1B-4F45-A0D5-F460F611E0EF}">
+      <dgm:prSet/>
+      <dgm:spPr/>
+      <dgm:t>
+        <a:bodyPr/>
+        <a:lstStyle/>
+        <a:p>
+          <a:endParaRPr lang="en-US"/>
+        </a:p>
+      </dgm:t>
+    </dgm:pt>
+    <dgm:pt modelId="{392607C2-2B82-49F4-A463-59C237BB9BF6}" type="sibTrans" cxnId="{448B3764-2D1B-4F45-A0D5-F460F611E0EF}">
+      <dgm:prSet/>
+      <dgm:spPr/>
+      <dgm:t>
+        <a:bodyPr/>
+        <a:lstStyle/>
+        <a:p>
+          <a:endParaRPr lang="en-US"/>
+        </a:p>
+      </dgm:t>
+    </dgm:pt>
+    <dgm:pt modelId="{A10D7C72-DD4C-479D-8BA9-F8EBCCF3049C}">
+      <dgm:prSet phldrT="[Text]"/>
+      <dgm:spPr/>
+      <dgm:t>
+        <a:bodyPr/>
+        <a:lstStyle/>
+        <a:p>
+          <a:r>
+            <a:rPr lang="en-US" dirty="0" smtClean="0"/>
+            <a:t>Management</a:t>
+          </a:r>
+          <a:endParaRPr lang="en-US" dirty="0"/>
+        </a:p>
+      </dgm:t>
+    </dgm:pt>
+    <dgm:pt modelId="{815EB66D-9F76-4E97-A4FE-CF6A798C759A}" type="parTrans" cxnId="{D46F01EC-5A3F-4888-B791-46851779257B}">
+      <dgm:prSet/>
+      <dgm:spPr/>
+      <dgm:t>
+        <a:bodyPr/>
+        <a:lstStyle/>
+        <a:p>
+          <a:endParaRPr lang="en-US"/>
+        </a:p>
+      </dgm:t>
+    </dgm:pt>
+    <dgm:pt modelId="{9E530C92-4B68-446C-B747-23CF15760BC0}" type="sibTrans" cxnId="{D46F01EC-5A3F-4888-B791-46851779257B}">
+      <dgm:prSet/>
+      <dgm:spPr/>
+      <dgm:t>
+        <a:bodyPr/>
+        <a:lstStyle/>
+        <a:p>
+          <a:endParaRPr lang="en-US"/>
+        </a:p>
+      </dgm:t>
+    </dgm:pt>
+    <dgm:pt modelId="{961314D5-477F-42EC-A3A5-A42A40634BEC}">
+      <dgm:prSet phldrT="[Text]"/>
+      <dgm:spPr/>
+      <dgm:t>
+        <a:bodyPr/>
+        <a:lstStyle/>
+        <a:p>
+          <a:r>
+            <a:rPr lang="en-US" dirty="0" smtClean="0"/>
+            <a:t>Knowledge Discovery</a:t>
+          </a:r>
+          <a:endParaRPr lang="en-US" dirty="0"/>
+        </a:p>
+      </dgm:t>
+    </dgm:pt>
+    <dgm:pt modelId="{05E15904-5908-458D-9A79-9A66778BC7CE}" type="parTrans" cxnId="{AE05F155-570B-434B-92BB-45EF7345464C}">
+      <dgm:prSet/>
+      <dgm:spPr/>
+      <dgm:t>
+        <a:bodyPr/>
+        <a:lstStyle/>
+        <a:p>
+          <a:endParaRPr lang="en-US"/>
+        </a:p>
+      </dgm:t>
+    </dgm:pt>
+    <dgm:pt modelId="{B8C63ACC-539C-47C7-BFD0-04CDF984B752}" type="sibTrans" cxnId="{AE05F155-570B-434B-92BB-45EF7345464C}">
+      <dgm:prSet/>
+      <dgm:spPr/>
+      <dgm:t>
+        <a:bodyPr/>
+        <a:lstStyle/>
+        <a:p>
+          <a:endParaRPr lang="en-US"/>
+        </a:p>
+      </dgm:t>
+    </dgm:pt>
+    <dgm:pt modelId="{C3E43A34-E949-4673-95BE-9B84CB44B6D8}">
+      <dgm:prSet phldrT="[Text]"/>
+      <dgm:spPr/>
+      <dgm:t>
+        <a:bodyPr/>
+        <a:lstStyle/>
+        <a:p>
+          <a:r>
+            <a:rPr lang="en-US" dirty="0" smtClean="0"/>
+            <a:t>Data </a:t>
+          </a:r>
+          <a:r>
+            <a:rPr lang="en-US" dirty="0" smtClean="0"/>
+            <a:t>mining tasks</a:t>
+          </a:r>
+          <a:endParaRPr lang="en-US" dirty="0"/>
+        </a:p>
+      </dgm:t>
+    </dgm:pt>
+    <dgm:pt modelId="{7CD8B726-A4F0-4EA1-AAB7-576C7B83EA73}" type="parTrans" cxnId="{DA559217-A476-4CEB-9286-56E6CBF48A97}">
+      <dgm:prSet/>
+      <dgm:spPr/>
+      <dgm:t>
+        <a:bodyPr/>
+        <a:lstStyle/>
+        <a:p>
+          <a:endParaRPr lang="en-US"/>
+        </a:p>
+      </dgm:t>
+    </dgm:pt>
+    <dgm:pt modelId="{0E8BB30D-FC4D-410F-AA32-7BDD8D5E9C71}" type="sibTrans" cxnId="{DA559217-A476-4CEB-9286-56E6CBF48A97}">
+      <dgm:prSet/>
+      <dgm:spPr/>
+      <dgm:t>
+        <a:bodyPr/>
+        <a:lstStyle/>
+        <a:p>
+          <a:endParaRPr lang="en-US"/>
+        </a:p>
+      </dgm:t>
+    </dgm:pt>
+    <dgm:pt modelId="{1C18A908-CAA5-4C92-98B1-07F4FCE0202E}">
+      <dgm:prSet phldrT="[Text]"/>
+      <dgm:spPr/>
+      <dgm:t>
+        <a:bodyPr/>
+        <a:lstStyle/>
+        <a:p>
+          <a:r>
+            <a:rPr lang="en-US" dirty="0" smtClean="0"/>
+            <a:t>Resource management</a:t>
+          </a:r>
+          <a:endParaRPr lang="en-US" dirty="0"/>
+        </a:p>
+      </dgm:t>
+    </dgm:pt>
+    <dgm:pt modelId="{FA24E725-10A9-4B34-8B48-1397F068767A}" type="parTrans" cxnId="{CAEB84A3-E295-4392-A6C2-CCD5BA6BE5FA}">
+      <dgm:prSet/>
+      <dgm:spPr/>
+      <dgm:t>
+        <a:bodyPr/>
+        <a:lstStyle/>
+        <a:p>
+          <a:endParaRPr lang="en-US"/>
+        </a:p>
+      </dgm:t>
+    </dgm:pt>
+    <dgm:pt modelId="{891CB259-1ECB-4365-BDFA-249C8A4BE958}" type="sibTrans" cxnId="{CAEB84A3-E295-4392-A6C2-CCD5BA6BE5FA}">
+      <dgm:prSet/>
+      <dgm:spPr/>
+      <dgm:t>
+        <a:bodyPr/>
+        <a:lstStyle/>
+        <a:p>
+          <a:endParaRPr lang="en-US"/>
+        </a:p>
+      </dgm:t>
+    </dgm:pt>
+    <dgm:pt modelId="{7E82966C-3DA2-405D-A127-2AD521793F77}">
+      <dgm:prSet phldrT="[Text]"/>
+      <dgm:spPr/>
+      <dgm:t>
+        <a:bodyPr/>
+        <a:lstStyle/>
+        <a:p>
+          <a:r>
+            <a:rPr lang="en-US" dirty="0" smtClean="0"/>
+            <a:t>Harvesting</a:t>
+          </a:r>
+          <a:endParaRPr lang="en-US" dirty="0"/>
+        </a:p>
+      </dgm:t>
+    </dgm:pt>
+    <dgm:pt modelId="{88A3826A-F40E-491A-8338-2EB8050CDDAE}" type="parTrans" cxnId="{B0C4F00E-52D5-4F21-8CC7-2F985331C22E}">
+      <dgm:prSet/>
+      <dgm:spPr/>
+      <dgm:t>
+        <a:bodyPr/>
+        <a:lstStyle/>
+        <a:p>
+          <a:endParaRPr lang="en-US"/>
+        </a:p>
+      </dgm:t>
+    </dgm:pt>
+    <dgm:pt modelId="{D42D176E-F6FF-4CD3-BABF-6944177D9080}" type="sibTrans" cxnId="{B0C4F00E-52D5-4F21-8CC7-2F985331C22E}">
+      <dgm:prSet/>
+      <dgm:spPr/>
+      <dgm:t>
+        <a:bodyPr/>
+        <a:lstStyle/>
+        <a:p>
+          <a:endParaRPr lang="en-US"/>
+        </a:p>
+      </dgm:t>
+    </dgm:pt>
+    <dgm:pt modelId="{F8CF3EF6-6B35-440B-9B27-1A8910CB768C}">
+      <dgm:prSet phldrT="[Text]"/>
+      <dgm:spPr/>
+      <dgm:t>
+        <a:bodyPr/>
+        <a:lstStyle/>
+        <a:p>
+          <a:r>
+            <a:rPr lang="en-US" dirty="0" smtClean="0"/>
+            <a:t>Transaction</a:t>
+          </a:r>
+          <a:endParaRPr lang="en-US" dirty="0"/>
+        </a:p>
+      </dgm:t>
+    </dgm:pt>
+    <dgm:pt modelId="{7D22B95D-80E7-4A7D-9428-5459BDDD5F20}" type="parTrans" cxnId="{B2A5F329-4149-4E30-BC6B-0D96DCA18B3D}">
+      <dgm:prSet/>
+      <dgm:spPr/>
+      <dgm:t>
+        <a:bodyPr/>
+        <a:lstStyle/>
+        <a:p>
+          <a:endParaRPr lang="en-US"/>
+        </a:p>
+      </dgm:t>
+    </dgm:pt>
+    <dgm:pt modelId="{699882AB-2D12-4BBC-B5B4-5F3B2D90C18C}" type="sibTrans" cxnId="{B2A5F329-4149-4E30-BC6B-0D96DCA18B3D}">
+      <dgm:prSet/>
+      <dgm:spPr/>
+      <dgm:t>
+        <a:bodyPr/>
+        <a:lstStyle/>
+        <a:p>
+          <a:endParaRPr lang="en-US"/>
+        </a:p>
+      </dgm:t>
+    </dgm:pt>
+    <dgm:pt modelId="{D80CE20B-CCFD-492C-91A9-FDEF7F44457C}">
+      <dgm:prSet phldrT="[Text]"/>
+      <dgm:spPr/>
+      <dgm:t>
+        <a:bodyPr/>
+        <a:lstStyle/>
+        <a:p>
+          <a:r>
+            <a:rPr lang="en-US" dirty="0" smtClean="0"/>
+            <a:t>Authorization</a:t>
+          </a:r>
+          <a:endParaRPr lang="en-US" dirty="0"/>
+        </a:p>
+      </dgm:t>
+    </dgm:pt>
+    <dgm:pt modelId="{5CF1A642-B8A1-4D34-8578-9992916EE086}" type="parTrans" cxnId="{A9C578AC-BB7B-4639-8E26-E75CBE4A599D}">
+      <dgm:prSet/>
+      <dgm:spPr/>
+      <dgm:t>
+        <a:bodyPr/>
+        <a:lstStyle/>
+        <a:p>
+          <a:endParaRPr lang="en-US"/>
+        </a:p>
+      </dgm:t>
+    </dgm:pt>
+    <dgm:pt modelId="{76BA325C-13DB-47AF-8DE0-E07E8B88CC7C}" type="sibTrans" cxnId="{A9C578AC-BB7B-4639-8E26-E75CBE4A599D}">
+      <dgm:prSet/>
+      <dgm:spPr/>
+      <dgm:t>
+        <a:bodyPr/>
+        <a:lstStyle/>
+        <a:p>
+          <a:endParaRPr lang="en-US"/>
+        </a:p>
+      </dgm:t>
+    </dgm:pt>
+    <dgm:pt modelId="{E7F36BEA-AFEF-4961-9DDE-53C06D54DA01}">
+      <dgm:prSet phldrT="[Text]"/>
+      <dgm:spPr/>
+      <dgm:t>
+        <a:bodyPr/>
+        <a:lstStyle/>
+        <a:p>
+          <a:r>
+            <a:rPr lang="en-US" dirty="0" smtClean="0"/>
+            <a:t>Representation</a:t>
+          </a:r>
+          <a:endParaRPr lang="en-US" dirty="0"/>
+        </a:p>
+      </dgm:t>
+    </dgm:pt>
+    <dgm:pt modelId="{32D93E27-B836-406C-BFA2-8297CEFBB9CA}" type="parTrans" cxnId="{6C775F90-D589-44C7-921C-9820C9C3C37B}">
+      <dgm:prSet/>
+      <dgm:spPr/>
+      <dgm:t>
+        <a:bodyPr/>
+        <a:lstStyle/>
+        <a:p>
+          <a:endParaRPr lang="en-US"/>
+        </a:p>
+      </dgm:t>
+    </dgm:pt>
+    <dgm:pt modelId="{5C8BB972-E496-46CA-BFFF-E9FA72E9211C}" type="sibTrans" cxnId="{6C775F90-D589-44C7-921C-9820C9C3C37B}">
+      <dgm:prSet/>
+      <dgm:spPr/>
+      <dgm:t>
+        <a:bodyPr/>
+        <a:lstStyle/>
+        <a:p>
+          <a:endParaRPr lang="en-US"/>
+        </a:p>
+      </dgm:t>
+    </dgm:pt>
+    <dgm:pt modelId="{23376FBB-2F19-4397-82F8-CE125DACBFA8}">
+      <dgm:prSet phldrT="[Text]"/>
+      <dgm:spPr/>
+      <dgm:t>
+        <a:bodyPr/>
+        <a:lstStyle/>
+        <a:p>
+          <a:r>
+            <a:rPr lang="en-US" dirty="0" smtClean="0"/>
+            <a:t>Web accessibility</a:t>
+          </a:r>
+          <a:endParaRPr lang="en-US" dirty="0"/>
+        </a:p>
+      </dgm:t>
+    </dgm:pt>
+    <dgm:pt modelId="{25B3FADD-75A6-4D1F-9246-8F2CB8B4C53B}" type="parTrans" cxnId="{B2B1387D-74C9-436B-8F6F-AB1F6A5A4849}">
+      <dgm:prSet/>
+      <dgm:spPr/>
+      <dgm:t>
+        <a:bodyPr/>
+        <a:lstStyle/>
+        <a:p>
+          <a:endParaRPr lang="en-US"/>
+        </a:p>
+      </dgm:t>
+    </dgm:pt>
+    <dgm:pt modelId="{CC9D7286-0677-4ACC-ADE9-98D5125D63B5}" type="sibTrans" cxnId="{B2B1387D-74C9-436B-8F6F-AB1F6A5A4849}">
+      <dgm:prSet/>
+      <dgm:spPr/>
+      <dgm:t>
+        <a:bodyPr/>
+        <a:lstStyle/>
+        <a:p>
+          <a:endParaRPr lang="en-US"/>
+        </a:p>
+      </dgm:t>
+    </dgm:pt>
+    <dgm:pt modelId="{35B27828-045D-4796-BC40-DBBB693661CC}">
+      <dgm:prSet phldrT="[Text]"/>
+      <dgm:spPr/>
+      <dgm:t>
+        <a:bodyPr/>
+        <a:lstStyle/>
+        <a:p>
+          <a:endParaRPr lang="en-US" dirty="0"/>
+        </a:p>
+      </dgm:t>
+    </dgm:pt>
+    <dgm:pt modelId="{BD0B374A-D73A-4490-8833-AE7547BC43ED}" type="parTrans" cxnId="{6DF4A6BF-B146-4276-9CE7-8F8F1BED7409}">
+      <dgm:prSet/>
+      <dgm:spPr/>
+      <dgm:t>
+        <a:bodyPr/>
+        <a:lstStyle/>
+        <a:p>
+          <a:endParaRPr lang="en-US"/>
+        </a:p>
+      </dgm:t>
+    </dgm:pt>
+    <dgm:pt modelId="{DCBE2856-EC59-4267-8D23-09CD17BA839E}" type="sibTrans" cxnId="{6DF4A6BF-B146-4276-9CE7-8F8F1BED7409}">
+      <dgm:prSet/>
+      <dgm:spPr/>
+      <dgm:t>
+        <a:bodyPr/>
+        <a:lstStyle/>
+        <a:p>
+          <a:endParaRPr lang="en-US"/>
+        </a:p>
+      </dgm:t>
+    </dgm:pt>
+    <dgm:pt modelId="{E955CA0F-33D2-4DDD-BB8E-3D64BF23DDBD}">
+      <dgm:prSet phldrT="[Text]"/>
+      <dgm:spPr/>
+      <dgm:t>
+        <a:bodyPr/>
+        <a:lstStyle/>
+        <a:p>
+          <a:endParaRPr lang="en-US" dirty="0"/>
+        </a:p>
+      </dgm:t>
+    </dgm:pt>
+    <dgm:pt modelId="{F435FA28-0927-47AE-BA4B-3C808C2F64C6}" type="parTrans" cxnId="{280916F2-2822-4982-B3C8-ADC7A2690E52}">
+      <dgm:prSet/>
+      <dgm:spPr/>
+      <dgm:t>
+        <a:bodyPr/>
+        <a:lstStyle/>
+        <a:p>
+          <a:endParaRPr lang="en-US"/>
+        </a:p>
+      </dgm:t>
+    </dgm:pt>
+    <dgm:pt modelId="{945312C8-8DD7-4491-B36E-8A0BF1D1707D}" type="sibTrans" cxnId="{280916F2-2822-4982-B3C8-ADC7A2690E52}">
+      <dgm:prSet/>
+      <dgm:spPr/>
+      <dgm:t>
+        <a:bodyPr/>
+        <a:lstStyle/>
+        <a:p>
+          <a:endParaRPr lang="en-US"/>
+        </a:p>
+      </dgm:t>
+    </dgm:pt>
+    <dgm:pt modelId="{0B11F325-02A3-4DCB-BAD9-BFD434527BD2}">
+      <dgm:prSet phldrT="[Text]"/>
+      <dgm:spPr/>
+      <dgm:t>
+        <a:bodyPr/>
+        <a:lstStyle/>
+        <a:p>
+          <a:r>
+            <a:rPr lang="en-US" dirty="0" smtClean="0"/>
+            <a:t>KDWS services</a:t>
+          </a:r>
+          <a:endParaRPr lang="en-US" dirty="0"/>
+        </a:p>
+      </dgm:t>
+    </dgm:pt>
+    <dgm:pt modelId="{9C8B5DA7-8160-48EE-9240-32EDC87AA208}" type="parTrans" cxnId="{143A9FC8-A594-41C7-994A-F5491719584F}">
+      <dgm:prSet/>
+      <dgm:spPr/>
+      <dgm:t>
+        <a:bodyPr/>
+        <a:lstStyle/>
+        <a:p>
+          <a:endParaRPr lang="en-US"/>
+        </a:p>
+      </dgm:t>
+    </dgm:pt>
+    <dgm:pt modelId="{71AE4AA1-CE26-4DE9-A1C1-76297A5E5CD8}" type="sibTrans" cxnId="{143A9FC8-A594-41C7-994A-F5491719584F}">
+      <dgm:prSet/>
+      <dgm:spPr/>
+      <dgm:t>
+        <a:bodyPr/>
+        <a:lstStyle/>
+        <a:p>
+          <a:endParaRPr lang="en-US"/>
+        </a:p>
+      </dgm:t>
+    </dgm:pt>
+    <dgm:pt modelId="{15C790A6-4C31-4EA4-9828-581B752B9706}">
+      <dgm:prSet phldrT="[Text]"/>
+      <dgm:spPr/>
+      <dgm:t>
+        <a:bodyPr/>
+        <a:lstStyle/>
+        <a:p>
+          <a:r>
+            <a:rPr lang="en-US" dirty="0" smtClean="0"/>
+            <a:t>Data servers</a:t>
+          </a:r>
+          <a:endParaRPr lang="en-US" dirty="0"/>
+        </a:p>
+      </dgm:t>
+    </dgm:pt>
+    <dgm:pt modelId="{ACE7A48F-3471-4835-B9FB-004B4C382256}" type="parTrans" cxnId="{A58FAFE8-6C21-4DC7-8AF2-8143ACA05581}">
+      <dgm:prSet/>
+      <dgm:spPr/>
+      <dgm:t>
+        <a:bodyPr/>
+        <a:lstStyle/>
+        <a:p>
+          <a:endParaRPr lang="en-US"/>
+        </a:p>
+      </dgm:t>
+    </dgm:pt>
+    <dgm:pt modelId="{3F17B4CE-F42F-41D7-9FA6-37246C0E8522}" type="sibTrans" cxnId="{A58FAFE8-6C21-4DC7-8AF2-8143ACA05581}">
+      <dgm:prSet/>
+      <dgm:spPr/>
+      <dgm:t>
+        <a:bodyPr/>
+        <a:lstStyle/>
+        <a:p>
+          <a:endParaRPr lang="en-US"/>
+        </a:p>
+      </dgm:t>
+    </dgm:pt>
+    <dgm:pt modelId="{73F0649B-B26D-4AD6-9A95-8B6142DA3C66}">
+      <dgm:prSet phldrT="[Text]"/>
+      <dgm:spPr/>
+      <dgm:t>
+        <a:bodyPr/>
+        <a:lstStyle/>
+        <a:p>
+          <a:r>
+            <a:rPr lang="en-US" dirty="0" smtClean="0"/>
+            <a:t>Authentication</a:t>
+          </a:r>
+          <a:endParaRPr lang="en-US" dirty="0"/>
+        </a:p>
+      </dgm:t>
+    </dgm:pt>
+    <dgm:pt modelId="{FD8B7FC7-3D5D-47EA-BFE1-432D12BF677A}" type="sibTrans" cxnId="{AC7282F6-30B7-4B48-A124-4EEC4686EC57}">
+      <dgm:prSet/>
+      <dgm:spPr/>
+      <dgm:t>
+        <a:bodyPr/>
+        <a:lstStyle/>
+        <a:p>
+          <a:endParaRPr lang="en-US"/>
+        </a:p>
+      </dgm:t>
+    </dgm:pt>
+    <dgm:pt modelId="{03EB2EAF-20FE-4A6C-8EC1-62EED3D4E09B}" type="parTrans" cxnId="{AC7282F6-30B7-4B48-A124-4EEC4686EC57}">
+      <dgm:prSet/>
+      <dgm:spPr/>
+      <dgm:t>
+        <a:bodyPr/>
+        <a:lstStyle/>
+        <a:p>
+          <a:endParaRPr lang="en-US"/>
+        </a:p>
+      </dgm:t>
+    </dgm:pt>
+    <dgm:pt modelId="{76B3E63C-2E28-4324-97DE-A471E9F8A8E1}" type="pres">
+      <dgm:prSet presAssocID="{973A7D50-E3A1-429B-826B-DB04690DF08A}" presName="cycleMatrixDiagram" presStyleCnt="0">
+        <dgm:presLayoutVars>
+          <dgm:chMax val="1"/>
+          <dgm:dir/>
+          <dgm:animLvl val="lvl"/>
+          <dgm:resizeHandles val="exact"/>
+        </dgm:presLayoutVars>
+      </dgm:prSet>
+      <dgm:spPr/>
+    </dgm:pt>
+    <dgm:pt modelId="{5FB8E45A-1259-4987-B21E-6B37D18FFA1A}" type="pres">
+      <dgm:prSet presAssocID="{973A7D50-E3A1-429B-826B-DB04690DF08A}" presName="children" presStyleCnt="0"/>
+      <dgm:spPr/>
+    </dgm:pt>
+    <dgm:pt modelId="{114C9A4B-7AF6-4254-8536-D141D9BAE921}" type="pres">
+      <dgm:prSet presAssocID="{973A7D50-E3A1-429B-826B-DB04690DF08A}" presName="child1group" presStyleCnt="0"/>
+      <dgm:spPr/>
+    </dgm:pt>
+    <dgm:pt modelId="{DFE1CD39-A885-4B80-8E2A-3588C678FF56}" type="pres">
+      <dgm:prSet presAssocID="{973A7D50-E3A1-429B-826B-DB04690DF08A}" presName="child1" presStyleLbl="bgAcc1" presStyleIdx="0" presStyleCnt="4"/>
+      <dgm:spPr/>
+      <dgm:t>
+        <a:bodyPr/>
+        <a:lstStyle/>
+        <a:p>
+          <a:endParaRPr lang="en-US"/>
+        </a:p>
+      </dgm:t>
+    </dgm:pt>
+    <dgm:pt modelId="{7B3BE779-81A5-4563-BC08-8895B9C7CDE0}" type="pres">
+      <dgm:prSet presAssocID="{973A7D50-E3A1-429B-826B-DB04690DF08A}" presName="child1Text" presStyleLbl="bgAcc1" presStyleIdx="0" presStyleCnt="4">
+        <dgm:presLayoutVars>
+          <dgm:bulletEnabled val="1"/>
+        </dgm:presLayoutVars>
+      </dgm:prSet>
+      <dgm:spPr/>
+      <dgm:t>
+        <a:bodyPr/>
+        <a:lstStyle/>
+        <a:p>
+          <a:endParaRPr lang="en-US"/>
+        </a:p>
+      </dgm:t>
+    </dgm:pt>
+    <dgm:pt modelId="{19941015-0C29-4D4E-9AFE-E8BEAC99907E}" type="pres">
+      <dgm:prSet presAssocID="{973A7D50-E3A1-429B-826B-DB04690DF08A}" presName="child2group" presStyleCnt="0"/>
+      <dgm:spPr/>
+    </dgm:pt>
+    <dgm:pt modelId="{253D8F47-9950-44D4-922A-F7373E300886}" type="pres">
+      <dgm:prSet presAssocID="{973A7D50-E3A1-429B-826B-DB04690DF08A}" presName="child2" presStyleLbl="bgAcc1" presStyleIdx="1" presStyleCnt="4"/>
+      <dgm:spPr/>
+      <dgm:t>
+        <a:bodyPr/>
+        <a:lstStyle/>
+        <a:p>
+          <a:endParaRPr lang="en-US"/>
+        </a:p>
+      </dgm:t>
+    </dgm:pt>
+    <dgm:pt modelId="{4F8D8E8C-2F6C-4BBC-BB00-AC6432218436}" type="pres">
+      <dgm:prSet presAssocID="{973A7D50-E3A1-429B-826B-DB04690DF08A}" presName="child2Text" presStyleLbl="bgAcc1" presStyleIdx="1" presStyleCnt="4">
+        <dgm:presLayoutVars>
+          <dgm:bulletEnabled val="1"/>
+        </dgm:presLayoutVars>
+      </dgm:prSet>
+      <dgm:spPr/>
+      <dgm:t>
+        <a:bodyPr/>
+        <a:lstStyle/>
+        <a:p>
+          <a:endParaRPr lang="en-US"/>
+        </a:p>
+      </dgm:t>
+    </dgm:pt>
+    <dgm:pt modelId="{0D88CB47-AD3B-4453-AADE-0DFAAACE3358}" type="pres">
+      <dgm:prSet presAssocID="{973A7D50-E3A1-429B-826B-DB04690DF08A}" presName="child3group" presStyleCnt="0"/>
+      <dgm:spPr/>
+    </dgm:pt>
+    <dgm:pt modelId="{0B5909D9-3B23-42DD-B258-F787432FAD53}" type="pres">
+      <dgm:prSet presAssocID="{973A7D50-E3A1-429B-826B-DB04690DF08A}" presName="child3" presStyleLbl="bgAcc1" presStyleIdx="2" presStyleCnt="4" custScaleX="104835" custLinFactNeighborX="7883"/>
+      <dgm:spPr/>
+      <dgm:t>
+        <a:bodyPr/>
+        <a:lstStyle/>
+        <a:p>
+          <a:endParaRPr lang="en-US"/>
+        </a:p>
+      </dgm:t>
+    </dgm:pt>
+    <dgm:pt modelId="{4F8EB1D4-B0DD-480F-8ED6-18780FA27AF1}" type="pres">
+      <dgm:prSet presAssocID="{973A7D50-E3A1-429B-826B-DB04690DF08A}" presName="child3Text" presStyleLbl="bgAcc1" presStyleIdx="2" presStyleCnt="4">
+        <dgm:presLayoutVars>
+          <dgm:bulletEnabled val="1"/>
+        </dgm:presLayoutVars>
+      </dgm:prSet>
+      <dgm:spPr/>
+      <dgm:t>
+        <a:bodyPr/>
+        <a:lstStyle/>
+        <a:p>
+          <a:endParaRPr lang="en-US"/>
+        </a:p>
+      </dgm:t>
+    </dgm:pt>
+    <dgm:pt modelId="{8D63A540-4B6A-461B-8331-B165C19FF0F1}" type="pres">
+      <dgm:prSet presAssocID="{973A7D50-E3A1-429B-826B-DB04690DF08A}" presName="child4group" presStyleCnt="0"/>
+      <dgm:spPr/>
+    </dgm:pt>
+    <dgm:pt modelId="{92875E82-333B-4A67-88B7-43EEF7C1A580}" type="pres">
+      <dgm:prSet presAssocID="{973A7D50-E3A1-429B-826B-DB04690DF08A}" presName="child4" presStyleLbl="bgAcc1" presStyleIdx="3" presStyleCnt="4"/>
+      <dgm:spPr/>
+      <dgm:t>
+        <a:bodyPr/>
+        <a:lstStyle/>
+        <a:p>
+          <a:endParaRPr lang="en-US"/>
+        </a:p>
+      </dgm:t>
+    </dgm:pt>
+    <dgm:pt modelId="{48F74AF4-38FB-4393-A324-F8919C312A41}" type="pres">
+      <dgm:prSet presAssocID="{973A7D50-E3A1-429B-826B-DB04690DF08A}" presName="child4Text" presStyleLbl="bgAcc1" presStyleIdx="3" presStyleCnt="4">
+        <dgm:presLayoutVars>
+          <dgm:bulletEnabled val="1"/>
+        </dgm:presLayoutVars>
+      </dgm:prSet>
+      <dgm:spPr/>
+      <dgm:t>
+        <a:bodyPr/>
+        <a:lstStyle/>
+        <a:p>
+          <a:endParaRPr lang="en-US"/>
+        </a:p>
+      </dgm:t>
+    </dgm:pt>
+    <dgm:pt modelId="{B22A7D47-B162-409A-99B1-9421DEA50709}" type="pres">
+      <dgm:prSet presAssocID="{973A7D50-E3A1-429B-826B-DB04690DF08A}" presName="childPlaceholder" presStyleCnt="0"/>
+      <dgm:spPr/>
+    </dgm:pt>
+    <dgm:pt modelId="{0477CD8B-B78D-47C3-8C6E-5A298D4F83D5}" type="pres">
+      <dgm:prSet presAssocID="{973A7D50-E3A1-429B-826B-DB04690DF08A}" presName="circle" presStyleCnt="0"/>
+      <dgm:spPr/>
+    </dgm:pt>
+    <dgm:pt modelId="{5AE18E0A-5B64-42F9-9AFC-A56A5073FA8B}" type="pres">
+      <dgm:prSet presAssocID="{973A7D50-E3A1-429B-826B-DB04690DF08A}" presName="quadrant1" presStyleLbl="node1" presStyleIdx="0" presStyleCnt="4">
+        <dgm:presLayoutVars>
+          <dgm:chMax val="1"/>
+          <dgm:bulletEnabled val="1"/>
+        </dgm:presLayoutVars>
+      </dgm:prSet>
+      <dgm:spPr/>
+      <dgm:t>
+        <a:bodyPr/>
+        <a:lstStyle/>
+        <a:p>
+          <a:endParaRPr lang="en-US"/>
+        </a:p>
+      </dgm:t>
+    </dgm:pt>
+    <dgm:pt modelId="{8D85F58C-A08A-4D04-B862-AE884CDB8F9A}" type="pres">
+      <dgm:prSet presAssocID="{973A7D50-E3A1-429B-826B-DB04690DF08A}" presName="quadrant2" presStyleLbl="node1" presStyleIdx="1" presStyleCnt="4">
+        <dgm:presLayoutVars>
+          <dgm:chMax val="1"/>
+          <dgm:bulletEnabled val="1"/>
+        </dgm:presLayoutVars>
+      </dgm:prSet>
+      <dgm:spPr/>
+      <dgm:t>
+        <a:bodyPr/>
+        <a:lstStyle/>
+        <a:p>
+          <a:endParaRPr lang="en-US"/>
+        </a:p>
+      </dgm:t>
+    </dgm:pt>
+    <dgm:pt modelId="{E2C60042-ED76-49C8-A02D-05C0FA108260}" type="pres">
+      <dgm:prSet presAssocID="{973A7D50-E3A1-429B-826B-DB04690DF08A}" presName="quadrant3" presStyleLbl="node1" presStyleIdx="2" presStyleCnt="4">
+        <dgm:presLayoutVars>
+          <dgm:chMax val="1"/>
+          <dgm:bulletEnabled val="1"/>
+        </dgm:presLayoutVars>
+      </dgm:prSet>
+      <dgm:spPr/>
+      <dgm:t>
+        <a:bodyPr/>
+        <a:lstStyle/>
+        <a:p>
+          <a:endParaRPr lang="en-US"/>
+        </a:p>
+      </dgm:t>
+    </dgm:pt>
+    <dgm:pt modelId="{2EB1F766-A050-4C46-B33A-6A6431F13DB0}" type="pres">
+      <dgm:prSet presAssocID="{973A7D50-E3A1-429B-826B-DB04690DF08A}" presName="quadrant4" presStyleLbl="node1" presStyleIdx="3" presStyleCnt="4">
+        <dgm:presLayoutVars>
+          <dgm:chMax val="1"/>
+          <dgm:bulletEnabled val="1"/>
+        </dgm:presLayoutVars>
+      </dgm:prSet>
+      <dgm:spPr/>
+      <dgm:t>
+        <a:bodyPr/>
+        <a:lstStyle/>
+        <a:p>
+          <a:endParaRPr lang="en-US"/>
+        </a:p>
+      </dgm:t>
+    </dgm:pt>
+    <dgm:pt modelId="{520CEABE-454B-4DB7-BC29-32B9C0D03FA9}" type="pres">
+      <dgm:prSet presAssocID="{973A7D50-E3A1-429B-826B-DB04690DF08A}" presName="quadrantPlaceholder" presStyleCnt="0"/>
+      <dgm:spPr/>
+    </dgm:pt>
+    <dgm:pt modelId="{8795AD4B-EFD6-4C3D-9BDF-D4ABD6AE89E4}" type="pres">
+      <dgm:prSet presAssocID="{973A7D50-E3A1-429B-826B-DB04690DF08A}" presName="center1" presStyleLbl="fgShp" presStyleIdx="0" presStyleCnt="2"/>
+      <dgm:spPr/>
+    </dgm:pt>
+    <dgm:pt modelId="{A4C7A5DC-D044-4EB1-9CC5-05068CC2E6D3}" type="pres">
+      <dgm:prSet presAssocID="{973A7D50-E3A1-429B-826B-DB04690DF08A}" presName="center2" presStyleLbl="fgShp" presStyleIdx="1" presStyleCnt="2"/>
+      <dgm:spPr/>
+    </dgm:pt>
+  </dgm:ptLst>
+  <dgm:cxnLst>
+    <dgm:cxn modelId="{355C1446-F406-46D4-8A3A-F45D096F62FD}" type="presOf" srcId="{A10D7C72-DD4C-479D-8BA9-F8EBCCF3049C}" destId="{E2C60042-ED76-49C8-A02D-05C0FA108260}" srcOrd="0" destOrd="0" presId="urn:microsoft.com/office/officeart/2005/8/layout/cycle4"/>
+    <dgm:cxn modelId="{448B3764-2D1B-4F45-A0D5-F460F611E0EF}" srcId="{13F3154E-1580-4CDF-8ABC-0281646D986E}" destId="{918B291D-A6A8-4CD9-A2B2-6D92876B479F}" srcOrd="0" destOrd="0" parTransId="{795DA5FC-D69C-4CD6-97FB-6FDD29A5B6F6}" sibTransId="{392607C2-2B82-49F4-A463-59C237BB9BF6}"/>
+    <dgm:cxn modelId="{17717918-5FC9-4935-BE06-8DB62C407E43}" type="presOf" srcId="{23376FBB-2F19-4397-82F8-CE125DACBFA8}" destId="{7B3BE779-81A5-4563-BC08-8895B9C7CDE0}" srcOrd="1" destOrd="0" presId="urn:microsoft.com/office/officeart/2005/8/layout/cycle4"/>
+    <dgm:cxn modelId="{AEEF7D27-3843-4C30-9CBC-ADC450343FFA}" type="presOf" srcId="{35B27828-045D-4796-BC40-DBBB693661CC}" destId="{48F74AF4-38FB-4393-A324-F8919C312A41}" srcOrd="1" destOrd="4" presId="urn:microsoft.com/office/officeart/2005/8/layout/cycle4"/>
+    <dgm:cxn modelId="{B2A5F329-4149-4E30-BC6B-0D96DCA18B3D}" srcId="{13F3154E-1580-4CDF-8ABC-0281646D986E}" destId="{F8CF3EF6-6B35-440B-9B27-1A8910CB768C}" srcOrd="2" destOrd="0" parTransId="{7D22B95D-80E7-4A7D-9428-5459BDDD5F20}" sibTransId="{699882AB-2D12-4BBC-B5B4-5F3B2D90C18C}"/>
+    <dgm:cxn modelId="{673E7692-1093-4556-A0FC-7B50741AFDBB}" type="presOf" srcId="{C3E43A34-E949-4673-95BE-9B84CB44B6D8}" destId="{48F74AF4-38FB-4393-A324-F8919C312A41}" srcOrd="1" destOrd="1" presId="urn:microsoft.com/office/officeart/2005/8/layout/cycle4"/>
+    <dgm:cxn modelId="{A7F2B26E-E730-4EDC-96F9-0AEA620ACD27}" type="presOf" srcId="{1C18A908-CAA5-4C92-98B1-07F4FCE0202E}" destId="{0B5909D9-3B23-42DD-B258-F787432FAD53}" srcOrd="0" destOrd="0" presId="urn:microsoft.com/office/officeart/2005/8/layout/cycle4"/>
+    <dgm:cxn modelId="{CC8441AE-EFC2-499A-AAB9-48D8732CAABD}" type="presOf" srcId="{918B291D-A6A8-4CD9-A2B2-6D92876B479F}" destId="{4F8D8E8C-2F6C-4BBC-BB00-AC6432218436}" srcOrd="1" destOrd="0" presId="urn:microsoft.com/office/officeart/2005/8/layout/cycle4"/>
+    <dgm:cxn modelId="{A58FAFE8-6C21-4DC7-8AF2-8143ACA05581}" srcId="{961314D5-477F-42EC-A3A5-A42A40634BEC}" destId="{15C790A6-4C31-4EA4-9828-581B752B9706}" srcOrd="0" destOrd="0" parTransId="{ACE7A48F-3471-4835-B9FB-004B4C382256}" sibTransId="{3F17B4CE-F42F-41D7-9FA6-37246C0E8522}"/>
+    <dgm:cxn modelId="{C1A22970-E101-42AD-8AD5-37A79163CA9F}" type="presOf" srcId="{1C18A908-CAA5-4C92-98B1-07F4FCE0202E}" destId="{4F8EB1D4-B0DD-480F-8ED6-18780FA27AF1}" srcOrd="1" destOrd="0" presId="urn:microsoft.com/office/officeart/2005/8/layout/cycle4"/>
+    <dgm:cxn modelId="{B1D5EE37-B322-4885-8CF6-0C939E2917C2}" type="presOf" srcId="{0B11F325-02A3-4DCB-BAD9-BFD434527BD2}" destId="{92875E82-333B-4A67-88B7-43EEF7C1A580}" srcOrd="0" destOrd="2" presId="urn:microsoft.com/office/officeart/2005/8/layout/cycle4"/>
+    <dgm:cxn modelId="{471AA4E1-2259-4EC6-86D7-90959A440460}" type="presOf" srcId="{73F0649B-B26D-4AD6-9A95-8B6142DA3C66}" destId="{4F8EB1D4-B0DD-480F-8ED6-18780FA27AF1}" srcOrd="1" destOrd="1" presId="urn:microsoft.com/office/officeart/2005/8/layout/cycle4"/>
+    <dgm:cxn modelId="{BF56A5ED-850F-4021-B637-20AF5A180673}" srcId="{973A7D50-E3A1-429B-826B-DB04690DF08A}" destId="{A9CE331B-707F-45C3-9458-E2558B38B628}" srcOrd="0" destOrd="0" parTransId="{DE2F7CE7-FE3C-4052-A20E-853558365B03}" sibTransId="{8E00C9E5-710C-4524-AF64-29A225996CAF}"/>
+    <dgm:cxn modelId="{6DF4A6BF-B146-4276-9CE7-8F8F1BED7409}" srcId="{961314D5-477F-42EC-A3A5-A42A40634BEC}" destId="{35B27828-045D-4796-BC40-DBBB693661CC}" srcOrd="4" destOrd="0" parTransId="{BD0B374A-D73A-4490-8833-AE7547BC43ED}" sibTransId="{DCBE2856-EC59-4267-8D23-09CD17BA839E}"/>
+    <dgm:cxn modelId="{B2B1387D-74C9-436B-8F6F-AB1F6A5A4849}" srcId="{A9CE331B-707F-45C3-9458-E2558B38B628}" destId="{23376FBB-2F19-4397-82F8-CE125DACBFA8}" srcOrd="0" destOrd="0" parTransId="{25B3FADD-75A6-4D1F-9246-8F2CB8B4C53B}" sibTransId="{CC9D7286-0677-4ACC-ADE9-98D5125D63B5}"/>
+    <dgm:cxn modelId="{D02DA656-9225-4918-9922-5B44630D551F}" type="presOf" srcId="{E955CA0F-33D2-4DDD-BB8E-3D64BF23DDBD}" destId="{48F74AF4-38FB-4393-A324-F8919C312A41}" srcOrd="1" destOrd="3" presId="urn:microsoft.com/office/officeart/2005/8/layout/cycle4"/>
+    <dgm:cxn modelId="{AF9A05AB-C4A1-4F46-AB51-8DD5E20366A7}" type="presOf" srcId="{7E82966C-3DA2-405D-A127-2AD521793F77}" destId="{4F8D8E8C-2F6C-4BBC-BB00-AC6432218436}" srcOrd="1" destOrd="1" presId="urn:microsoft.com/office/officeart/2005/8/layout/cycle4"/>
+    <dgm:cxn modelId="{AE05F155-570B-434B-92BB-45EF7345464C}" srcId="{973A7D50-E3A1-429B-826B-DB04690DF08A}" destId="{961314D5-477F-42EC-A3A5-A42A40634BEC}" srcOrd="3" destOrd="0" parTransId="{05E15904-5908-458D-9A79-9A66778BC7CE}" sibTransId="{B8C63ACC-539C-47C7-BFD0-04CDF984B752}"/>
+    <dgm:cxn modelId="{AF309B1F-0C98-494E-85BE-1F8DDF5B73CF}" type="presOf" srcId="{73F0649B-B26D-4AD6-9A95-8B6142DA3C66}" destId="{0B5909D9-3B23-42DD-B258-F787432FAD53}" srcOrd="0" destOrd="1" presId="urn:microsoft.com/office/officeart/2005/8/layout/cycle4"/>
+    <dgm:cxn modelId="{528DF3C2-601D-4379-907C-8EE45D0DA9FE}" type="presOf" srcId="{E7F36BEA-AFEF-4961-9DDE-53C06D54DA01}" destId="{7B3BE779-81A5-4563-BC08-8895B9C7CDE0}" srcOrd="1" destOrd="2" presId="urn:microsoft.com/office/officeart/2005/8/layout/cycle4"/>
+    <dgm:cxn modelId="{23CFC438-D6F8-4A94-BE65-BAF6D1DCA663}" type="presOf" srcId="{15C790A6-4C31-4EA4-9828-581B752B9706}" destId="{92875E82-333B-4A67-88B7-43EEF7C1A580}" srcOrd="0" destOrd="0" presId="urn:microsoft.com/office/officeart/2005/8/layout/cycle4"/>
+    <dgm:cxn modelId="{AC7282F6-30B7-4B48-A124-4EEC4686EC57}" srcId="{A10D7C72-DD4C-479D-8BA9-F8EBCCF3049C}" destId="{73F0649B-B26D-4AD6-9A95-8B6142DA3C66}" srcOrd="1" destOrd="0" parTransId="{03EB2EAF-20FE-4A6C-8EC1-62EED3D4E09B}" sibTransId="{FD8B7FC7-3D5D-47EA-BFE1-432D12BF677A}"/>
+    <dgm:cxn modelId="{DA559217-A476-4CEB-9286-56E6CBF48A97}" srcId="{961314D5-477F-42EC-A3A5-A42A40634BEC}" destId="{C3E43A34-E949-4673-95BE-9B84CB44B6D8}" srcOrd="1" destOrd="0" parTransId="{7CD8B726-A4F0-4EA1-AAB7-576C7B83EA73}" sibTransId="{0E8BB30D-FC4D-410F-AA32-7BDD8D5E9C71}"/>
+    <dgm:cxn modelId="{94DBD682-607A-4444-B5D1-E2B8D601AA6E}" type="presOf" srcId="{35B27828-045D-4796-BC40-DBBB693661CC}" destId="{92875E82-333B-4A67-88B7-43EEF7C1A580}" srcOrd="0" destOrd="4" presId="urn:microsoft.com/office/officeart/2005/8/layout/cycle4"/>
+    <dgm:cxn modelId="{5B802EC7-CEB7-4A0D-A807-A6B124EF94A4}" type="presOf" srcId="{973A7D50-E3A1-429B-826B-DB04690DF08A}" destId="{76B3E63C-2E28-4324-97DE-A471E9F8A8E1}" srcOrd="0" destOrd="0" presId="urn:microsoft.com/office/officeart/2005/8/layout/cycle4"/>
+    <dgm:cxn modelId="{C6F0EFB5-7657-4A2E-B552-75886C770CC9}" type="presOf" srcId="{13F3154E-1580-4CDF-8ABC-0281646D986E}" destId="{8D85F58C-A08A-4D04-B862-AE884CDB8F9A}" srcOrd="0" destOrd="0" presId="urn:microsoft.com/office/officeart/2005/8/layout/cycle4"/>
+    <dgm:cxn modelId="{3F938A07-0A16-47D3-B1FC-B3C42D12D310}" type="presOf" srcId="{E955CA0F-33D2-4DDD-BB8E-3D64BF23DDBD}" destId="{92875E82-333B-4A67-88B7-43EEF7C1A580}" srcOrd="0" destOrd="3" presId="urn:microsoft.com/office/officeart/2005/8/layout/cycle4"/>
+    <dgm:cxn modelId="{CAEB84A3-E295-4392-A6C2-CCD5BA6BE5FA}" srcId="{A10D7C72-DD4C-479D-8BA9-F8EBCCF3049C}" destId="{1C18A908-CAA5-4C92-98B1-07F4FCE0202E}" srcOrd="0" destOrd="0" parTransId="{FA24E725-10A9-4B34-8B48-1397F068767A}" sibTransId="{891CB259-1ECB-4365-BDFA-249C8A4BE958}"/>
+    <dgm:cxn modelId="{3B018F53-84DC-4C14-B432-07E4D8F539E5}" type="presOf" srcId="{C3E43A34-E949-4673-95BE-9B84CB44B6D8}" destId="{92875E82-333B-4A67-88B7-43EEF7C1A580}" srcOrd="0" destOrd="1" presId="urn:microsoft.com/office/officeart/2005/8/layout/cycle4"/>
+    <dgm:cxn modelId="{2F916AF3-CC2F-4005-A307-1A4C752F45AA}" type="presOf" srcId="{E7F36BEA-AFEF-4961-9DDE-53C06D54DA01}" destId="{DFE1CD39-A885-4B80-8E2A-3588C678FF56}" srcOrd="0" destOrd="2" presId="urn:microsoft.com/office/officeart/2005/8/layout/cycle4"/>
+    <dgm:cxn modelId="{BB0A32F5-97E3-4F0A-8E0C-FBB453E94DEA}" srcId="{973A7D50-E3A1-429B-826B-DB04690DF08A}" destId="{13F3154E-1580-4CDF-8ABC-0281646D986E}" srcOrd="1" destOrd="0" parTransId="{FAD15A7D-3BD2-408F-B91E-0027A9BC87A5}" sibTransId="{09CB07DA-06CF-4A66-8AB8-83598AAEBE56}"/>
+    <dgm:cxn modelId="{389DBE53-3D71-437B-BA40-9C0B7C16DF1B}" type="presOf" srcId="{7E82966C-3DA2-405D-A127-2AD521793F77}" destId="{253D8F47-9950-44D4-922A-F7373E300886}" srcOrd="0" destOrd="1" presId="urn:microsoft.com/office/officeart/2005/8/layout/cycle4"/>
+    <dgm:cxn modelId="{143A9FC8-A594-41C7-994A-F5491719584F}" srcId="{961314D5-477F-42EC-A3A5-A42A40634BEC}" destId="{0B11F325-02A3-4DCB-BAD9-BFD434527BD2}" srcOrd="2" destOrd="0" parTransId="{9C8B5DA7-8160-48EE-9240-32EDC87AA208}" sibTransId="{71AE4AA1-CE26-4DE9-A1C1-76297A5E5CD8}"/>
+    <dgm:cxn modelId="{D46F01EC-5A3F-4888-B791-46851779257B}" srcId="{973A7D50-E3A1-429B-826B-DB04690DF08A}" destId="{A10D7C72-DD4C-479D-8BA9-F8EBCCF3049C}" srcOrd="2" destOrd="0" parTransId="{815EB66D-9F76-4E97-A4FE-CF6A798C759A}" sibTransId="{9E530C92-4B68-446C-B747-23CF15760BC0}"/>
+    <dgm:cxn modelId="{280916F2-2822-4982-B3C8-ADC7A2690E52}" srcId="{961314D5-477F-42EC-A3A5-A42A40634BEC}" destId="{E955CA0F-33D2-4DDD-BB8E-3D64BF23DDBD}" srcOrd="3" destOrd="0" parTransId="{F435FA28-0927-47AE-BA4B-3C808C2F64C6}" sibTransId="{945312C8-8DD7-4491-B36E-8A0BF1D1707D}"/>
+    <dgm:cxn modelId="{E14846B9-A7CE-4604-BEE6-09A037B9EAEA}" type="presOf" srcId="{81EFA7CC-D42E-4430-B17E-1BDF4A177C54}" destId="{DFE1CD39-A885-4B80-8E2A-3588C678FF56}" srcOrd="0" destOrd="1" presId="urn:microsoft.com/office/officeart/2005/8/layout/cycle4"/>
+    <dgm:cxn modelId="{2F91F203-992E-4C26-8ADE-2620DAB7CDF2}" type="presOf" srcId="{23376FBB-2F19-4397-82F8-CE125DACBFA8}" destId="{DFE1CD39-A885-4B80-8E2A-3588C678FF56}" srcOrd="0" destOrd="0" presId="urn:microsoft.com/office/officeart/2005/8/layout/cycle4"/>
+    <dgm:cxn modelId="{6FBBD621-5E39-4064-AAB4-A1495E1270B2}" type="presOf" srcId="{0B11F325-02A3-4DCB-BAD9-BFD434527BD2}" destId="{48F74AF4-38FB-4393-A324-F8919C312A41}" srcOrd="1" destOrd="2" presId="urn:microsoft.com/office/officeart/2005/8/layout/cycle4"/>
+    <dgm:cxn modelId="{9C462DD7-D3BB-4676-9CE5-D73E4E385A99}" type="presOf" srcId="{D80CE20B-CCFD-492C-91A9-FDEF7F44457C}" destId="{0B5909D9-3B23-42DD-B258-F787432FAD53}" srcOrd="0" destOrd="2" presId="urn:microsoft.com/office/officeart/2005/8/layout/cycle4"/>
+    <dgm:cxn modelId="{EB153EB4-8818-4420-95D7-EBD6142AEAFF}" type="presOf" srcId="{15C790A6-4C31-4EA4-9828-581B752B9706}" destId="{48F74AF4-38FB-4393-A324-F8919C312A41}" srcOrd="1" destOrd="0" presId="urn:microsoft.com/office/officeart/2005/8/layout/cycle4"/>
+    <dgm:cxn modelId="{477E1943-559A-4BF0-BF27-B4AD7C63487C}" type="presOf" srcId="{A9CE331B-707F-45C3-9458-E2558B38B628}" destId="{5AE18E0A-5B64-42F9-9AFC-A56A5073FA8B}" srcOrd="0" destOrd="0" presId="urn:microsoft.com/office/officeart/2005/8/layout/cycle4"/>
+    <dgm:cxn modelId="{B6CAD446-D0B6-4BE2-8C88-F2BCEF294A6C}" type="presOf" srcId="{F8CF3EF6-6B35-440B-9B27-1A8910CB768C}" destId="{4F8D8E8C-2F6C-4BBC-BB00-AC6432218436}" srcOrd="1" destOrd="2" presId="urn:microsoft.com/office/officeart/2005/8/layout/cycle4"/>
+    <dgm:cxn modelId="{6C775F90-D589-44C7-921C-9820C9C3C37B}" srcId="{A9CE331B-707F-45C3-9458-E2558B38B628}" destId="{E7F36BEA-AFEF-4961-9DDE-53C06D54DA01}" srcOrd="2" destOrd="0" parTransId="{32D93E27-B836-406C-BFA2-8297CEFBB9CA}" sibTransId="{5C8BB972-E496-46CA-BFFF-E9FA72E9211C}"/>
+    <dgm:cxn modelId="{B0A65CBA-2180-4F15-8566-3BEE43AF2980}" type="presOf" srcId="{F8CF3EF6-6B35-440B-9B27-1A8910CB768C}" destId="{253D8F47-9950-44D4-922A-F7373E300886}" srcOrd="0" destOrd="2" presId="urn:microsoft.com/office/officeart/2005/8/layout/cycle4"/>
+    <dgm:cxn modelId="{C0B5A4AC-DD93-4074-AC79-EBEAFACEE9D5}" type="presOf" srcId="{81EFA7CC-D42E-4430-B17E-1BDF4A177C54}" destId="{7B3BE779-81A5-4563-BC08-8895B9C7CDE0}" srcOrd="1" destOrd="1" presId="urn:microsoft.com/office/officeart/2005/8/layout/cycle4"/>
+    <dgm:cxn modelId="{2498F507-FBDA-4575-BF80-A7241C4B1682}" type="presOf" srcId="{961314D5-477F-42EC-A3A5-A42A40634BEC}" destId="{2EB1F766-A050-4C46-B33A-6A6431F13DB0}" srcOrd="0" destOrd="0" presId="urn:microsoft.com/office/officeart/2005/8/layout/cycle4"/>
+    <dgm:cxn modelId="{A5CC469C-35B4-403D-BEB7-9F608D2060CC}" type="presOf" srcId="{918B291D-A6A8-4CD9-A2B2-6D92876B479F}" destId="{253D8F47-9950-44D4-922A-F7373E300886}" srcOrd="0" destOrd="0" presId="urn:microsoft.com/office/officeart/2005/8/layout/cycle4"/>
+    <dgm:cxn modelId="{A9C578AC-BB7B-4639-8E26-E75CBE4A599D}" srcId="{A10D7C72-DD4C-479D-8BA9-F8EBCCF3049C}" destId="{D80CE20B-CCFD-492C-91A9-FDEF7F44457C}" srcOrd="2" destOrd="0" parTransId="{5CF1A642-B8A1-4D34-8578-9992916EE086}" sibTransId="{76BA325C-13DB-47AF-8DE0-E07E8B88CC7C}"/>
+    <dgm:cxn modelId="{B0C4F00E-52D5-4F21-8CC7-2F985331C22E}" srcId="{13F3154E-1580-4CDF-8ABC-0281646D986E}" destId="{7E82966C-3DA2-405D-A127-2AD521793F77}" srcOrd="1" destOrd="0" parTransId="{88A3826A-F40E-491A-8338-2EB8050CDDAE}" sibTransId="{D42D176E-F6FF-4CD3-BABF-6944177D9080}"/>
+    <dgm:cxn modelId="{B6E786F4-F15D-48F9-9CE2-066A51E6BF2E}" srcId="{A9CE331B-707F-45C3-9458-E2558B38B628}" destId="{81EFA7CC-D42E-4430-B17E-1BDF4A177C54}" srcOrd="1" destOrd="0" parTransId="{439B8849-99F2-49E4-AFB7-86EDBE35EEAD}" sibTransId="{8BD7BBB6-270D-4BC8-83D8-1A75756FA9C1}"/>
+    <dgm:cxn modelId="{95A8C5BA-30EF-43EA-BDC1-FF52EC1DF13F}" type="presOf" srcId="{D80CE20B-CCFD-492C-91A9-FDEF7F44457C}" destId="{4F8EB1D4-B0DD-480F-8ED6-18780FA27AF1}" srcOrd="1" destOrd="2" presId="urn:microsoft.com/office/officeart/2005/8/layout/cycle4"/>
+    <dgm:cxn modelId="{078C9DB7-C280-4DC9-B7E2-8E2A4AEB1518}" type="presParOf" srcId="{76B3E63C-2E28-4324-97DE-A471E9F8A8E1}" destId="{5FB8E45A-1259-4987-B21E-6B37D18FFA1A}" srcOrd="0" destOrd="0" presId="urn:microsoft.com/office/officeart/2005/8/layout/cycle4"/>
+    <dgm:cxn modelId="{465AD798-F613-460F-B974-94ECCB48B2A6}" type="presParOf" srcId="{5FB8E45A-1259-4987-B21E-6B37D18FFA1A}" destId="{114C9A4B-7AF6-4254-8536-D141D9BAE921}" srcOrd="0" destOrd="0" presId="urn:microsoft.com/office/officeart/2005/8/layout/cycle4"/>
+    <dgm:cxn modelId="{6FDF0EB7-851A-453F-A7FA-E850F8222D01}" type="presParOf" srcId="{114C9A4B-7AF6-4254-8536-D141D9BAE921}" destId="{DFE1CD39-A885-4B80-8E2A-3588C678FF56}" srcOrd="0" destOrd="0" presId="urn:microsoft.com/office/officeart/2005/8/layout/cycle4"/>
+    <dgm:cxn modelId="{B826FE20-69D9-434E-9BEE-8B92A0B6E535}" type="presParOf" srcId="{114C9A4B-7AF6-4254-8536-D141D9BAE921}" destId="{7B3BE779-81A5-4563-BC08-8895B9C7CDE0}" srcOrd="1" destOrd="0" presId="urn:microsoft.com/office/officeart/2005/8/layout/cycle4"/>
+    <dgm:cxn modelId="{7D071AE1-5AFE-4B23-BA8F-629976D510E3}" type="presParOf" srcId="{5FB8E45A-1259-4987-B21E-6B37D18FFA1A}" destId="{19941015-0C29-4D4E-9AFE-E8BEAC99907E}" srcOrd="1" destOrd="0" presId="urn:microsoft.com/office/officeart/2005/8/layout/cycle4"/>
+    <dgm:cxn modelId="{2FAEFB57-3F6C-4FB3-8171-DFD6116F1BC0}" type="presParOf" srcId="{19941015-0C29-4D4E-9AFE-E8BEAC99907E}" destId="{253D8F47-9950-44D4-922A-F7373E300886}" srcOrd="0" destOrd="0" presId="urn:microsoft.com/office/officeart/2005/8/layout/cycle4"/>
+    <dgm:cxn modelId="{6CA11664-15A5-426D-A8A9-347880A1BC9D}" type="presParOf" srcId="{19941015-0C29-4D4E-9AFE-E8BEAC99907E}" destId="{4F8D8E8C-2F6C-4BBC-BB00-AC6432218436}" srcOrd="1" destOrd="0" presId="urn:microsoft.com/office/officeart/2005/8/layout/cycle4"/>
+    <dgm:cxn modelId="{8E1E2207-6745-43BB-97B1-F77066B87D72}" type="presParOf" srcId="{5FB8E45A-1259-4987-B21E-6B37D18FFA1A}" destId="{0D88CB47-AD3B-4453-AADE-0DFAAACE3358}" srcOrd="2" destOrd="0" presId="urn:microsoft.com/office/officeart/2005/8/layout/cycle4"/>
+    <dgm:cxn modelId="{973FABAC-B0A2-41D1-B9D1-AD8ED9D8C394}" type="presParOf" srcId="{0D88CB47-AD3B-4453-AADE-0DFAAACE3358}" destId="{0B5909D9-3B23-42DD-B258-F787432FAD53}" srcOrd="0" destOrd="0" presId="urn:microsoft.com/office/officeart/2005/8/layout/cycle4"/>
+    <dgm:cxn modelId="{417CA45C-98CB-41D5-A313-A06F05F45F16}" type="presParOf" srcId="{0D88CB47-AD3B-4453-AADE-0DFAAACE3358}" destId="{4F8EB1D4-B0DD-480F-8ED6-18780FA27AF1}" srcOrd="1" destOrd="0" presId="urn:microsoft.com/office/officeart/2005/8/layout/cycle4"/>
+    <dgm:cxn modelId="{E1023231-A696-4705-A554-A7C414769E39}" type="presParOf" srcId="{5FB8E45A-1259-4987-B21E-6B37D18FFA1A}" destId="{8D63A540-4B6A-461B-8331-B165C19FF0F1}" srcOrd="3" destOrd="0" presId="urn:microsoft.com/office/officeart/2005/8/layout/cycle4"/>
+    <dgm:cxn modelId="{79802A84-7B60-4DFF-9DAD-1E9FAA8886E5}" type="presParOf" srcId="{8D63A540-4B6A-461B-8331-B165C19FF0F1}" destId="{92875E82-333B-4A67-88B7-43EEF7C1A580}" srcOrd="0" destOrd="0" presId="urn:microsoft.com/office/officeart/2005/8/layout/cycle4"/>
+    <dgm:cxn modelId="{623EBD09-AB11-4273-8BBB-2DA64EF0DC64}" type="presParOf" srcId="{8D63A540-4B6A-461B-8331-B165C19FF0F1}" destId="{48F74AF4-38FB-4393-A324-F8919C312A41}" srcOrd="1" destOrd="0" presId="urn:microsoft.com/office/officeart/2005/8/layout/cycle4"/>
+    <dgm:cxn modelId="{80FCF4A3-E477-4838-8415-FE91751ADE6F}" type="presParOf" srcId="{5FB8E45A-1259-4987-B21E-6B37D18FFA1A}" destId="{B22A7D47-B162-409A-99B1-9421DEA50709}" srcOrd="4" destOrd="0" presId="urn:microsoft.com/office/officeart/2005/8/layout/cycle4"/>
+    <dgm:cxn modelId="{6AB416C1-95E8-48DD-8434-CD48373A8C2E}" type="presParOf" srcId="{76B3E63C-2E28-4324-97DE-A471E9F8A8E1}" destId="{0477CD8B-B78D-47C3-8C6E-5A298D4F83D5}" srcOrd="1" destOrd="0" presId="urn:microsoft.com/office/officeart/2005/8/layout/cycle4"/>
+    <dgm:cxn modelId="{9729CC7F-1BF0-4506-993D-195B3CF6652E}" type="presParOf" srcId="{0477CD8B-B78D-47C3-8C6E-5A298D4F83D5}" destId="{5AE18E0A-5B64-42F9-9AFC-A56A5073FA8B}" srcOrd="0" destOrd="0" presId="urn:microsoft.com/office/officeart/2005/8/layout/cycle4"/>
+    <dgm:cxn modelId="{1DFC88FB-E144-4F53-B0B6-196C2CE969C2}" type="presParOf" srcId="{0477CD8B-B78D-47C3-8C6E-5A298D4F83D5}" destId="{8D85F58C-A08A-4D04-B862-AE884CDB8F9A}" srcOrd="1" destOrd="0" presId="urn:microsoft.com/office/officeart/2005/8/layout/cycle4"/>
+    <dgm:cxn modelId="{B65E04B1-875F-4D3F-8BFA-6F0F200E1868}" type="presParOf" srcId="{0477CD8B-B78D-47C3-8C6E-5A298D4F83D5}" destId="{E2C60042-ED76-49C8-A02D-05C0FA108260}" srcOrd="2" destOrd="0" presId="urn:microsoft.com/office/officeart/2005/8/layout/cycle4"/>
+    <dgm:cxn modelId="{4C66D953-9761-4056-AB14-F7170DCF2D0C}" type="presParOf" srcId="{0477CD8B-B78D-47C3-8C6E-5A298D4F83D5}" destId="{2EB1F766-A050-4C46-B33A-6A6431F13DB0}" srcOrd="3" destOrd="0" presId="urn:microsoft.com/office/officeart/2005/8/layout/cycle4"/>
+    <dgm:cxn modelId="{52640443-30FB-4AD8-B512-539ADC52B127}" type="presParOf" srcId="{0477CD8B-B78D-47C3-8C6E-5A298D4F83D5}" destId="{520CEABE-454B-4DB7-BC29-32B9C0D03FA9}" srcOrd="4" destOrd="0" presId="urn:microsoft.com/office/officeart/2005/8/layout/cycle4"/>
+    <dgm:cxn modelId="{AABFABBB-3897-413A-BB62-931D4CFE0889}" type="presParOf" srcId="{76B3E63C-2E28-4324-97DE-A471E9F8A8E1}" destId="{8795AD4B-EFD6-4C3D-9BDF-D4ABD6AE89E4}" srcOrd="2" destOrd="0" presId="urn:microsoft.com/office/officeart/2005/8/layout/cycle4"/>
+    <dgm:cxn modelId="{FDADE1FB-D270-4A48-9E44-3CDF91F44B57}" type="presParOf" srcId="{76B3E63C-2E28-4324-97DE-A471E9F8A8E1}" destId="{A4C7A5DC-D044-4EB1-9CC5-05068CC2E6D3}" srcOrd="3" destOrd="0" presId="urn:microsoft.com/office/officeart/2005/8/layout/cycle4"/>
+  </dgm:cxnLst>
+  <dgm:bg/>
+  <dgm:whole/>
+  <dgm:extLst>
+    <a:ext uri="http://schemas.microsoft.com/office/drawing/2008/diagram">
+      <dsp:dataModelExt xmlns:dsp="http://schemas.microsoft.com/office/drawing/2008/diagram" relId="rId6" minVer="http://schemas.openxmlformats.org/drawingml/2006/diagram"/>
+    </a:ext>
+  </dgm:extLst>
+</dgm:dataModel>
+</file>
+
+<file path=ppt/diagrams/drawing1.xml><?xml version="1.0" encoding="utf-8"?>
+<dsp:drawing xmlns:dgm="http://schemas.openxmlformats.org/drawingml/2006/diagram" xmlns:dsp="http://schemas.microsoft.com/office/drawing/2008/diagram" xmlns:a="http://schemas.openxmlformats.org/drawingml/2006/main">
+  <dsp:spTree>
+    <dsp:nvGrpSpPr>
+      <dsp:cNvPr id="0" name=""/>
+      <dsp:cNvGrpSpPr/>
+    </dsp:nvGrpSpPr>
+    <dsp:grpSpPr/>
+    <dsp:sp modelId="{0B5909D9-3B23-42DD-B258-F787432FAD53}">
+      <dsp:nvSpPr>
+        <dsp:cNvPr id="0" name=""/>
+        <dsp:cNvSpPr/>
+      </dsp:nvSpPr>
+      <dsp:spPr>
+        <a:xfrm>
+          <a:off x="4964068" y="3345832"/>
+          <a:ext cx="2548170" cy="1574509"/>
+        </a:xfrm>
+        <a:prstGeom prst="roundRect">
+          <a:avLst>
+            <a:gd name="adj" fmla="val 10000"/>
+          </a:avLst>
+        </a:prstGeom>
+        <a:solidFill>
+          <a:schemeClr val="lt2">
+            <a:alpha val="90000"/>
+            <a:hueOff val="0"/>
+            <a:satOff val="0"/>
+            <a:lumOff val="0"/>
+            <a:alphaOff val="0"/>
+          </a:schemeClr>
+        </a:solidFill>
+        <a:ln w="12700" cap="flat" cmpd="sng" algn="ctr">
+          <a:solidFill>
+            <a:schemeClr val="dk2">
+              <a:hueOff val="0"/>
+              <a:satOff val="0"/>
+              <a:lumOff val="0"/>
+              <a:alphaOff val="0"/>
+            </a:schemeClr>
+          </a:solidFill>
+          <a:prstDash val="solid"/>
+          <a:miter lim="800000"/>
+        </a:ln>
+        <a:effectLst/>
+      </dsp:spPr>
+      <dsp:style>
+        <a:lnRef idx="2">
+          <a:scrgbClr r="0" g="0" b="0"/>
+        </a:lnRef>
+        <a:fillRef idx="1">
+          <a:scrgbClr r="0" g="0" b="0"/>
+        </a:fillRef>
+        <a:effectRef idx="0">
+          <a:scrgbClr r="0" g="0" b="0"/>
+        </a:effectRef>
+        <a:fontRef idx="minor"/>
+      </dsp:style>
+      <dsp:txBody>
+        <a:bodyPr spcFirstLastPara="0" vert="horz" wrap="square" lIns="60960" tIns="60960" rIns="60960" bIns="60960" numCol="1" spcCol="1270" anchor="t" anchorCtr="0">
+          <a:noAutofit/>
+        </a:bodyPr>
+        <a:lstStyle/>
+        <a:p>
+          <a:pPr marL="114300" lvl="1" indent="-114300" algn="l" defTabSz="533400">
+            <a:lnSpc>
+              <a:spcPct val="90000"/>
+            </a:lnSpc>
+            <a:spcBef>
+              <a:spcPct val="0"/>
+            </a:spcBef>
+            <a:spcAft>
+              <a:spcPct val="15000"/>
+            </a:spcAft>
+            <a:buChar char="••"/>
+          </a:pPr>
+          <a:r>
+            <a:rPr lang="en-US" sz="1200" kern="1200" dirty="0" smtClean="0"/>
+            <a:t>Resource management</a:t>
+          </a:r>
+          <a:endParaRPr lang="en-US" sz="1200" kern="1200" dirty="0"/>
+        </a:p>
+        <a:p>
+          <a:pPr marL="114300" lvl="1" indent="-114300" algn="l" defTabSz="533400">
+            <a:lnSpc>
+              <a:spcPct val="90000"/>
+            </a:lnSpc>
+            <a:spcBef>
+              <a:spcPct val="0"/>
+            </a:spcBef>
+            <a:spcAft>
+              <a:spcPct val="15000"/>
+            </a:spcAft>
+            <a:buChar char="••"/>
+          </a:pPr>
+          <a:r>
+            <a:rPr lang="en-US" sz="1200" kern="1200" dirty="0" smtClean="0"/>
+            <a:t>Authentication</a:t>
+          </a:r>
+          <a:endParaRPr lang="en-US" sz="1200" kern="1200" dirty="0"/>
+        </a:p>
+        <a:p>
+          <a:pPr marL="114300" lvl="1" indent="-114300" algn="l" defTabSz="533400">
+            <a:lnSpc>
+              <a:spcPct val="90000"/>
+            </a:lnSpc>
+            <a:spcBef>
+              <a:spcPct val="0"/>
+            </a:spcBef>
+            <a:spcAft>
+              <a:spcPct val="15000"/>
+            </a:spcAft>
+            <a:buChar char="••"/>
+          </a:pPr>
+          <a:r>
+            <a:rPr lang="en-US" sz="1200" kern="1200" dirty="0" smtClean="0"/>
+            <a:t>Authorization</a:t>
+          </a:r>
+          <a:endParaRPr lang="en-US" sz="1200" kern="1200" dirty="0"/>
+        </a:p>
+      </dsp:txBody>
+      <dsp:txXfrm>
+        <a:off x="5763106" y="3774046"/>
+        <a:ext cx="1714545" cy="1111708"/>
+      </dsp:txXfrm>
+    </dsp:sp>
+    <dsp:sp modelId="{92875E82-333B-4A67-88B7-43EEF7C1A580}">
+      <dsp:nvSpPr>
+        <dsp:cNvPr id="0" name=""/>
+        <dsp:cNvSpPr/>
+      </dsp:nvSpPr>
+      <dsp:spPr>
+        <a:xfrm>
+          <a:off x="865425" y="3345832"/>
+          <a:ext cx="2430648" cy="1574509"/>
+        </a:xfrm>
+        <a:prstGeom prst="roundRect">
+          <a:avLst>
+            <a:gd name="adj" fmla="val 10000"/>
+          </a:avLst>
+        </a:prstGeom>
+        <a:solidFill>
+          <a:schemeClr val="lt2">
+            <a:alpha val="90000"/>
+            <a:hueOff val="0"/>
+            <a:satOff val="0"/>
+            <a:lumOff val="0"/>
+            <a:alphaOff val="0"/>
+          </a:schemeClr>
+        </a:solidFill>
+        <a:ln w="12700" cap="flat" cmpd="sng" algn="ctr">
+          <a:solidFill>
+            <a:schemeClr val="dk2">
+              <a:hueOff val="0"/>
+              <a:satOff val="0"/>
+              <a:lumOff val="0"/>
+              <a:alphaOff val="0"/>
+            </a:schemeClr>
+          </a:solidFill>
+          <a:prstDash val="solid"/>
+          <a:miter lim="800000"/>
+        </a:ln>
+        <a:effectLst/>
+      </dsp:spPr>
+      <dsp:style>
+        <a:lnRef idx="2">
+          <a:scrgbClr r="0" g="0" b="0"/>
+        </a:lnRef>
+        <a:fillRef idx="1">
+          <a:scrgbClr r="0" g="0" b="0"/>
+        </a:fillRef>
+        <a:effectRef idx="0">
+          <a:scrgbClr r="0" g="0" b="0"/>
+        </a:effectRef>
+        <a:fontRef idx="minor"/>
+      </dsp:style>
+      <dsp:txBody>
+        <a:bodyPr spcFirstLastPara="0" vert="horz" wrap="square" lIns="60960" tIns="60960" rIns="60960" bIns="60960" numCol="1" spcCol="1270" anchor="t" anchorCtr="0">
+          <a:noAutofit/>
+        </a:bodyPr>
+        <a:lstStyle/>
+        <a:p>
+          <a:pPr marL="114300" lvl="1" indent="-114300" algn="l" defTabSz="533400">
+            <a:lnSpc>
+              <a:spcPct val="90000"/>
+            </a:lnSpc>
+            <a:spcBef>
+              <a:spcPct val="0"/>
+            </a:spcBef>
+            <a:spcAft>
+              <a:spcPct val="15000"/>
+            </a:spcAft>
+            <a:buChar char="••"/>
+          </a:pPr>
+          <a:r>
+            <a:rPr lang="en-US" sz="1200" kern="1200" dirty="0" smtClean="0"/>
+            <a:t>Data servers</a:t>
+          </a:r>
+          <a:endParaRPr lang="en-US" sz="1200" kern="1200" dirty="0"/>
+        </a:p>
+        <a:p>
+          <a:pPr marL="114300" lvl="1" indent="-114300" algn="l" defTabSz="533400">
+            <a:lnSpc>
+              <a:spcPct val="90000"/>
+            </a:lnSpc>
+            <a:spcBef>
+              <a:spcPct val="0"/>
+            </a:spcBef>
+            <a:spcAft>
+              <a:spcPct val="15000"/>
+            </a:spcAft>
+            <a:buChar char="••"/>
+          </a:pPr>
+          <a:r>
+            <a:rPr lang="en-US" sz="1200" kern="1200" dirty="0" smtClean="0"/>
+            <a:t>Data </a:t>
+          </a:r>
+          <a:r>
+            <a:rPr lang="en-US" sz="1200" kern="1200" dirty="0" smtClean="0"/>
+            <a:t>mining tasks</a:t>
+          </a:r>
+          <a:endParaRPr lang="en-US" sz="1200" kern="1200" dirty="0"/>
+        </a:p>
+        <a:p>
+          <a:pPr marL="114300" lvl="1" indent="-114300" algn="l" defTabSz="533400">
+            <a:lnSpc>
+              <a:spcPct val="90000"/>
+            </a:lnSpc>
+            <a:spcBef>
+              <a:spcPct val="0"/>
+            </a:spcBef>
+            <a:spcAft>
+              <a:spcPct val="15000"/>
+            </a:spcAft>
+            <a:buChar char="••"/>
+          </a:pPr>
+          <a:r>
+            <a:rPr lang="en-US" sz="1200" kern="1200" dirty="0" smtClean="0"/>
+            <a:t>KDWS services</a:t>
+          </a:r>
+          <a:endParaRPr lang="en-US" sz="1200" kern="1200" dirty="0"/>
+        </a:p>
+        <a:p>
+          <a:pPr marL="114300" lvl="1" indent="-114300" algn="l" defTabSz="533400">
+            <a:lnSpc>
+              <a:spcPct val="90000"/>
+            </a:lnSpc>
+            <a:spcBef>
+              <a:spcPct val="0"/>
+            </a:spcBef>
+            <a:spcAft>
+              <a:spcPct val="15000"/>
+            </a:spcAft>
+            <a:buChar char="••"/>
+          </a:pPr>
+          <a:endParaRPr lang="en-US" sz="1200" kern="1200" dirty="0"/>
+        </a:p>
+        <a:p>
+          <a:pPr marL="114300" lvl="1" indent="-114300" algn="l" defTabSz="533400">
+            <a:lnSpc>
+              <a:spcPct val="90000"/>
+            </a:lnSpc>
+            <a:spcBef>
+              <a:spcPct val="0"/>
+            </a:spcBef>
+            <a:spcAft>
+              <a:spcPct val="15000"/>
+            </a:spcAft>
+            <a:buChar char="••"/>
+          </a:pPr>
+          <a:endParaRPr lang="en-US" sz="1200" kern="1200" dirty="0"/>
+        </a:p>
+      </dsp:txBody>
+      <dsp:txXfrm>
+        <a:off x="900012" y="3774046"/>
+        <a:ext cx="1632280" cy="1111708"/>
+      </dsp:txXfrm>
+    </dsp:sp>
+    <dsp:sp modelId="{253D8F47-9950-44D4-922A-F7373E300886}">
+      <dsp:nvSpPr>
+        <dsp:cNvPr id="0" name=""/>
+        <dsp:cNvSpPr/>
+      </dsp:nvSpPr>
+      <dsp:spPr>
+        <a:xfrm>
+          <a:off x="4831220" y="0"/>
+          <a:ext cx="2430648" cy="1574509"/>
+        </a:xfrm>
+        <a:prstGeom prst="roundRect">
+          <a:avLst>
+            <a:gd name="adj" fmla="val 10000"/>
+          </a:avLst>
+        </a:prstGeom>
+        <a:solidFill>
+          <a:schemeClr val="lt2">
+            <a:alpha val="90000"/>
+            <a:hueOff val="0"/>
+            <a:satOff val="0"/>
+            <a:lumOff val="0"/>
+            <a:alphaOff val="0"/>
+          </a:schemeClr>
+        </a:solidFill>
+        <a:ln w="12700" cap="flat" cmpd="sng" algn="ctr">
+          <a:solidFill>
+            <a:schemeClr val="dk2">
+              <a:hueOff val="0"/>
+              <a:satOff val="0"/>
+              <a:lumOff val="0"/>
+              <a:alphaOff val="0"/>
+            </a:schemeClr>
+          </a:solidFill>
+          <a:prstDash val="solid"/>
+          <a:miter lim="800000"/>
+        </a:ln>
+        <a:effectLst/>
+      </dsp:spPr>
+      <dsp:style>
+        <a:lnRef idx="2">
+          <a:scrgbClr r="0" g="0" b="0"/>
+        </a:lnRef>
+        <a:fillRef idx="1">
+          <a:scrgbClr r="0" g="0" b="0"/>
+        </a:fillRef>
+        <a:effectRef idx="0">
+          <a:scrgbClr r="0" g="0" b="0"/>
+        </a:effectRef>
+        <a:fontRef idx="minor"/>
+      </dsp:style>
+      <dsp:txBody>
+        <a:bodyPr spcFirstLastPara="0" vert="horz" wrap="square" lIns="60960" tIns="60960" rIns="60960" bIns="60960" numCol="1" spcCol="1270" anchor="t" anchorCtr="0">
+          <a:noAutofit/>
+        </a:bodyPr>
+        <a:lstStyle/>
+        <a:p>
+          <a:pPr marL="114300" lvl="1" indent="-114300" algn="l" defTabSz="533400">
+            <a:lnSpc>
+              <a:spcPct val="90000"/>
+            </a:lnSpc>
+            <a:spcBef>
+              <a:spcPct val="0"/>
+            </a:spcBef>
+            <a:spcAft>
+              <a:spcPct val="15000"/>
+            </a:spcAft>
+            <a:buChar char="••"/>
+          </a:pPr>
+          <a:r>
+            <a:rPr lang="en-US" sz="1200" kern="1200" dirty="0" smtClean="0"/>
+            <a:t>Publishing</a:t>
+          </a:r>
+          <a:endParaRPr lang="en-US" sz="1200" kern="1200" dirty="0"/>
+        </a:p>
+        <a:p>
+          <a:pPr marL="114300" lvl="1" indent="-114300" algn="l" defTabSz="533400">
+            <a:lnSpc>
+              <a:spcPct val="90000"/>
+            </a:lnSpc>
+            <a:spcBef>
+              <a:spcPct val="0"/>
+            </a:spcBef>
+            <a:spcAft>
+              <a:spcPct val="15000"/>
+            </a:spcAft>
+            <a:buChar char="••"/>
+          </a:pPr>
+          <a:r>
+            <a:rPr lang="en-US" sz="1200" kern="1200" dirty="0" smtClean="0"/>
+            <a:t>Harvesting</a:t>
+          </a:r>
+          <a:endParaRPr lang="en-US" sz="1200" kern="1200" dirty="0"/>
+        </a:p>
+        <a:p>
+          <a:pPr marL="114300" lvl="1" indent="-114300" algn="l" defTabSz="533400">
+            <a:lnSpc>
+              <a:spcPct val="90000"/>
+            </a:lnSpc>
+            <a:spcBef>
+              <a:spcPct val="0"/>
+            </a:spcBef>
+            <a:spcAft>
+              <a:spcPct val="15000"/>
+            </a:spcAft>
+            <a:buChar char="••"/>
+          </a:pPr>
+          <a:r>
+            <a:rPr lang="en-US" sz="1200" kern="1200" dirty="0" smtClean="0"/>
+            <a:t>Transaction</a:t>
+          </a:r>
+          <a:endParaRPr lang="en-US" sz="1200" kern="1200" dirty="0"/>
+        </a:p>
+      </dsp:txBody>
+      <dsp:txXfrm>
+        <a:off x="5595002" y="34587"/>
+        <a:ext cx="1632280" cy="1111708"/>
+      </dsp:txXfrm>
+    </dsp:sp>
+    <dsp:sp modelId="{DFE1CD39-A885-4B80-8E2A-3588C678FF56}">
+      <dsp:nvSpPr>
+        <dsp:cNvPr id="0" name=""/>
+        <dsp:cNvSpPr/>
+      </dsp:nvSpPr>
+      <dsp:spPr>
+        <a:xfrm>
+          <a:off x="865425" y="0"/>
+          <a:ext cx="2430648" cy="1574509"/>
+        </a:xfrm>
+        <a:prstGeom prst="roundRect">
+          <a:avLst>
+            <a:gd name="adj" fmla="val 10000"/>
+          </a:avLst>
+        </a:prstGeom>
+        <a:solidFill>
+          <a:schemeClr val="lt2">
+            <a:alpha val="90000"/>
+            <a:hueOff val="0"/>
+            <a:satOff val="0"/>
+            <a:lumOff val="0"/>
+            <a:alphaOff val="0"/>
+          </a:schemeClr>
+        </a:solidFill>
+        <a:ln w="12700" cap="flat" cmpd="sng" algn="ctr">
+          <a:solidFill>
+            <a:schemeClr val="dk2">
+              <a:hueOff val="0"/>
+              <a:satOff val="0"/>
+              <a:lumOff val="0"/>
+              <a:alphaOff val="0"/>
+            </a:schemeClr>
+          </a:solidFill>
+          <a:prstDash val="solid"/>
+          <a:miter lim="800000"/>
+        </a:ln>
+        <a:effectLst/>
+      </dsp:spPr>
+      <dsp:style>
+        <a:lnRef idx="2">
+          <a:scrgbClr r="0" g="0" b="0"/>
+        </a:lnRef>
+        <a:fillRef idx="1">
+          <a:scrgbClr r="0" g="0" b="0"/>
+        </a:fillRef>
+        <a:effectRef idx="0">
+          <a:scrgbClr r="0" g="0" b="0"/>
+        </a:effectRef>
+        <a:fontRef idx="minor"/>
+      </dsp:style>
+      <dsp:txBody>
+        <a:bodyPr spcFirstLastPara="0" vert="horz" wrap="square" lIns="60960" tIns="60960" rIns="60960" bIns="60960" numCol="1" spcCol="1270" anchor="t" anchorCtr="0">
+          <a:noAutofit/>
+        </a:bodyPr>
+        <a:lstStyle/>
+        <a:p>
+          <a:pPr marL="114300" lvl="1" indent="-114300" algn="l" defTabSz="533400">
+            <a:lnSpc>
+              <a:spcPct val="90000"/>
+            </a:lnSpc>
+            <a:spcBef>
+              <a:spcPct val="0"/>
+            </a:spcBef>
+            <a:spcAft>
+              <a:spcPct val="15000"/>
+            </a:spcAft>
+            <a:buChar char="••"/>
+          </a:pPr>
+          <a:r>
+            <a:rPr lang="en-US" sz="1200" kern="1200" dirty="0" smtClean="0"/>
+            <a:t>Web accessibility</a:t>
+          </a:r>
+          <a:endParaRPr lang="en-US" sz="1200" kern="1200" dirty="0"/>
+        </a:p>
+        <a:p>
+          <a:pPr marL="114300" lvl="1" indent="-114300" algn="l" defTabSz="533400">
+            <a:lnSpc>
+              <a:spcPct val="90000"/>
+            </a:lnSpc>
+            <a:spcBef>
+              <a:spcPct val="0"/>
+            </a:spcBef>
+            <a:spcAft>
+              <a:spcPct val="15000"/>
+            </a:spcAft>
+            <a:buChar char="••"/>
+          </a:pPr>
+          <a:r>
+            <a:rPr lang="en-US" sz="1200" kern="1200" dirty="0" smtClean="0"/>
+            <a:t>Searching</a:t>
+          </a:r>
+          <a:endParaRPr lang="en-US" sz="1200" kern="1200" dirty="0"/>
+        </a:p>
+        <a:p>
+          <a:pPr marL="114300" lvl="1" indent="-114300" algn="l" defTabSz="533400">
+            <a:lnSpc>
+              <a:spcPct val="90000"/>
+            </a:lnSpc>
+            <a:spcBef>
+              <a:spcPct val="0"/>
+            </a:spcBef>
+            <a:spcAft>
+              <a:spcPct val="15000"/>
+            </a:spcAft>
+            <a:buChar char="••"/>
+          </a:pPr>
+          <a:r>
+            <a:rPr lang="en-US" sz="1200" kern="1200" dirty="0" smtClean="0"/>
+            <a:t>Representation</a:t>
+          </a:r>
+          <a:endParaRPr lang="en-US" sz="1200" kern="1200" dirty="0"/>
+        </a:p>
+      </dsp:txBody>
+      <dsp:txXfrm>
+        <a:off x="900012" y="34587"/>
+        <a:ext cx="1632280" cy="1111708"/>
+      </dsp:txXfrm>
+    </dsp:sp>
+    <dsp:sp modelId="{5AE18E0A-5B64-42F9-9AFC-A56A5073FA8B}">
+      <dsp:nvSpPr>
+        <dsp:cNvPr id="0" name=""/>
+        <dsp:cNvSpPr/>
+      </dsp:nvSpPr>
+      <dsp:spPr>
+        <a:xfrm>
+          <a:off x="1913316" y="280459"/>
+          <a:ext cx="2130508" cy="2130508"/>
+        </a:xfrm>
+        <a:prstGeom prst="pieWedge">
+          <a:avLst/>
+        </a:prstGeom>
+        <a:solidFill>
+          <a:schemeClr val="dk2">
+            <a:hueOff val="0"/>
+            <a:satOff val="0"/>
+            <a:lumOff val="0"/>
+            <a:alphaOff val="0"/>
+          </a:schemeClr>
+        </a:solidFill>
+        <a:ln w="12700" cap="flat" cmpd="sng" algn="ctr">
+          <a:solidFill>
+            <a:schemeClr val="lt2">
+              <a:hueOff val="0"/>
+              <a:satOff val="0"/>
+              <a:lumOff val="0"/>
+              <a:alphaOff val="0"/>
+            </a:schemeClr>
+          </a:solidFill>
+          <a:prstDash val="solid"/>
+          <a:miter lim="800000"/>
+        </a:ln>
+        <a:effectLst/>
+      </dsp:spPr>
+      <dsp:style>
+        <a:lnRef idx="2">
+          <a:scrgbClr r="0" g="0" b="0"/>
+        </a:lnRef>
+        <a:fillRef idx="1">
+          <a:scrgbClr r="0" g="0" b="0"/>
+        </a:fillRef>
+        <a:effectRef idx="0">
+          <a:scrgbClr r="0" g="0" b="0"/>
+        </a:effectRef>
+        <a:fontRef idx="minor">
+          <a:schemeClr val="lt1"/>
+        </a:fontRef>
+      </dsp:style>
+      <dsp:txBody>
+        <a:bodyPr spcFirstLastPara="0" vert="horz" wrap="square" lIns="128016" tIns="128016" rIns="128016" bIns="128016" numCol="1" spcCol="1270" anchor="ctr" anchorCtr="0">
+          <a:noAutofit/>
+        </a:bodyPr>
+        <a:lstStyle/>
+        <a:p>
+          <a:pPr lvl="0" algn="ctr" defTabSz="800100">
+            <a:lnSpc>
+              <a:spcPct val="90000"/>
+            </a:lnSpc>
+            <a:spcBef>
+              <a:spcPct val="0"/>
+            </a:spcBef>
+            <a:spcAft>
+              <a:spcPct val="35000"/>
+            </a:spcAft>
+          </a:pPr>
+          <a:r>
+            <a:rPr lang="en-US" sz="1800" kern="1200" dirty="0" smtClean="0"/>
+            <a:t>Gateway</a:t>
+          </a:r>
+          <a:endParaRPr lang="en-US" sz="1800" kern="1200" dirty="0"/>
+        </a:p>
+      </dsp:txBody>
+      <dsp:txXfrm>
+        <a:off x="2537327" y="904470"/>
+        <a:ext cx="1506497" cy="1506497"/>
+      </dsp:txXfrm>
+    </dsp:sp>
+    <dsp:sp modelId="{8D85F58C-A08A-4D04-B862-AE884CDB8F9A}">
+      <dsp:nvSpPr>
+        <dsp:cNvPr id="0" name=""/>
+        <dsp:cNvSpPr/>
+      </dsp:nvSpPr>
+      <dsp:spPr>
+        <a:xfrm rot="5400000">
+          <a:off x="4142231" y="280459"/>
+          <a:ext cx="2130508" cy="2130508"/>
+        </a:xfrm>
+        <a:prstGeom prst="pieWedge">
+          <a:avLst/>
+        </a:prstGeom>
+        <a:solidFill>
+          <a:schemeClr val="dk2">
+            <a:hueOff val="0"/>
+            <a:satOff val="0"/>
+            <a:lumOff val="0"/>
+            <a:alphaOff val="0"/>
+          </a:schemeClr>
+        </a:solidFill>
+        <a:ln w="12700" cap="flat" cmpd="sng" algn="ctr">
+          <a:solidFill>
+            <a:schemeClr val="lt2">
+              <a:hueOff val="0"/>
+              <a:satOff val="0"/>
+              <a:lumOff val="0"/>
+              <a:alphaOff val="0"/>
+            </a:schemeClr>
+          </a:solidFill>
+          <a:prstDash val="solid"/>
+          <a:miter lim="800000"/>
+        </a:ln>
+        <a:effectLst/>
+      </dsp:spPr>
+      <dsp:style>
+        <a:lnRef idx="2">
+          <a:scrgbClr r="0" g="0" b="0"/>
+        </a:lnRef>
+        <a:fillRef idx="1">
+          <a:scrgbClr r="0" g="0" b="0"/>
+        </a:fillRef>
+        <a:effectRef idx="0">
+          <a:scrgbClr r="0" g="0" b="0"/>
+        </a:effectRef>
+        <a:fontRef idx="minor">
+          <a:schemeClr val="lt1"/>
+        </a:fontRef>
+      </dsp:style>
+      <dsp:txBody>
+        <a:bodyPr spcFirstLastPara="0" vert="horz" wrap="square" lIns="128016" tIns="128016" rIns="128016" bIns="128016" numCol="1" spcCol="1270" anchor="ctr" anchorCtr="0">
+          <a:noAutofit/>
+        </a:bodyPr>
+        <a:lstStyle/>
+        <a:p>
+          <a:pPr lvl="0" algn="ctr" defTabSz="800100">
+            <a:lnSpc>
+              <a:spcPct val="90000"/>
+            </a:lnSpc>
+            <a:spcBef>
+              <a:spcPct val="0"/>
+            </a:spcBef>
+            <a:spcAft>
+              <a:spcPct val="35000"/>
+            </a:spcAft>
+          </a:pPr>
+          <a:r>
+            <a:rPr lang="en-US" sz="1800" kern="1200" dirty="0" smtClean="0"/>
+            <a:t>Metadata</a:t>
+          </a:r>
+          <a:endParaRPr lang="en-US" sz="1800" kern="1200" dirty="0"/>
+        </a:p>
+      </dsp:txBody>
+      <dsp:txXfrm rot="-5400000">
+        <a:off x="4142231" y="904470"/>
+        <a:ext cx="1506497" cy="1506497"/>
+      </dsp:txXfrm>
+    </dsp:sp>
+    <dsp:sp modelId="{E2C60042-ED76-49C8-A02D-05C0FA108260}">
+      <dsp:nvSpPr>
+        <dsp:cNvPr id="0" name=""/>
+        <dsp:cNvSpPr/>
+      </dsp:nvSpPr>
+      <dsp:spPr>
+        <a:xfrm rot="10800000">
+          <a:off x="4142231" y="2509374"/>
+          <a:ext cx="2130508" cy="2130508"/>
+        </a:xfrm>
+        <a:prstGeom prst="pieWedge">
+          <a:avLst/>
+        </a:prstGeom>
+        <a:solidFill>
+          <a:schemeClr val="dk2">
+            <a:hueOff val="0"/>
+            <a:satOff val="0"/>
+            <a:lumOff val="0"/>
+            <a:alphaOff val="0"/>
+          </a:schemeClr>
+        </a:solidFill>
+        <a:ln w="12700" cap="flat" cmpd="sng" algn="ctr">
+          <a:solidFill>
+            <a:schemeClr val="lt2">
+              <a:hueOff val="0"/>
+              <a:satOff val="0"/>
+              <a:lumOff val="0"/>
+              <a:alphaOff val="0"/>
+            </a:schemeClr>
+          </a:solidFill>
+          <a:prstDash val="solid"/>
+          <a:miter lim="800000"/>
+        </a:ln>
+        <a:effectLst/>
+      </dsp:spPr>
+      <dsp:style>
+        <a:lnRef idx="2">
+          <a:scrgbClr r="0" g="0" b="0"/>
+        </a:lnRef>
+        <a:fillRef idx="1">
+          <a:scrgbClr r="0" g="0" b="0"/>
+        </a:fillRef>
+        <a:effectRef idx="0">
+          <a:scrgbClr r="0" g="0" b="0"/>
+        </a:effectRef>
+        <a:fontRef idx="minor">
+          <a:schemeClr val="lt1"/>
+        </a:fontRef>
+      </dsp:style>
+      <dsp:txBody>
+        <a:bodyPr spcFirstLastPara="0" vert="horz" wrap="square" lIns="128016" tIns="128016" rIns="128016" bIns="128016" numCol="1" spcCol="1270" anchor="ctr" anchorCtr="0">
+          <a:noAutofit/>
+        </a:bodyPr>
+        <a:lstStyle/>
+        <a:p>
+          <a:pPr lvl="0" algn="ctr" defTabSz="800100">
+            <a:lnSpc>
+              <a:spcPct val="90000"/>
+            </a:lnSpc>
+            <a:spcBef>
+              <a:spcPct val="0"/>
+            </a:spcBef>
+            <a:spcAft>
+              <a:spcPct val="35000"/>
+            </a:spcAft>
+          </a:pPr>
+          <a:r>
+            <a:rPr lang="en-US" sz="1800" kern="1200" dirty="0" smtClean="0"/>
+            <a:t>Management</a:t>
+          </a:r>
+          <a:endParaRPr lang="en-US" sz="1800" kern="1200" dirty="0"/>
+        </a:p>
+      </dsp:txBody>
+      <dsp:txXfrm rot="10800000">
+        <a:off x="4142231" y="2509374"/>
+        <a:ext cx="1506497" cy="1506497"/>
+      </dsp:txXfrm>
+    </dsp:sp>
+    <dsp:sp modelId="{2EB1F766-A050-4C46-B33A-6A6431F13DB0}">
+      <dsp:nvSpPr>
+        <dsp:cNvPr id="0" name=""/>
+        <dsp:cNvSpPr/>
+      </dsp:nvSpPr>
+      <dsp:spPr>
+        <a:xfrm rot="16200000">
+          <a:off x="1913316" y="2509374"/>
+          <a:ext cx="2130508" cy="2130508"/>
+        </a:xfrm>
+        <a:prstGeom prst="pieWedge">
+          <a:avLst/>
+        </a:prstGeom>
+        <a:solidFill>
+          <a:schemeClr val="dk2">
+            <a:hueOff val="0"/>
+            <a:satOff val="0"/>
+            <a:lumOff val="0"/>
+            <a:alphaOff val="0"/>
+          </a:schemeClr>
+        </a:solidFill>
+        <a:ln w="12700" cap="flat" cmpd="sng" algn="ctr">
+          <a:solidFill>
+            <a:schemeClr val="lt2">
+              <a:hueOff val="0"/>
+              <a:satOff val="0"/>
+              <a:lumOff val="0"/>
+              <a:alphaOff val="0"/>
+            </a:schemeClr>
+          </a:solidFill>
+          <a:prstDash val="solid"/>
+          <a:miter lim="800000"/>
+        </a:ln>
+        <a:effectLst/>
+      </dsp:spPr>
+      <dsp:style>
+        <a:lnRef idx="2">
+          <a:scrgbClr r="0" g="0" b="0"/>
+        </a:lnRef>
+        <a:fillRef idx="1">
+          <a:scrgbClr r="0" g="0" b="0"/>
+        </a:fillRef>
+        <a:effectRef idx="0">
+          <a:scrgbClr r="0" g="0" b="0"/>
+        </a:effectRef>
+        <a:fontRef idx="minor">
+          <a:schemeClr val="lt1"/>
+        </a:fontRef>
+      </dsp:style>
+      <dsp:txBody>
+        <a:bodyPr spcFirstLastPara="0" vert="horz" wrap="square" lIns="128016" tIns="128016" rIns="128016" bIns="128016" numCol="1" spcCol="1270" anchor="ctr" anchorCtr="0">
+          <a:noAutofit/>
+        </a:bodyPr>
+        <a:lstStyle/>
+        <a:p>
+          <a:pPr lvl="0" algn="ctr" defTabSz="800100">
+            <a:lnSpc>
+              <a:spcPct val="90000"/>
+            </a:lnSpc>
+            <a:spcBef>
+              <a:spcPct val="0"/>
+            </a:spcBef>
+            <a:spcAft>
+              <a:spcPct val="35000"/>
+            </a:spcAft>
+          </a:pPr>
+          <a:r>
+            <a:rPr lang="en-US" sz="1800" kern="1200" dirty="0" smtClean="0"/>
+            <a:t>Knowledge Discovery</a:t>
+          </a:r>
+          <a:endParaRPr lang="en-US" sz="1800" kern="1200" dirty="0"/>
+        </a:p>
+      </dsp:txBody>
+      <dsp:txXfrm rot="5400000">
+        <a:off x="2537327" y="2509374"/>
+        <a:ext cx="1506497" cy="1506497"/>
+      </dsp:txXfrm>
+    </dsp:sp>
+    <dsp:sp modelId="{8795AD4B-EFD6-4C3D-9BDF-D4ABD6AE89E4}">
+      <dsp:nvSpPr>
+        <dsp:cNvPr id="0" name=""/>
+        <dsp:cNvSpPr/>
+      </dsp:nvSpPr>
+      <dsp:spPr>
+        <a:xfrm>
+          <a:off x="3725232" y="2017340"/>
+          <a:ext cx="735591" cy="639644"/>
+        </a:xfrm>
+        <a:prstGeom prst="circularArrow">
+          <a:avLst/>
+        </a:prstGeom>
+        <a:solidFill>
+          <a:schemeClr val="dk2">
+            <a:tint val="60000"/>
+            <a:hueOff val="0"/>
+            <a:satOff val="0"/>
+            <a:lumOff val="0"/>
+            <a:alphaOff val="0"/>
+          </a:schemeClr>
+        </a:solidFill>
+        <a:ln w="12700" cap="flat" cmpd="sng" algn="ctr">
+          <a:solidFill>
+            <a:schemeClr val="lt2">
+              <a:hueOff val="0"/>
+              <a:satOff val="0"/>
+              <a:lumOff val="0"/>
+              <a:alphaOff val="0"/>
+            </a:schemeClr>
+          </a:solidFill>
+          <a:prstDash val="solid"/>
+          <a:miter lim="800000"/>
+        </a:ln>
+        <a:effectLst/>
+      </dsp:spPr>
+      <dsp:style>
+        <a:lnRef idx="2">
+          <a:scrgbClr r="0" g="0" b="0"/>
+        </a:lnRef>
+        <a:fillRef idx="1">
+          <a:scrgbClr r="0" g="0" b="0"/>
+        </a:fillRef>
+        <a:effectRef idx="0">
+          <a:scrgbClr r="0" g="0" b="0"/>
+        </a:effectRef>
+        <a:fontRef idx="minor"/>
+      </dsp:style>
+    </dsp:sp>
+    <dsp:sp modelId="{A4C7A5DC-D044-4EB1-9CC5-05068CC2E6D3}">
+      <dsp:nvSpPr>
+        <dsp:cNvPr id="0" name=""/>
+        <dsp:cNvSpPr/>
+      </dsp:nvSpPr>
+      <dsp:spPr>
+        <a:xfrm rot="10800000">
+          <a:off x="3725232" y="2263357"/>
+          <a:ext cx="735591" cy="639644"/>
+        </a:xfrm>
+        <a:prstGeom prst="circularArrow">
+          <a:avLst/>
+        </a:prstGeom>
+        <a:solidFill>
+          <a:schemeClr val="dk2">
+            <a:tint val="60000"/>
+            <a:hueOff val="0"/>
+            <a:satOff val="0"/>
+            <a:lumOff val="0"/>
+            <a:alphaOff val="0"/>
+          </a:schemeClr>
+        </a:solidFill>
+        <a:ln w="12700" cap="flat" cmpd="sng" algn="ctr">
+          <a:solidFill>
+            <a:schemeClr val="lt2">
+              <a:hueOff val="0"/>
+              <a:satOff val="0"/>
+              <a:lumOff val="0"/>
+              <a:alphaOff val="0"/>
+            </a:schemeClr>
+          </a:solidFill>
+          <a:prstDash val="solid"/>
+          <a:miter lim="800000"/>
+        </a:ln>
+        <a:effectLst/>
+      </dsp:spPr>
+      <dsp:style>
+        <a:lnRef idx="2">
+          <a:scrgbClr r="0" g="0" b="0"/>
+        </a:lnRef>
+        <a:fillRef idx="1">
+          <a:scrgbClr r="0" g="0" b="0"/>
+        </a:fillRef>
+        <a:effectRef idx="0">
+          <a:scrgbClr r="0" g="0" b="0"/>
+        </a:effectRef>
+        <a:fontRef idx="minor"/>
+      </dsp:style>
+    </dsp:sp>
+  </dsp:spTree>
+</dsp:drawing>
+</file>
+
+<file path=ppt/diagrams/layout1.xml><?xml version="1.0" encoding="utf-8"?>
+<dgm:layoutDef xmlns:dgm="http://schemas.openxmlformats.org/drawingml/2006/diagram" xmlns:a="http://schemas.openxmlformats.org/drawingml/2006/main" uniqueId="urn:microsoft.com/office/officeart/2005/8/layout/cycle4">
+  <dgm:title val=""/>
+  <dgm:desc val=""/>
+  <dgm:catLst>
+    <dgm:cat type="relationship" pri="26000"/>
+    <dgm:cat type="cycle" pri="13000"/>
+    <dgm:cat type="matrix" pri="4000"/>
+  </dgm:catLst>
+  <dgm:sampData>
+    <dgm:dataModel>
+      <dgm:ptLst>
+        <dgm:pt modelId="0" type="doc"/>
+        <dgm:pt modelId="1">
+          <dgm:prSet phldr="1"/>
+        </dgm:pt>
+        <dgm:pt modelId="11">
+          <dgm:prSet phldr="1"/>
+        </dgm:pt>
+        <dgm:pt modelId="2">
+          <dgm:prSet phldr="1"/>
+        </dgm:pt>
+        <dgm:pt modelId="21">
+          <dgm:prSet phldr="1"/>
+        </dgm:pt>
+        <dgm:pt modelId="3">
+          <dgm:prSet phldr="1"/>
+        </dgm:pt>
+        <dgm:pt modelId="31">
+          <dgm:prSet phldr="1"/>
+        </dgm:pt>
+        <dgm:pt modelId="4">
+          <dgm:prSet phldr="1"/>
+        </dgm:pt>
+        <dgm:pt modelId="41">
+          <dgm:prSet phldr="1"/>
+        </dgm:pt>
+      </dgm:ptLst>
+      <dgm:cxnLst>
+        <dgm:cxn modelId="5" srcId="0" destId="1" srcOrd="0" destOrd="0"/>
+        <dgm:cxn modelId="6" srcId="0" destId="2" srcOrd="1" destOrd="0"/>
+        <dgm:cxn modelId="7" srcId="0" destId="3" srcOrd="2" destOrd="0"/>
+        <dgm:cxn modelId="8" srcId="0" destId="4" srcOrd="3" destOrd="0"/>
+        <dgm:cxn modelId="13" srcId="1" destId="11" srcOrd="0" destOrd="0"/>
+        <dgm:cxn modelId="23" srcId="2" destId="21" srcOrd="0" destOrd="0"/>
+        <dgm:cxn modelId="33" srcId="3" destId="31" srcOrd="0" destOrd="0"/>
+        <dgm:cxn modelId="43" srcId="4" destId="41" srcOrd="0" destOrd="0"/>
+      </dgm:cxnLst>
+      <dgm:bg/>
+      <dgm:whole/>
+    </dgm:dataModel>
+  </dgm:sampData>
+  <dgm:styleData>
+    <dgm:dataModel>
+      <dgm:ptLst>
+        <dgm:pt modelId="0" type="doc"/>
+        <dgm:pt modelId="1"/>
+        <dgm:pt modelId="11"/>
+        <dgm:pt modelId="2"/>
+        <dgm:pt modelId="21"/>
+        <dgm:pt modelId="3"/>
+        <dgm:pt modelId="31"/>
+        <dgm:pt modelId="4"/>
+        <dgm:pt modelId="41"/>
+      </dgm:ptLst>
+      <dgm:cxnLst>
+        <dgm:cxn modelId="5" srcId="0" destId="1" srcOrd="0" destOrd="0"/>
+        <dgm:cxn modelId="6" srcId="0" destId="2" srcOrd="1" destOrd="0"/>
+        <dgm:cxn modelId="7" srcId="0" destId="3" srcOrd="2" destOrd="0"/>
+        <dgm:cxn modelId="8" srcId="0" destId="4" srcOrd="3" destOrd="0"/>
+        <dgm:cxn modelId="13" srcId="1" destId="11" srcOrd="0" destOrd="0"/>
+        <dgm:cxn modelId="23" srcId="2" destId="21" srcOrd="0" destOrd="0"/>
+        <dgm:cxn modelId="33" srcId="3" destId="31" srcOrd="0" destOrd="0"/>
+        <dgm:cxn modelId="43" srcId="4" destId="41" srcOrd="0" destOrd="0"/>
+      </dgm:cxnLst>
+      <dgm:bg/>
+      <dgm:whole/>
+    </dgm:dataModel>
+  </dgm:styleData>
+  <dgm:clrData>
+    <dgm:dataModel>
+      <dgm:ptLst>
+        <dgm:pt modelId="0" type="doc"/>
+        <dgm:pt modelId="1"/>
+        <dgm:pt modelId="11"/>
+        <dgm:pt modelId="2"/>
+        <dgm:pt modelId="21"/>
+        <dgm:pt modelId="3"/>
+        <dgm:pt modelId="31"/>
+        <dgm:pt modelId="4"/>
+        <dgm:pt modelId="41"/>
+      </dgm:ptLst>
+      <dgm:cxnLst>
+        <dgm:cxn modelId="5" srcId="0" destId="1" srcOrd="0" destOrd="0"/>
+        <dgm:cxn modelId="6" srcId="0" destId="2" srcOrd="1" destOrd="0"/>
+        <dgm:cxn modelId="7" srcId="0" destId="3" srcOrd="2" destOrd="0"/>
+        <dgm:cxn modelId="8" srcId="0" destId="4" srcOrd="3" destOrd="0"/>
+        <dgm:cxn modelId="13" srcId="1" destId="11" srcOrd="0" destOrd="0"/>
+        <dgm:cxn modelId="23" srcId="2" destId="21" srcOrd="0" destOrd="0"/>
+        <dgm:cxn modelId="33" srcId="3" destId="31" srcOrd="0" destOrd="0"/>
+        <dgm:cxn modelId="43" srcId="4" destId="41" srcOrd="0" destOrd="0"/>
+      </dgm:cxnLst>
+      <dgm:bg/>
+      <dgm:whole/>
+    </dgm:dataModel>
+  </dgm:clrData>
+  <dgm:layoutNode name="cycleMatrixDiagram">
+    <dgm:varLst>
+      <dgm:chMax val="1"/>
+      <dgm:dir/>
+      <dgm:animLvl val="lvl"/>
+      <dgm:resizeHandles val="exact"/>
+    </dgm:varLst>
+    <dgm:alg type="composite">
+      <dgm:param type="ar" val="1.3"/>
+    </dgm:alg>
+    <dgm:shape xmlns:r="http://schemas.openxmlformats.org/officeDocument/2006/relationships" r:blip="">
+      <dgm:adjLst/>
+    </dgm:shape>
+    <dgm:presOf/>
+    <dgm:constrLst>
+      <dgm:constr type="w" for="ch" forName="children" refType="w"/>
+      <dgm:constr type="h" for="ch" forName="children" refType="w" refFor="ch" refForName="children" fact="0.77"/>
+      <dgm:constr type="ctrX" for="ch" forName="children" refType="w" fact="0.5"/>
+      <dgm:constr type="ctrY" for="ch" forName="children" refType="h" fact="0.5"/>
+      <dgm:constr type="w" for="ch" forName="circle" refType="w"/>
+      <dgm:constr type="h" for="ch" forName="circle" refType="h"/>
+      <dgm:constr type="ctrX" for="ch" forName="circle" refType="w" fact="0.5"/>
+      <dgm:constr type="ctrY" for="ch" forName="circle" refType="h" fact="0.5"/>
+      <dgm:constr type="w" for="ch" forName="center1" refType="w" fact="0.115"/>
+      <dgm:constr type="h" for="ch" forName="center1" refType="w" fact="0.1"/>
+      <dgm:constr type="ctrX" for="ch" forName="center1" refType="w" fact="0.5"/>
+      <dgm:constr type="ctrY" for="ch" forName="center1" refType="h" fact="0.475"/>
+      <dgm:constr type="w" for="ch" forName="center2" refType="w" fact="0.115"/>
+      <dgm:constr type="h" for="ch" forName="center2" refType="w" fact="0.1"/>
+      <dgm:constr type="ctrX" for="ch" forName="center2" refType="w" fact="0.5"/>
+      <dgm:constr type="ctrY" for="ch" forName="center2" refType="h" fact="0.525"/>
+    </dgm:constrLst>
+    <dgm:ruleLst/>
+    <dgm:choose name="Name0">
+      <dgm:if name="Name1" axis="ch" ptType="node" func="cnt" op="gte" val="1">
+        <dgm:layoutNode name="children">
+          <dgm:alg type="composite">
+            <dgm:param type="ar" val="1.3"/>
+          </dgm:alg>
+          <dgm:shape xmlns:r="http://schemas.openxmlformats.org/officeDocument/2006/relationships" r:blip="">
+            <dgm:adjLst/>
+          </dgm:shape>
+          <dgm:presOf/>
+          <dgm:choose name="Name2">
+            <dgm:if name="Name3" func="var" arg="dir" op="equ" val="norm">
+              <dgm:constrLst>
+                <dgm:constr type="primFontSz" for="des" ptType="node" op="equ" val="65"/>
+                <dgm:constr type="w" for="ch" forName="child1group" refType="w" fact="0.38"/>
+                <dgm:constr type="h" for="ch" forName="child1group" refType="h" fact="0.32"/>
+                <dgm:constr type="t" for="ch" forName="child1group"/>
+                <dgm:constr type="l" for="ch" forName="child1group"/>
+                <dgm:constr type="w" for="ch" forName="child2group" refType="w" fact="0.38"/>
+                <dgm:constr type="h" for="ch" forName="child2group" refType="h" fact="0.32"/>
+                <dgm:constr type="t" for="ch" forName="child2group"/>
+                <dgm:constr type="r" for="ch" forName="child2group" refType="w"/>
+                <dgm:constr type="w" for="ch" forName="child3group" refType="w" fact="0.38"/>
+                <dgm:constr type="h" for="ch" forName="child3group" refType="h" fact="0.32"/>
+                <dgm:constr type="b" for="ch" forName="child3group" refType="h"/>
+                <dgm:constr type="r" for="ch" forName="child3group" refType="w"/>
+                <dgm:constr type="w" for="ch" forName="child4group" refType="w" fact="0.38"/>
+                <dgm:constr type="h" for="ch" forName="child4group" refType="h" fact="0.32"/>
+                <dgm:constr type="b" for="ch" forName="child4group" refType="h"/>
+                <dgm:constr type="l" for="ch" forName="child4group"/>
+              </dgm:constrLst>
+            </dgm:if>
+            <dgm:else name="Name4">
+              <dgm:constrLst>
+                <dgm:constr type="primFontSz" for="des" ptType="node" op="equ" val="65"/>
+                <dgm:constr type="w" for="ch" forName="child1group" refType="w" fact="0.38"/>
+                <dgm:constr type="h" for="ch" forName="child1group" refType="h" fact="0.32"/>
+                <dgm:constr type="t" for="ch" forName="child1group"/>
+                <dgm:constr type="r" for="ch" forName="child1group" refType="w"/>
+                <dgm:constr type="w" for="ch" forName="child2group" refType="w" fact="0.38"/>
+                <dgm:constr type="h" for="ch" forName="child2group" refType="h" fact="0.32"/>
+                <dgm:constr type="t" for="ch" forName="child2group"/>
+                <dgm:constr type="l" for="ch" forName="child2group"/>
+                <dgm:constr type="w" for="ch" forName="child3group" refType="w" fact="0.38"/>
+                <dgm:constr type="h" for="ch" forName="child3group" refType="h" fact="0.32"/>
+                <dgm:constr type="b" for="ch" forName="child3group" refType="h"/>
+                <dgm:constr type="l" for="ch" forName="child3group"/>
+                <dgm:constr type="w" for="ch" forName="child4group" refType="w" fact="0.38"/>
+                <dgm:constr type="h" for="ch" forName="child4group" refType="h" fact="0.32"/>
+                <dgm:constr type="b" for="ch" forName="child4group" refType="h"/>
+                <dgm:constr type="r" for="ch" forName="child4group" refType="w"/>
+              </dgm:constrLst>
+            </dgm:else>
+          </dgm:choose>
+          <dgm:ruleLst/>
+          <dgm:choose name="Name5">
+            <dgm:if name="Name6" axis="ch ch" ptType="node node" st="1 1" cnt="1 0" func="cnt" op="gte" val="1">
+              <dgm:layoutNode name="child1group">
+                <dgm:alg type="composite">
+                  <dgm:param type="horzAlign" val="none"/>
+                  <dgm:param type="vertAlign" val="none"/>
+                </dgm:alg>
+                <dgm:shape xmlns:r="http://schemas.openxmlformats.org/officeDocument/2006/relationships" r:blip="">
+                  <dgm:adjLst/>
+                </dgm:shape>
+                <dgm:presOf/>
+                <dgm:choose name="Name7">
+                  <dgm:if name="Name8" func="var" arg="dir" op="equ" val="norm">
+                    <dgm:constrLst>
+                      <dgm:constr type="w" for="ch" forName="child1" refType="w"/>
+                      <dgm:constr type="h" for="ch" forName="child1" refType="h"/>
+                      <dgm:constr type="t" for="ch" forName="child1"/>
+                      <dgm:constr type="l" for="ch" forName="child1"/>
+                      <dgm:constr type="w" for="ch" forName="child1Text" refType="w" fact="0.7"/>
+                      <dgm:constr type="h" for="ch" forName="child1Text" refType="h" fact="0.75"/>
+                      <dgm:constr type="t" for="ch" forName="child1Text"/>
+                      <dgm:constr type="l" for="ch" forName="child1Text"/>
+                    </dgm:constrLst>
+                  </dgm:if>
+                  <dgm:else name="Name9">
+                    <dgm:constrLst>
+                      <dgm:constr type="w" for="ch" forName="child1" refType="w"/>
+                      <dgm:constr type="h" for="ch" forName="child1" refType="h"/>
+                      <dgm:constr type="t" for="ch" forName="child1"/>
+                      <dgm:constr type="r" for="ch" forName="child1" refType="w"/>
+                      <dgm:constr type="w" for="ch" forName="child1Text" refType="w" fact="0.7"/>
+                      <dgm:constr type="h" for="ch" forName="child1Text" refType="h" fact="0.75"/>
+                      <dgm:constr type="t" for="ch" forName="child1Text"/>
+                      <dgm:constr type="r" for="ch" forName="child1Text" refType="w"/>
+                    </dgm:constrLst>
+                  </dgm:else>
+                </dgm:choose>
+                <dgm:ruleLst/>
+                <dgm:layoutNode name="child1" styleLbl="bgAcc1">
+                  <dgm:alg type="sp"/>
+                  <dgm:shape xmlns:r="http://schemas.openxmlformats.org/officeDocument/2006/relationships" type="roundRect" r:blip="" zOrderOff="-2">
+                    <dgm:adjLst>
+                      <dgm:adj idx="1" val="0.1"/>
+                    </dgm:adjLst>
+                  </dgm:shape>
+                  <dgm:presOf axis="ch des" ptType="node node" st="1 1" cnt="1 0"/>
+                  <dgm:constrLst/>
+                  <dgm:ruleLst/>
+                </dgm:layoutNode>
+                <dgm:layoutNode name="child1Text" styleLbl="bgAcc1">
+                  <dgm:varLst>
+                    <dgm:bulletEnabled val="1"/>
+                  </dgm:varLst>
+                  <dgm:alg type="tx">
+                    <dgm:param type="stBulletLvl" val="1"/>
+                  </dgm:alg>
+                  <dgm:shape xmlns:r="http://schemas.openxmlformats.org/officeDocument/2006/relationships" type="roundRect" r:blip="" zOrderOff="-2" hideGeom="1">
+                    <dgm:adjLst>
+                      <dgm:adj idx="1" val="0.1"/>
+                    </dgm:adjLst>
+                  </dgm:shape>
+                  <dgm:presOf axis="ch des" ptType="node node" st="1 1" cnt="1 0"/>
+                  <dgm:constrLst>
+                    <dgm:constr type="tMarg" refType="primFontSz" fact="0.3"/>
+                    <dgm:constr type="bMarg" refType="primFontSz" fact="0.3"/>
+                    <dgm:constr type="lMarg" refType="primFontSz" fact="0.3"/>
+                    <dgm:constr type="rMarg" refType="primFontSz" fact="0.3"/>
+                  </dgm:constrLst>
+                  <dgm:ruleLst>
+                    <dgm:rule type="primFontSz" val="5" fact="NaN" max="NaN"/>
+                  </dgm:ruleLst>
+                </dgm:layoutNode>
+              </dgm:layoutNode>
+            </dgm:if>
+            <dgm:else name="Name10"/>
+          </dgm:choose>
+          <dgm:choose name="Name11">
+            <dgm:if name="Name12" axis="ch ch" ptType="node node" st="2 1" cnt="1 0" func="cnt" op="gte" val="1">
+              <dgm:layoutNode name="child2group">
+                <dgm:alg type="composite">
+                  <dgm:param type="horzAlign" val="none"/>
+                  <dgm:param type="vertAlign" val="none"/>
+                </dgm:alg>
+                <dgm:shape xmlns:r="http://schemas.openxmlformats.org/officeDocument/2006/relationships" r:blip="">
+                  <dgm:adjLst/>
+                </dgm:shape>
+                <dgm:choose name="Name13">
+                  <dgm:if name="Name14" func="var" arg="dir" op="equ" val="norm">
+                    <dgm:constrLst>
+                      <dgm:constr type="w" for="ch" forName="child2" refType="w"/>
+                      <dgm:constr type="h" for="ch" forName="child2" refType="h"/>
+                      <dgm:constr type="t" for="ch" forName="child2"/>
+                      <dgm:constr type="r" for="ch" forName="child2" refType="w"/>
+                      <dgm:constr type="w" for="ch" forName="child2Text" refType="w" fact="0.7"/>
+                      <dgm:constr type="h" for="ch" forName="child2Text" refType="h" fact="0.75"/>
+                      <dgm:constr type="t" for="ch" forName="child2Text"/>
+                      <dgm:constr type="r" for="ch" forName="child2Text" refType="w"/>
+                    </dgm:constrLst>
+                  </dgm:if>
+                  <dgm:else name="Name15">
+                    <dgm:constrLst>
+                      <dgm:constr type="w" for="ch" forName="child2" refType="w"/>
+                      <dgm:constr type="h" for="ch" forName="child2" refType="h"/>
+                      <dgm:constr type="t" for="ch" forName="child2"/>
+                      <dgm:constr type="l" for="ch" forName="child2"/>
+                      <dgm:constr type="w" for="ch" forName="child2Text" refType="w" fact="0.7"/>
+                      <dgm:constr type="h" for="ch" forName="child2Text" refType="h" fact="0.75"/>
+                      <dgm:constr type="t" for="ch" forName="child2Text"/>
+                      <dgm:constr type="l" for="ch" forName="child2Text"/>
+                    </dgm:constrLst>
+                  </dgm:else>
+                </dgm:choose>
+                <dgm:ruleLst/>
+                <dgm:layoutNode name="child2" styleLbl="bgAcc1">
+                  <dgm:alg type="sp"/>
+                  <dgm:shape xmlns:r="http://schemas.openxmlformats.org/officeDocument/2006/relationships" type="roundRect" r:blip="" zOrderOff="-2">
+                    <dgm:adjLst>
+                      <dgm:adj idx="1" val="0.1"/>
+                    </dgm:adjLst>
+                  </dgm:shape>
+                  <dgm:presOf axis="ch des" ptType="node node" st="2 1" cnt="1 0"/>
+                  <dgm:constrLst/>
+                  <dgm:ruleLst/>
+                </dgm:layoutNode>
+                <dgm:layoutNode name="child2Text" styleLbl="bgAcc1">
+                  <dgm:varLst>
+                    <dgm:bulletEnabled val="1"/>
+                  </dgm:varLst>
+                  <dgm:alg type="tx">
+                    <dgm:param type="stBulletLvl" val="1"/>
+                  </dgm:alg>
+                  <dgm:shape xmlns:r="http://schemas.openxmlformats.org/officeDocument/2006/relationships" type="roundRect" r:blip="" zOrderOff="-2" hideGeom="1">
+                    <dgm:adjLst>
+                      <dgm:adj idx="1" val="0.1"/>
+                    </dgm:adjLst>
+                  </dgm:shape>
+                  <dgm:presOf axis="ch des" ptType="node node" st="2 1" cnt="1 0"/>
+                  <dgm:constrLst>
+                    <dgm:constr type="tMarg" refType="primFontSz" fact="0.3"/>
+                    <dgm:constr type="bMarg" refType="primFontSz" fact="0.3"/>
+                    <dgm:constr type="lMarg" refType="primFontSz" fact="0.3"/>
+                    <dgm:constr type="rMarg" refType="primFontSz" fact="0.3"/>
+                  </dgm:constrLst>
+                  <dgm:ruleLst>
+                    <dgm:rule type="primFontSz" val="5" fact="NaN" max="NaN"/>
+                  </dgm:ruleLst>
+                </dgm:layoutNode>
+              </dgm:layoutNode>
+            </dgm:if>
+            <dgm:else name="Name16"/>
+          </dgm:choose>
+          <dgm:choose name="Name17">
+            <dgm:if name="Name18" axis="ch ch" ptType="node node" st="3 1" cnt="1 0" func="cnt" op="gte" val="1">
+              <dgm:layoutNode name="child3group">
+                <dgm:alg type="composite">
+                  <dgm:param type="horzAlign" val="none"/>
+                  <dgm:param type="vertAlign" val="none"/>
+                </dgm:alg>
+                <dgm:shape xmlns:r="http://schemas.openxmlformats.org/officeDocument/2006/relationships" r:blip="">
+                  <dgm:adjLst/>
+                </dgm:shape>
+                <dgm:presOf/>
+                <dgm:choose name="Name19">
+                  <dgm:if name="Name20" func="var" arg="dir" op="equ" val="norm">
+                    <dgm:constrLst>
+                      <dgm:constr type="w" for="ch" forName="child3" refType="w"/>
+                      <dgm:constr type="h" for="ch" forName="child3" refType="h"/>
+                      <dgm:constr type="b" for="ch" forName="child3" refType="h"/>
+                      <dgm:constr type="r" for="ch" forName="child3" refType="w"/>
+                      <dgm:constr type="w" for="ch" forName="child3Text" refType="w" fact="0.7"/>
+                      <dgm:constr type="h" for="ch" forName="child3Text" refType="h" fact="0.75"/>
+                      <dgm:constr type="b" for="ch" forName="child3Text" refType="h"/>
+                      <dgm:constr type="r" for="ch" forName="child3Text" refType="w"/>
+                    </dgm:constrLst>
+                  </dgm:if>
+                  <dgm:else name="Name21">
+                    <dgm:constrLst>
+                      <dgm:constr type="w" for="ch" forName="child3" refType="w"/>
+                      <dgm:constr type="h" for="ch" forName="child3" refType="h"/>
+                      <dgm:constr type="b" for="ch" forName="child3" refType="h"/>
+                      <dgm:constr type="l" for="ch" forName="child3"/>
+                      <dgm:constr type="w" for="ch" forName="child3Text" refType="w" fact="0.7"/>
+                      <dgm:constr type="h" for="ch" forName="child3Text" refType="h" fact="0.75"/>
+                      <dgm:constr type="b" for="ch" forName="child3Text" refType="h"/>
+                      <dgm:constr type="l" for="ch" forName="child3Text"/>
+                    </dgm:constrLst>
+                  </dgm:else>
+                </dgm:choose>
+                <dgm:ruleLst/>
+                <dgm:layoutNode name="child3" styleLbl="bgAcc1">
+                  <dgm:alg type="sp"/>
+                  <dgm:shape xmlns:r="http://schemas.openxmlformats.org/officeDocument/2006/relationships" type="roundRect" r:blip="" zOrderOff="-4">
+                    <dgm:adjLst>
+                      <dgm:adj idx="1" val="0.1"/>
+                    </dgm:adjLst>
+                  </dgm:shape>
+                  <dgm:presOf axis="ch des" ptType="node node" st="3 1" cnt="1 0"/>
+                  <dgm:constrLst/>
+                  <dgm:ruleLst/>
+                </dgm:layoutNode>
+                <dgm:layoutNode name="child3Text" styleLbl="bgAcc1">
+                  <dgm:varLst>
+                    <dgm:bulletEnabled val="1"/>
+                  </dgm:varLst>
+                  <dgm:alg type="tx">
+                    <dgm:param type="stBulletLvl" val="1"/>
+                  </dgm:alg>
+                  <dgm:shape xmlns:r="http://schemas.openxmlformats.org/officeDocument/2006/relationships" type="roundRect" r:blip="" zOrderOff="-4" hideGeom="1">
+                    <dgm:adjLst>
+                      <dgm:adj idx="1" val="0.1"/>
+                    </dgm:adjLst>
+                  </dgm:shape>
+                  <dgm:presOf axis="ch des" ptType="node node" st="3 1" cnt="1 0"/>
+                  <dgm:constrLst>
+                    <dgm:constr type="tMarg" refType="primFontSz" fact="0.3"/>
+                    <dgm:constr type="bMarg" refType="primFontSz" fact="0.3"/>
+                    <dgm:constr type="lMarg" refType="primFontSz" fact="0.3"/>
+                    <dgm:constr type="rMarg" refType="primFontSz" fact="0.3"/>
+                  </dgm:constrLst>
+                  <dgm:ruleLst>
+                    <dgm:rule type="primFontSz" val="5" fact="NaN" max="NaN"/>
+                  </dgm:ruleLst>
+                </dgm:layoutNode>
+              </dgm:layoutNode>
+            </dgm:if>
+            <dgm:else name="Name22"/>
+          </dgm:choose>
+          <dgm:choose name="Name23">
+            <dgm:if name="Name24" axis="ch ch" ptType="node node" st="4 1" cnt="1 0" func="cnt" op="gte" val="1">
+              <dgm:layoutNode name="child4group">
+                <dgm:alg type="composite">
+                  <dgm:param type="horzAlign" val="none"/>
+                  <dgm:param type="vertAlign" val="none"/>
+                </dgm:alg>
+                <dgm:shape xmlns:r="http://schemas.openxmlformats.org/officeDocument/2006/relationships" r:blip="">
+                  <dgm:adjLst/>
+                </dgm:shape>
+                <dgm:presOf/>
+                <dgm:choose name="Name25">
+                  <dgm:if name="Name26" func="var" arg="dir" op="equ" val="norm">
+                    <dgm:constrLst>
+                      <dgm:constr type="w" for="ch" forName="child4" refType="w"/>
+                      <dgm:constr type="h" for="ch" forName="child4" refType="h"/>
+                      <dgm:constr type="b" for="ch" forName="child4" refType="h"/>
+                      <dgm:constr type="l" for="ch" forName="child4"/>
+                      <dgm:constr type="w" for="ch" forName="child4Text" refType="w" fact="0.7"/>
+                      <dgm:constr type="h" for="ch" forName="child4Text" refType="h" fact="0.75"/>
+                      <dgm:constr type="b" for="ch" forName="child4Text" refType="h"/>
+                      <dgm:constr type="l" for="ch" forName="child4Text"/>
+                    </dgm:constrLst>
+                  </dgm:if>
+                  <dgm:else name="Name27">
+                    <dgm:constrLst>
+                      <dgm:constr type="w" for="ch" forName="child4" refType="w"/>
+                      <dgm:constr type="h" for="ch" forName="child4" refType="h"/>
+                      <dgm:constr type="b" for="ch" forName="child4" refType="h"/>
+                      <dgm:constr type="r" for="ch" forName="child4" refType="w"/>
+                      <dgm:constr type="w" for="ch" forName="child4Text" refType="w" fact="0.7"/>
+                      <dgm:constr type="h" for="ch" forName="child4Text" refType="h" fact="0.75"/>
+                      <dgm:constr type="b" for="ch" forName="child4Text" refType="h"/>
+                      <dgm:constr type="r" for="ch" forName="child4Text" refType="w"/>
+                    </dgm:constrLst>
+                  </dgm:else>
+                </dgm:choose>
+                <dgm:ruleLst/>
+                <dgm:layoutNode name="child4" styleLbl="bgAcc1">
+                  <dgm:alg type="sp"/>
+                  <dgm:shape xmlns:r="http://schemas.openxmlformats.org/officeDocument/2006/relationships" type="roundRect" r:blip="" zOrderOff="-4">
+                    <dgm:adjLst>
+                      <dgm:adj idx="1" val="0.1"/>
+                    </dgm:adjLst>
+                  </dgm:shape>
+                  <dgm:presOf axis="ch des" ptType="node node" st="4 1" cnt="1 0"/>
+                  <dgm:constrLst/>
+                  <dgm:ruleLst/>
+                </dgm:layoutNode>
+                <dgm:layoutNode name="child4Text" styleLbl="bgAcc1">
+                  <dgm:varLst>
+                    <dgm:bulletEnabled val="1"/>
+                  </dgm:varLst>
+                  <dgm:alg type="tx">
+                    <dgm:param type="stBulletLvl" val="1"/>
+                  </dgm:alg>
+                  <dgm:shape xmlns:r="http://schemas.openxmlformats.org/officeDocument/2006/relationships" type="roundRect" r:blip="" zOrderOff="-4" hideGeom="1">
+                    <dgm:adjLst>
+                      <dgm:adj idx="1" val="0.1"/>
+                    </dgm:adjLst>
+                  </dgm:shape>
+                  <dgm:presOf axis="ch des" ptType="node node" st="4 1" cnt="1 0"/>
+                  <dgm:constrLst>
+                    <dgm:constr type="tMarg" refType="primFontSz" fact="0.3"/>
+                    <dgm:constr type="bMarg" refType="primFontSz" fact="0.3"/>
+                    <dgm:constr type="lMarg" refType="primFontSz" fact="0.3"/>
+                    <dgm:constr type="rMarg" refType="primFontSz" fact="0.3"/>
+                  </dgm:constrLst>
+                  <dgm:ruleLst>
+                    <dgm:rule type="primFontSz" val="5" fact="NaN" max="NaN"/>
+                  </dgm:ruleLst>
+                </dgm:layoutNode>
+              </dgm:layoutNode>
+            </dgm:if>
+            <dgm:else name="Name28"/>
+          </dgm:choose>
+          <dgm:layoutNode name="childPlaceholder">
+            <dgm:alg type="sp"/>
+            <dgm:shape xmlns:r="http://schemas.openxmlformats.org/officeDocument/2006/relationships" r:blip="">
+              <dgm:adjLst/>
+            </dgm:shape>
+            <dgm:presOf/>
+            <dgm:constrLst/>
+            <dgm:ruleLst/>
+          </dgm:layoutNode>
+        </dgm:layoutNode>
+        <dgm:layoutNode name="circle">
+          <dgm:alg type="composite">
+            <dgm:param type="ar" val="1"/>
+          </dgm:alg>
+          <dgm:shape xmlns:r="http://schemas.openxmlformats.org/officeDocument/2006/relationships" r:blip="">
+            <dgm:adjLst/>
+          </dgm:shape>
+          <dgm:presOf/>
+          <dgm:choose name="Name29">
+            <dgm:if name="Name30" func="var" arg="dir" op="equ" val="norm">
+              <dgm:constrLst>
+                <dgm:constr type="primFontSz" for="ch" ptType="node" op="equ" val="65"/>
+                <dgm:constr type="w" for="ch" forName="quadrant1" refType="w" fact="0.433"/>
+                <dgm:constr type="h" for="ch" forName="quadrant1" refType="h" fact="0.433"/>
+                <dgm:constr type="b" for="ch" forName="quadrant1" refType="h" fact="0.5"/>
+                <dgm:constr type="bOff" for="ch" forName="quadrant1" refType="h" fact="-0.01"/>
+                <dgm:constr type="r" for="ch" forName="quadrant1" refType="w" fact="0.5"/>
+                <dgm:constr type="rOff" for="ch" forName="quadrant1" refType="w" fact="-0.01"/>
+                <dgm:constr type="w" for="ch" forName="quadrant2" refType="w" fact="0.433"/>
+                <dgm:constr type="h" for="ch" forName="quadrant2" refType="h" fact="0.433"/>
+                <dgm:constr type="b" for="ch" forName="quadrant2" refType="h" fact="0.5"/>
+                <dgm:constr type="bOff" for="ch" forName="quadrant2" refType="h" fact="-0.01"/>
+                <dgm:constr type="l" for="ch" forName="quadrant2" refType="w" fact="0.5"/>
+                <dgm:constr type="lOff" for="ch" forName="quadrant2" refType="w" fact="0.01"/>
+                <dgm:constr type="w" for="ch" forName="quadrant3" refType="w" fact="0.433"/>
+                <dgm:constr type="h" for="ch" forName="quadrant3" refType="h" fact="0.433"/>
+                <dgm:constr type="t" for="ch" forName="quadrant3" refType="h" fact="0.5"/>
+                <dgm:constr type="tOff" for="ch" forName="quadrant3" refType="h" fact="0.01"/>
+                <dgm:constr type="l" for="ch" forName="quadrant3" refType="w" fact="0.5"/>
+                <dgm:constr type="lOff" for="ch" forName="quadrant3" refType="w" fact="0.01"/>
+                <dgm:constr type="w" for="ch" forName="quadrant4" refType="w" fact="0.433"/>
+                <dgm:constr type="h" for="ch" forName="quadrant4" refType="h" fact="0.433"/>
+                <dgm:constr type="t" for="ch" forName="quadrant4" refType="h" fact="0.5"/>
+                <dgm:constr type="tOff" for="ch" forName="quadrant4" refType="h" fact="0.01"/>
+                <dgm:constr type="r" for="ch" forName="quadrant4" refType="w" fact="0.5"/>
+                <dgm:constr type="rOff" for="ch" forName="quadrant4" refType="w" fact="-0.01"/>
+              </dgm:constrLst>
+            </dgm:if>
+            <dgm:else name="Name31">
+              <dgm:constrLst>
+                <dgm:constr type="primFontSz" for="ch" ptType="node" op="equ" val="65"/>
+                <dgm:constr type="w" for="ch" forName="quadrant1" refType="w" fact="0.433"/>
+                <dgm:constr type="h" for="ch" forName="quadrant1" refType="h" fact="0.433"/>
+                <dgm:constr type="b" for="ch" forName="quadrant1" refType="h" fact="0.5"/>
+                <dgm:constr type="bOff" for="ch" forName="quadrant1" refType="h" fact="-0.01"/>
+                <dgm:constr type="l" for="ch" forName="quadrant1" refType="w" fact="0.5"/>
+                <dgm:constr type="lOff" for="ch" forName="quadrant1" refType="w" fact="0.01"/>
+                <dgm:constr type="w" for="ch" forName="quadrant2" refType="w" fact="0.433"/>
+                <dgm:constr type="h" for="ch" forName="quadrant2" refType="h" fact="0.433"/>
+                <dgm:constr type="b" for="ch" forName="quadrant2" refType="h" fact="0.5"/>
+                <dgm:constr type="bOff" for="ch" forName="quadrant2" refType="h" fact="-0.01"/>
+                <dgm:constr type="r" for="ch" forName="quadrant2" refType="w" fact="0.5"/>
+                <dgm:constr type="rOff" for="ch" forName="quadrant2" refType="w" fact="-0.01"/>
+                <dgm:constr type="w" for="ch" forName="quadrant3" refType="w" fact="0.433"/>
+                <dgm:constr type="h" for="ch" forName="quadrant3" refType="h" fact="0.433"/>
+                <dgm:constr type="t" for="ch" forName="quadrant3" refType="h" fact="0.5"/>
+                <dgm:constr type="tOff" for="ch" forName="quadrant3" refType="h" fact="0.01"/>
+                <dgm:constr type="r" for="ch" forName="quadrant3" refType="w" fact="0.5"/>
+                <dgm:constr type="rOff" for="ch" forName="quadrant3" refType="w" fact="-0.01"/>
+                <dgm:constr type="w" for="ch" forName="quadrant4" refType="w" fact="0.433"/>
+                <dgm:constr type="h" for="ch" forName="quadrant4" refType="h" fact="0.433"/>
+                <dgm:constr type="t" for="ch" forName="quadrant4" refType="h" fact="0.5"/>
+                <dgm:constr type="tOff" for="ch" forName="quadrant4" refType="h" fact="0.01"/>
+                <dgm:constr type="l" for="ch" forName="quadrant4" refType="w" fact="0.5"/>
+                <dgm:constr type="lOff" for="ch" forName="quadrant4" refType="w" fact="0.01"/>
+              </dgm:constrLst>
+            </dgm:else>
+          </dgm:choose>
+          <dgm:ruleLst/>
+          <dgm:layoutNode name="quadrant1" styleLbl="node1">
+            <dgm:varLst>
+              <dgm:chMax val="1"/>
+              <dgm:bulletEnabled val="1"/>
+            </dgm:varLst>
+            <dgm:alg type="tx"/>
+            <dgm:choose name="Name32">
+              <dgm:if name="Name33" func="var" arg="dir" op="equ" val="norm">
+                <dgm:shape xmlns:r="http://schemas.openxmlformats.org/officeDocument/2006/relationships" type="pieWedge" r:blip="">
+                  <dgm:adjLst/>
+                </dgm:shape>
+              </dgm:if>
+              <dgm:else name="Name34">
+                <dgm:shape xmlns:r="http://schemas.openxmlformats.org/officeDocument/2006/relationships" rot="90" type="pieWedge" r:blip="">
+                  <dgm:adjLst/>
+                </dgm:shape>
+              </dgm:else>
+            </dgm:choose>
+            <dgm:presOf axis="ch" ptType="node" cnt="1"/>
+            <dgm:constrLst/>
+            <dgm:ruleLst>
+              <dgm:rule type="primFontSz" val="5" fact="NaN" max="NaN"/>
+            </dgm:ruleLst>
+          </dgm:layoutNode>
+          <dgm:layoutNode name="quadrant2" styleLbl="node1">
+            <dgm:varLst>
+              <dgm:chMax val="1"/>
+              <dgm:bulletEnabled val="1"/>
+            </dgm:varLst>
+            <dgm:alg type="tx"/>
+            <dgm:choose name="Name35">
+              <dgm:if name="Name36" func="var" arg="dir" op="equ" val="norm">
+                <dgm:shape xmlns:r="http://schemas.openxmlformats.org/officeDocument/2006/relationships" rot="90" type="pieWedge" r:blip="">
+                  <dgm:adjLst/>
+                </dgm:shape>
+              </dgm:if>
+              <dgm:else name="Name37">
+                <dgm:shape xmlns:r="http://schemas.openxmlformats.org/officeDocument/2006/relationships" type="pieWedge" r:blip="">
+                  <dgm:adjLst/>
+                </dgm:shape>
+              </dgm:else>
+            </dgm:choose>
+            <dgm:presOf axis="ch" ptType="node" st="2" cnt="1"/>
+            <dgm:constrLst/>
+            <dgm:ruleLst>
+              <dgm:rule type="primFontSz" val="5" fact="NaN" max="NaN"/>
+            </dgm:ruleLst>
+          </dgm:layoutNode>
+          <dgm:layoutNode name="quadrant3" styleLbl="node1">
+            <dgm:varLst>
+              <dgm:chMax val="1"/>
+              <dgm:bulletEnabled val="1"/>
+            </dgm:varLst>
+            <dgm:alg type="tx"/>
+            <dgm:choose name="Name38">
+              <dgm:if name="Name39" func="var" arg="dir" op="equ" val="norm">
+                <dgm:shape xmlns:r="http://schemas.openxmlformats.org/officeDocument/2006/relationships" rot="180" type="pieWedge" r:blip="">
+                  <dgm:adjLst/>
+                </dgm:shape>
+              </dgm:if>
+              <dgm:else name="Name40">
+                <dgm:shape xmlns:r="http://schemas.openxmlformats.org/officeDocument/2006/relationships" rot="270" type="pieWedge" r:blip="">
+                  <dgm:adjLst/>
+                </dgm:shape>
+              </dgm:else>
+            </dgm:choose>
+            <dgm:presOf axis="ch" ptType="node" st="3" cnt="1"/>
+            <dgm:constrLst/>
+            <dgm:ruleLst>
+              <dgm:rule type="primFontSz" val="5" fact="NaN" max="NaN"/>
+            </dgm:ruleLst>
+          </dgm:layoutNode>
+          <dgm:layoutNode name="quadrant4" styleLbl="node1">
+            <dgm:varLst>
+              <dgm:chMax val="1"/>
+              <dgm:bulletEnabled val="1"/>
+            </dgm:varLst>
+            <dgm:alg type="tx"/>
+            <dgm:choose name="Name41">
+              <dgm:if name="Name42" func="var" arg="dir" op="equ" val="norm">
+                <dgm:shape xmlns:r="http://schemas.openxmlformats.org/officeDocument/2006/relationships" rot="270" type="pieWedge" r:blip="">
+                  <dgm:adjLst/>
+                </dgm:shape>
+              </dgm:if>
+              <dgm:else name="Name43">
+                <dgm:shape xmlns:r="http://schemas.openxmlformats.org/officeDocument/2006/relationships" rot="180" type="pieWedge" r:blip="">
+                  <dgm:adjLst/>
+                </dgm:shape>
+              </dgm:else>
+            </dgm:choose>
+            <dgm:presOf axis="ch" ptType="node" st="4" cnt="1"/>
+            <dgm:constrLst/>
+            <dgm:ruleLst>
+              <dgm:rule type="primFontSz" val="5" fact="NaN" max="NaN"/>
+            </dgm:ruleLst>
+          </dgm:layoutNode>
+          <dgm:layoutNode name="quadrantPlaceholder">
+            <dgm:alg type="sp"/>
+            <dgm:shape xmlns:r="http://schemas.openxmlformats.org/officeDocument/2006/relationships" r:blip="">
+              <dgm:adjLst/>
+            </dgm:shape>
+            <dgm:presOf/>
+            <dgm:constrLst/>
+            <dgm:ruleLst/>
+          </dgm:layoutNode>
+        </dgm:layoutNode>
+        <dgm:layoutNode name="center1" styleLbl="fgShp">
+          <dgm:alg type="sp"/>
+          <dgm:choose name="Name44">
+            <dgm:if name="Name45" func="var" arg="dir" op="equ" val="norm">
+              <dgm:shape xmlns:r="http://schemas.openxmlformats.org/officeDocument/2006/relationships" type="circularArrow" r:blip="" zOrderOff="16">
+                <dgm:adjLst/>
+              </dgm:shape>
+            </dgm:if>
+            <dgm:else name="Name46">
+              <dgm:shape xmlns:r="http://schemas.openxmlformats.org/officeDocument/2006/relationships" rot="180" type="leftCircularArrow" r:blip="" zOrderOff="16">
+                <dgm:adjLst/>
+              </dgm:shape>
+            </dgm:else>
+          </dgm:choose>
+          <dgm:presOf/>
+          <dgm:constrLst/>
+          <dgm:ruleLst/>
+        </dgm:layoutNode>
+        <dgm:layoutNode name="center2" styleLbl="fgShp">
+          <dgm:alg type="sp"/>
+          <dgm:choose name="Name47">
+            <dgm:if name="Name48" func="var" arg="dir" op="equ" val="norm">
+              <dgm:shape xmlns:r="http://schemas.openxmlformats.org/officeDocument/2006/relationships" rot="180" type="circularArrow" r:blip="" zOrderOff="16">
+                <dgm:adjLst/>
+              </dgm:shape>
+            </dgm:if>
+            <dgm:else name="Name49">
+              <dgm:shape xmlns:r="http://schemas.openxmlformats.org/officeDocument/2006/relationships" type="leftCircularArrow" r:blip="" zOrderOff="16">
+                <dgm:adjLst/>
+              </dgm:shape>
+            </dgm:else>
+          </dgm:choose>
+          <dgm:presOf/>
+          <dgm:constrLst/>
+          <dgm:ruleLst/>
+        </dgm:layoutNode>
+      </dgm:if>
+      <dgm:else name="Name50"/>
+    </dgm:choose>
+  </dgm:layoutNode>
+</dgm:layoutDef>
+</file>
+
+<file path=ppt/diagrams/quickStyle1.xml><?xml version="1.0" encoding="utf-8"?>
+<dgm:styleDef xmlns:dgm="http://schemas.openxmlformats.org/drawingml/2006/diagram" xmlns:a="http://schemas.openxmlformats.org/drawingml/2006/main" uniqueId="urn:microsoft.com/office/officeart/2005/8/quickstyle/simple1">
+  <dgm:title val=""/>
+  <dgm:desc val=""/>
+  <dgm:catLst>
+    <dgm:cat type="simple" pri="10100"/>
+  </dgm:catLst>
+  <dgm:scene3d>
+    <a:camera prst="orthographicFront"/>
+    <a:lightRig rig="threePt" dir="t"/>
+  </dgm:scene3d>
+  <dgm:styleLbl name="node0">
+    <dgm:scene3d>
+      <a:camera prst="orthographicFront"/>
+      <a:lightRig rig="threePt" dir="t"/>
+    </dgm:scene3d>
+    <dgm:sp3d/>
+    <dgm:txPr/>
+    <dgm:style>
+      <a:lnRef idx="2">
+        <a:scrgbClr r="0" g="0" b="0"/>
+      </a:lnRef>
+      <a:fillRef idx="1">
+        <a:scrgbClr r="0" g="0" b="0"/>
+      </a:fillRef>
+      <a:effectRef idx="0">
+        <a:scrgbClr r="0" g="0" b="0"/>
+      </a:effectRef>
+      <a:fontRef idx="minor">
+        <a:schemeClr val="lt1"/>
+      </a:fontRef>
+    </dgm:style>
+  </dgm:styleLbl>
+  <dgm:styleLbl name="lnNode1">
+    <dgm:scene3d>
+      <a:camera prst="orthographicFront"/>
+      <a:lightRig rig="threePt" dir="t"/>
+    </dgm:scene3d>
+    <dgm:sp3d/>
+    <dgm:txPr/>
+    <dgm:style>
+      <a:lnRef idx="2">
+        <a:scrgbClr r="0" g="0" b="0"/>
+      </a:lnRef>
+      <a:fillRef idx="1">
+        <a:scrgbClr r="0" g="0" b="0"/>
+      </a:fillRef>
+      <a:effectRef idx="0">
+        <a:scrgbClr r="0" g="0" b="0"/>
+      </a:effectRef>
+      <a:fontRef idx="minor">
+        <a:schemeClr val="lt1"/>
+      </a:fontRef>
+    </dgm:style>
+  </dgm:styleLbl>
+  <dgm:styleLbl name="vennNode1">
+    <dgm:scene3d>
+      <a:camera prst="orthographicFront"/>
+      <a:lightRig rig="threePt" dir="t"/>
+    </dgm:scene3d>
+    <dgm:sp3d/>
+    <dgm:txPr/>
+    <dgm:style>
+      <a:lnRef idx="2">
+        <a:scrgbClr r="0" g="0" b="0"/>
+      </a:lnRef>
+      <a:fillRef idx="1">
+        <a:scrgbClr r="0" g="0" b="0"/>
+      </a:fillRef>
+      <a:effectRef idx="0">
+        <a:scrgbClr r="0" g="0" b="0"/>
+      </a:effectRef>
+      <a:fontRef idx="minor">
+        <a:schemeClr val="tx1"/>
+      </a:fontRef>
+    </dgm:style>
+  </dgm:styleLbl>
+  <dgm:styleLbl name="alignNode1">
+    <dgm:scene3d>
+      <a:camera prst="orthographicFront"/>
+      <a:lightRig rig="threePt" dir="t"/>
+    </dgm:scene3d>
+    <dgm:sp3d/>
+    <dgm:txPr/>
+    <dgm:style>
+      <a:lnRef idx="2">
+        <a:scrgbClr r="0" g="0" b="0"/>
+      </a:lnRef>
+      <a:fillRef idx="1">
+        <a:scrgbClr r="0" g="0" b="0"/>
+      </a:fillRef>
+      <a:effectRef idx="0">
+        <a:scrgbClr r="0" g="0" b="0"/>
+      </a:effectRef>
+      <a:fontRef idx="minor">
+        <a:schemeClr val="lt1"/>
+      </a:fontRef>
+    </dgm:style>
+  </dgm:styleLbl>
+  <dgm:styleLbl name="node1">
+    <dgm:scene3d>
+      <a:camera prst="orthographicFront"/>
+      <a:lightRig rig="threePt" dir="t"/>
+    </dgm:scene3d>
+    <dgm:sp3d/>
+    <dgm:txPr/>
+    <dgm:style>
+      <a:lnRef idx="2">
+        <a:scrgbClr r="0" g="0" b="0"/>
+      </a:lnRef>
+      <a:fillRef idx="1">
+        <a:scrgbClr r="0" g="0" b="0"/>
+      </a:fillRef>
+      <a:effectRef idx="0">
+        <a:scrgbClr r="0" g="0" b="0"/>
+      </a:effectRef>
+      <a:fontRef idx="minor">
+        <a:schemeClr val="lt1"/>
+      </a:fontRef>
+    </dgm:style>
+  </dgm:styleLbl>
+  <dgm:styleLbl name="node2">
+    <dgm:scene3d>
+      <a:camera prst="orthographicFront"/>
+      <a:lightRig rig="threePt" dir="t"/>
+    </dgm:scene3d>
+    <dgm:sp3d/>
+    <dgm:txPr/>
+    <dgm:style>
+      <a:lnRef idx="2">
+        <a:scrgbClr r="0" g="0" b="0"/>
+      </a:lnRef>
+      <a:fillRef idx="1">
+        <a:scrgbClr r="0" g="0" b="0"/>
+      </a:fillRef>
+      <a:effectRef idx="0">
+        <a:scrgbClr r="0" g="0" b="0"/>
+      </a:effectRef>
+      <a:fontRef idx="minor">
+        <a:schemeClr val="lt1"/>
+      </a:fontRef>
+    </dgm:style>
+  </dgm:styleLbl>
+  <dgm:styleLbl name="node3">
+    <dgm:scene3d>
+      <a:camera prst="orthographicFront"/>
+      <a:lightRig rig="threePt" dir="t"/>
+    </dgm:scene3d>
+    <dgm:sp3d/>
+    <dgm:txPr/>
+    <dgm:style>
+      <a:lnRef idx="2">
+        <a:scrgbClr r="0" g="0" b="0"/>
+      </a:lnRef>
+      <a:fillRef idx="1">
+        <a:scrgbClr r="0" g="0" b="0"/>
+      </a:fillRef>
+      <a:effectRef idx="0">
+        <a:scrgbClr r="0" g="0" b="0"/>
+      </a:effectRef>
+      <a:fontRef idx="minor">
+        <a:schemeClr val="lt1"/>
+      </a:fontRef>
+    </dgm:style>
+  </dgm:styleLbl>
+  <dgm:styleLbl name="node4">
+    <dgm:scene3d>
+      <a:camera prst="orthographicFront"/>
+      <a:lightRig rig="threePt" dir="t"/>
+    </dgm:scene3d>
+    <dgm:sp3d/>
+    <dgm:txPr/>
+    <dgm:style>
+      <a:lnRef idx="2">
+        <a:scrgbClr r="0" g="0" b="0"/>
+      </a:lnRef>
+      <a:fillRef idx="1">
+        <a:scrgbClr r="0" g="0" b="0"/>
+      </a:fillRef>
+      <a:effectRef idx="0">
+        <a:scrgbClr r="0" g="0" b="0"/>
+      </a:effectRef>
+      <a:fontRef idx="minor">
+        <a:schemeClr val="lt1"/>
+      </a:fontRef>
+    </dgm:style>
+  </dgm:styleLbl>
+  <dgm:styleLbl name="fgImgPlace1">
+    <dgm:scene3d>
+      <a:camera prst="orthographicFront"/>
+      <a:lightRig rig="threePt" dir="t"/>
+    </dgm:scene3d>
+    <dgm:sp3d/>
+    <dgm:txPr/>
+    <dgm:style>
+      <a:lnRef idx="2">
+        <a:scrgbClr r="0" g="0" b="0"/>
+      </a:lnRef>
+      <a:fillRef idx="1">
+        <a:scrgbClr r="0" g="0" b="0"/>
+      </a:fillRef>
+      <a:effectRef idx="0">
+        <a:scrgbClr r="0" g="0" b="0"/>
+      </a:effectRef>
+      <a:fontRef idx="minor"/>
+    </dgm:style>
+  </dgm:styleLbl>
+  <dgm:styleLbl name="alignImgPlace1">
+    <dgm:scene3d>
+      <a:camera prst="orthographicFront"/>
+      <a:lightRig rig="threePt" dir="t"/>
+    </dgm:scene3d>
+    <dgm:sp3d/>
+    <dgm:txPr/>
+    <dgm:style>
+      <a:lnRef idx="2">
+        <a:scrgbClr r="0" g="0" b="0"/>
+      </a:lnRef>
+      <a:fillRef idx="1">
+        <a:scrgbClr r="0" g="0" b="0"/>
+      </a:fillRef>
+      <a:effectRef idx="0">
+        <a:scrgbClr r="0" g="0" b="0"/>
+      </a:effectRef>
+      <a:fontRef idx="minor"/>
+    </dgm:style>
+  </dgm:styleLbl>
+  <dgm:styleLbl name="bgImgPlace1">
+    <dgm:scene3d>
+      <a:camera prst="orthographicFront"/>
+      <a:lightRig rig="threePt" dir="t"/>
+    </dgm:scene3d>
+    <dgm:sp3d/>
+    <dgm:txPr/>
+    <dgm:style>
+      <a:lnRef idx="2">
+        <a:scrgbClr r="0" g="0" b="0"/>
+      </a:lnRef>
+      <a:fillRef idx="1">
+        <a:scrgbClr r="0" g="0" b="0"/>
+      </a:fillRef>
+      <a:effectRef idx="0">
+        <a:scrgbClr r="0" g="0" b="0"/>
+      </a:effectRef>
+      <a:fontRef idx="minor"/>
+    </dgm:style>
+  </dgm:styleLbl>
+  <dgm:styleLbl name="sibTrans2D1">
+    <dgm:scene3d>
+      <a:camera prst="orthographicFront"/>
+      <a:lightRig rig="threePt" dir="t"/>
+    </dgm:scene3d>
+    <dgm:sp3d/>
+    <dgm:txPr/>
+    <dgm:style>
+      <a:lnRef idx="0">
+        <a:scrgbClr r="0" g="0" b="0"/>
+      </a:lnRef>
+      <a:fillRef idx="1">
+        <a:scrgbClr r="0" g="0" b="0"/>
+      </a:fillRef>
+      <a:effectRef idx="0">
+        <a:scrgbClr r="0" g="0" b="0"/>
+      </a:effectRef>
+      <a:fontRef idx="minor">
+        <a:schemeClr val="lt1"/>
+      </a:fontRef>
+    </dgm:style>
+  </dgm:styleLbl>
+  <dgm:styleLbl name="fgSibTrans2D1">
+    <dgm:scene3d>
+      <a:camera prst="orthographicFront"/>
+      <a:lightRig rig="threePt" dir="t"/>
+    </dgm:scene3d>
+    <dgm:sp3d/>
+    <dgm:txPr/>
+    <dgm:style>
+      <a:lnRef idx="0">
+        <a:scrgbClr r="0" g="0" b="0"/>
+      </a:lnRef>
+      <a:fillRef idx="1">
+        <a:scrgbClr r="0" g="0" b="0"/>
+      </a:fillRef>
+      <a:effectRef idx="0">
+        <a:scrgbClr r="0" g="0" b="0"/>
+      </a:effectRef>
+      <a:fontRef idx="minor">
+        <a:schemeClr val="lt1"/>
+      </a:fontRef>
+    </dgm:style>
+  </dgm:styleLbl>
+  <dgm:styleLbl name="bgSibTrans2D1">
+    <dgm:scene3d>
+      <a:camera prst="orthographicFront"/>
+      <a:lightRig rig="threePt" dir="t"/>
+    </dgm:scene3d>
+    <dgm:sp3d/>
+    <dgm:txPr/>
+    <dgm:style>
+      <a:lnRef idx="0">
+        <a:scrgbClr r="0" g="0" b="0"/>
+      </a:lnRef>
+      <a:fillRef idx="1">
+        <a:scrgbClr r="0" g="0" b="0"/>
+      </a:fillRef>
+      <a:effectRef idx="0">
+        <a:scrgbClr r="0" g="0" b="0"/>
+      </a:effectRef>
+      <a:fontRef idx="minor">
+        <a:schemeClr val="lt1"/>
+      </a:fontRef>
+    </dgm:style>
+  </dgm:styleLbl>
+  <dgm:styleLbl name="sibTrans1D1">
+    <dgm:scene3d>
+      <a:camera prst="orthographicFront"/>
+      <a:lightRig rig="threePt" dir="t"/>
+    </dgm:scene3d>
+    <dgm:sp3d/>
+    <dgm:txPr/>
+    <dgm:style>
+      <a:lnRef idx="1">
+        <a:scrgbClr r="0" g="0" b="0"/>
+      </a:lnRef>
+      <a:fillRef idx="0">
+        <a:scrgbClr r="0" g="0" b="0"/>
+      </a:fillRef>
+      <a:effectRef idx="0">
+        <a:scrgbClr r="0" g="0" b="0"/>
+      </a:effectRef>
+      <a:fontRef idx="minor"/>
+    </dgm:style>
+  </dgm:styleLbl>
+  <dgm:styleLbl name="callout">
+    <dgm:scene3d>
+      <a:camera prst="orthographicFront"/>
+      <a:lightRig rig="threePt" dir="t"/>
+    </dgm:scene3d>
+    <dgm:sp3d/>
+    <dgm:txPr/>
+    <dgm:style>
+      <a:lnRef idx="2">
+        <a:scrgbClr r="0" g="0" b="0"/>
+      </a:lnRef>
+      <a:fillRef idx="1">
+        <a:scrgbClr r="0" g="0" b="0"/>
+      </a:fillRef>
+      <a:effectRef idx="0">
+        <a:scrgbClr r="0" g="0" b="0"/>
+      </a:effectRef>
+      <a:fontRef idx="minor"/>
+    </dgm:style>
+  </dgm:styleLbl>
+  <dgm:styleLbl name="asst0">
+    <dgm:scene3d>
+      <a:camera prst="orthographicFront"/>
+      <a:lightRig rig="threePt" dir="t"/>
+    </dgm:scene3d>
+    <dgm:sp3d/>
+    <dgm:txPr/>
+    <dgm:style>
+      <a:lnRef idx="2">
+        <a:scrgbClr r="0" g="0" b="0"/>
+      </a:lnRef>
+      <a:fillRef idx="1">
+        <a:scrgbClr r="0" g="0" b="0"/>
+      </a:fillRef>
+      <a:effectRef idx="0">
+        <a:scrgbClr r="0" g="0" b="0"/>
+      </a:effectRef>
+      <a:fontRef idx="minor">
+        <a:schemeClr val="lt1"/>
+      </a:fontRef>
+    </dgm:style>
+  </dgm:styleLbl>
+  <dgm:styleLbl name="asst1">
+    <dgm:scene3d>
+      <a:camera prst="orthographicFront"/>
+      <a:lightRig rig="threePt" dir="t"/>
+    </dgm:scene3d>
+    <dgm:sp3d/>
+    <dgm:txPr/>
+    <dgm:style>
+      <a:lnRef idx="2">
+        <a:scrgbClr r="0" g="0" b="0"/>
+      </a:lnRef>
+      <a:fillRef idx="1">
+        <a:scrgbClr r="0" g="0" b="0"/>
+      </a:fillRef>
+      <a:effectRef idx="0">
+        <a:scrgbClr r="0" g="0" b="0"/>
+      </a:effectRef>
+      <a:fontRef idx="minor">
+        <a:schemeClr val="lt1"/>
+      </a:fontRef>
+    </dgm:style>
+  </dgm:styleLbl>
+  <dgm:styleLbl name="asst2">
+    <dgm:scene3d>
+      <a:camera prst="orthographicFront"/>
+      <a:lightRig rig="threePt" dir="t"/>
+    </dgm:scene3d>
+    <dgm:sp3d/>
+    <dgm:txPr/>
+    <dgm:style>
+      <a:lnRef idx="2">
+        <a:scrgbClr r="0" g="0" b="0"/>
+      </a:lnRef>
+      <a:fillRef idx="1">
+        <a:scrgbClr r="0" g="0" b="0"/>
+      </a:fillRef>
+      <a:effectRef idx="0">
+        <a:scrgbClr r="0" g="0" b="0"/>
+      </a:effectRef>
+      <a:fontRef idx="minor">
+        <a:schemeClr val="lt1"/>
+      </a:fontRef>
+    </dgm:style>
+  </dgm:styleLbl>
+  <dgm:styleLbl name="asst3">
+    <dgm:scene3d>
+      <a:camera prst="orthographicFront"/>
+      <a:lightRig rig="threePt" dir="t"/>
+    </dgm:scene3d>
+    <dgm:sp3d/>
+    <dgm:txPr/>
+    <dgm:style>
+      <a:lnRef idx="2">
+        <a:scrgbClr r="0" g="0" b="0"/>
+      </a:lnRef>
+      <a:fillRef idx="1">
+        <a:scrgbClr r="0" g="0" b="0"/>
+      </a:fillRef>
+      <a:effectRef idx="0">
+        <a:scrgbClr r="0" g="0" b="0"/>
+      </a:effectRef>
+      <a:fontRef idx="minor">
+        <a:schemeClr val="lt1"/>
+      </a:fontRef>
+    </dgm:style>
+  </dgm:styleLbl>
+  <dgm:styleLbl name="asst4">
+    <dgm:scene3d>
+      <a:camera prst="orthographicFront"/>
+      <a:lightRig rig="threePt" dir="t"/>
+    </dgm:scene3d>
+    <dgm:sp3d/>
+    <dgm:txPr/>
+    <dgm:style>
+      <a:lnRef idx="2">
+        <a:scrgbClr r="0" g="0" b="0"/>
+      </a:lnRef>
+      <a:fillRef idx="1">
+        <a:scrgbClr r="0" g="0" b="0"/>
+      </a:fillRef>
+      <a:effectRef idx="0">
+        <a:scrgbClr r="0" g="0" b="0"/>
+      </a:effectRef>
+      <a:fontRef idx="minor">
+        <a:schemeClr val="lt1"/>
+      </a:fontRef>
+    </dgm:style>
+  </dgm:styleLbl>
+  <dgm:styleLbl name="parChTrans2D1">
+    <dgm:scene3d>
+      <a:camera prst="orthographicFront"/>
+      <a:lightRig rig="threePt" dir="t"/>
+    </dgm:scene3d>
+    <dgm:sp3d/>
+    <dgm:txPr/>
+    <dgm:style>
+      <a:lnRef idx="2">
+        <a:scrgbClr r="0" g="0" b="0"/>
+      </a:lnRef>
+      <a:fillRef idx="1">
+        <a:scrgbClr r="0" g="0" b="0"/>
+      </a:fillRef>
+      <a:effectRef idx="0">
+        <a:scrgbClr r="0" g="0" b="0"/>
+      </a:effectRef>
+      <a:fontRef idx="minor">
+        <a:schemeClr val="lt1"/>
+      </a:fontRef>
+    </dgm:style>
+  </dgm:styleLbl>
+  <dgm:styleLbl name="parChTrans2D2">
+    <dgm:scene3d>
+      <a:camera prst="orthographicFront"/>
+      <a:lightRig rig="threePt" dir="t"/>
+    </dgm:scene3d>
+    <dgm:sp3d/>
+    <dgm:txPr/>
+    <dgm:style>
+      <a:lnRef idx="2">
+        <a:scrgbClr r="0" g="0" b="0"/>
+      </a:lnRef>
+      <a:fillRef idx="1">
+        <a:scrgbClr r="0" g="0" b="0"/>
+      </a:fillRef>
+      <a:effectRef idx="0">
+        <a:scrgbClr r="0" g="0" b="0"/>
+      </a:effectRef>
+      <a:fontRef idx="minor">
+        <a:schemeClr val="lt1"/>
+      </a:fontRef>
+    </dgm:style>
+  </dgm:styleLbl>
+  <dgm:styleLbl name="parChTrans2D3">
+    <dgm:scene3d>
+      <a:camera prst="orthographicFront"/>
+      <a:lightRig rig="threePt" dir="t"/>
+    </dgm:scene3d>
+    <dgm:sp3d/>
+    <dgm:txPr/>
+    <dgm:style>
+      <a:lnRef idx="2">
+        <a:scrgbClr r="0" g="0" b="0"/>
+      </a:lnRef>
+      <a:fillRef idx="1">
+        <a:scrgbClr r="0" g="0" b="0"/>
+      </a:fillRef>
+      <a:effectRef idx="0">
+        <a:scrgbClr r="0" g="0" b="0"/>
+      </a:effectRef>
+      <a:fontRef idx="minor">
+        <a:schemeClr val="lt1"/>
+      </a:fontRef>
+    </dgm:style>
+  </dgm:styleLbl>
+  <dgm:styleLbl name="parChTrans2D4">
+    <dgm:scene3d>
+      <a:camera prst="orthographicFront"/>
+      <a:lightRig rig="threePt" dir="t"/>
+    </dgm:scene3d>
+    <dgm:sp3d/>
+    <dgm:txPr/>
+    <dgm:style>
+      <a:lnRef idx="2">
+        <a:scrgbClr r="0" g="0" b="0"/>
+      </a:lnRef>
+      <a:fillRef idx="1">
+        <a:scrgbClr r="0" g="0" b="0"/>
+      </a:fillRef>
+      <a:effectRef idx="0">
+        <a:scrgbClr r="0" g="0" b="0"/>
+      </a:effectRef>
+      <a:fontRef idx="minor">
+        <a:schemeClr val="lt1"/>
+      </a:fontRef>
+    </dgm:style>
+  </dgm:styleLbl>
+  <dgm:styleLbl name="parChTrans1D1">
+    <dgm:scene3d>
+      <a:camera prst="orthographicFront"/>
+      <a:lightRig rig="threePt" dir="t"/>
+    </dgm:scene3d>
+    <dgm:sp3d/>
+    <dgm:txPr/>
+    <dgm:style>
+      <a:lnRef idx="2">
+        <a:scrgbClr r="0" g="0" b="0"/>
+      </a:lnRef>
+      <a:fillRef idx="0">
+        <a:scrgbClr r="0" g="0" b="0"/>
+      </a:fillRef>
+      <a:effectRef idx="0">
+        <a:scrgbClr r="0" g="0" b="0"/>
+      </a:effectRef>
+      <a:fontRef idx="minor"/>
+    </dgm:style>
+  </dgm:styleLbl>
+  <dgm:styleLbl name="parChTrans1D2">
+    <dgm:scene3d>
+      <a:camera prst="orthographicFront"/>
+      <a:lightRig rig="threePt" dir="t"/>
+    </dgm:scene3d>
+    <dgm:sp3d/>
+    <dgm:txPr/>
+    <dgm:style>
+      <a:lnRef idx="2">
+        <a:scrgbClr r="0" g="0" b="0"/>
+      </a:lnRef>
+      <a:fillRef idx="0">
+        <a:scrgbClr r="0" g="0" b="0"/>
+      </a:fillRef>
+      <a:effectRef idx="0">
+        <a:scrgbClr r="0" g="0" b="0"/>
+      </a:effectRef>
+      <a:fontRef idx="minor"/>
+    </dgm:style>
+  </dgm:styleLbl>
+  <dgm:styleLbl name="parChTrans1D3">
+    <dgm:scene3d>
+      <a:camera prst="orthographicFront"/>
+      <a:lightRig rig="threePt" dir="t"/>
+    </dgm:scene3d>
+    <dgm:sp3d/>
+    <dgm:txPr/>
+    <dgm:style>
+      <a:lnRef idx="2">
+        <a:scrgbClr r="0" g="0" b="0"/>
+      </a:lnRef>
+      <a:fillRef idx="0">
+        <a:scrgbClr r="0" g="0" b="0"/>
+      </a:fillRef>
+      <a:effectRef idx="0">
+        <a:scrgbClr r="0" g="0" b="0"/>
+      </a:effectRef>
+      <a:fontRef idx="minor"/>
+    </dgm:style>
+  </dgm:styleLbl>
+  <dgm:styleLbl name="parChTrans1D4">
+    <dgm:scene3d>
+      <a:camera prst="orthographicFront"/>
+      <a:lightRig rig="threePt" dir="t"/>
+    </dgm:scene3d>
+    <dgm:sp3d/>
+    <dgm:txPr/>
+    <dgm:style>
+      <a:lnRef idx="2">
+        <a:scrgbClr r="0" g="0" b="0"/>
+      </a:lnRef>
+      <a:fillRef idx="0">
+        <a:scrgbClr r="0" g="0" b="0"/>
+      </a:fillRef>
+      <a:effectRef idx="0">
+        <a:scrgbClr r="0" g="0" b="0"/>
+      </a:effectRef>
+      <a:fontRef idx="minor"/>
+    </dgm:style>
+  </dgm:styleLbl>
+  <dgm:styleLbl name="fgAcc1">
+    <dgm:scene3d>
+      <a:camera prst="orthographicFront"/>
+      <a:lightRig rig="threePt" dir="t"/>
+    </dgm:scene3d>
+    <dgm:sp3d/>
+    <dgm:txPr/>
+    <dgm:style>
+      <a:lnRef idx="2">
+        <a:scrgbClr r="0" g="0" b="0"/>
+      </a:lnRef>
+      <a:fillRef idx="1">
+        <a:scrgbClr r="0" g="0" b="0"/>
+      </a:fillRef>
+      <a:effectRef idx="0">
+        <a:scrgbClr r="0" g="0" b="0"/>
+      </a:effectRef>
+      <a:fontRef idx="minor"/>
+    </dgm:style>
+  </dgm:styleLbl>
+  <dgm:styleLbl name="conFgAcc1">
+    <dgm:scene3d>
+      <a:camera prst="orthographicFront"/>
+      <a:lightRig rig="threePt" dir="t"/>
+    </dgm:scene3d>
+    <dgm:sp3d/>
+    <dgm:txPr/>
+    <dgm:style>
+      <a:lnRef idx="2">
+        <a:scrgbClr r="0" g="0" b="0"/>
+      </a:lnRef>
+      <a:fillRef idx="1">
+        <a:scrgbClr r="0" g="0" b="0"/>
+      </a:fillRef>
+      <a:effectRef idx="0">
+        <a:scrgbClr r="0" g="0" b="0"/>
+      </a:effectRef>
+      <a:fontRef idx="minor"/>
+    </dgm:style>
+  </dgm:styleLbl>
+  <dgm:styleLbl name="alignAcc1">
+    <dgm:scene3d>
+      <a:camera prst="orthographicFront"/>
+      <a:lightRig rig="threePt" dir="t"/>
+    </dgm:scene3d>
+    <dgm:sp3d/>
+    <dgm:txPr/>
+    <dgm:style>
+      <a:lnRef idx="2">
+        <a:scrgbClr r="0" g="0" b="0"/>
+      </a:lnRef>
+      <a:fillRef idx="1">
+        <a:scrgbClr r="0" g="0" b="0"/>
+      </a:fillRef>
+      <a:effectRef idx="0">
+        <a:scrgbClr r="0" g="0" b="0"/>
+      </a:effectRef>
+      <a:fontRef idx="minor"/>
+    </dgm:style>
+  </dgm:styleLbl>
+  <dgm:styleLbl name="trAlignAcc1">
+    <dgm:scene3d>
+      <a:camera prst="orthographicFront"/>
+      <a:lightRig rig="threePt" dir="t"/>
+    </dgm:scene3d>
+    <dgm:sp3d/>
+    <dgm:txPr/>
+    <dgm:style>
+      <a:lnRef idx="1">
+        <a:scrgbClr r="0" g="0" b="0"/>
+      </a:lnRef>
+      <a:fillRef idx="1">
+        <a:scrgbClr r="0" g="0" b="0"/>
+      </a:fillRef>
+      <a:effectRef idx="0">
+        <a:scrgbClr r="0" g="0" b="0"/>
+      </a:effectRef>
+      <a:fontRef idx="minor"/>
+    </dgm:style>
+  </dgm:styleLbl>
+  <dgm:styleLbl name="bgAcc1">
+    <dgm:scene3d>
+      <a:camera prst="orthographicFront"/>
+      <a:lightRig rig="threePt" dir="t"/>
+    </dgm:scene3d>
+    <dgm:sp3d/>
+    <dgm:txPr/>
+    <dgm:style>
+      <a:lnRef idx="2">
+        <a:scrgbClr r="0" g="0" b="0"/>
+      </a:lnRef>
+      <a:fillRef idx="1">
+        <a:scrgbClr r="0" g="0" b="0"/>
+      </a:fillRef>
+      <a:effectRef idx="0">
+        <a:scrgbClr r="0" g="0" b="0"/>
+      </a:effectRef>
+      <a:fontRef idx="minor"/>
+    </dgm:style>
+  </dgm:styleLbl>
+  <dgm:styleLbl name="solidFgAcc1">
+    <dgm:scene3d>
+      <a:camera prst="orthographicFront"/>
+      <a:lightRig rig="threePt" dir="t"/>
+    </dgm:scene3d>
+    <dgm:sp3d/>
+    <dgm:txPr/>
+    <dgm:style>
+      <a:lnRef idx="2">
+        <a:scrgbClr r="0" g="0" b="0"/>
+      </a:lnRef>
+      <a:fillRef idx="1">
+        <a:scrgbClr r="0" g="0" b="0"/>
+      </a:fillRef>
+      <a:effectRef idx="0">
+        <a:scrgbClr r="0" g="0" b="0"/>
+      </a:effectRef>
+      <a:fontRef idx="minor"/>
+    </dgm:style>
+  </dgm:styleLbl>
+  <dgm:styleLbl name="solidAlignAcc1">
+    <dgm:scene3d>
+      <a:camera prst="orthographicFront"/>
+      <a:lightRig rig="threePt" dir="t"/>
+    </dgm:scene3d>
+    <dgm:sp3d/>
+    <dgm:txPr/>
+    <dgm:style>
+      <a:lnRef idx="2">
+        <a:scrgbClr r="0" g="0" b="0"/>
+      </a:lnRef>
+      <a:fillRef idx="1">
+        <a:scrgbClr r="0" g="0" b="0"/>
+      </a:fillRef>
+      <a:effectRef idx="0">
+        <a:scrgbClr r="0" g="0" b="0"/>
+      </a:effectRef>
+      <a:fontRef idx="minor"/>
+    </dgm:style>
+  </dgm:styleLbl>
+  <dgm:styleLbl name="solidBgAcc1">
+    <dgm:scene3d>
+      <a:camera prst="orthographicFront"/>
+      <a:lightRig rig="threePt" dir="t"/>
+    </dgm:scene3d>
+    <dgm:sp3d/>
+    <dgm:txPr/>
+    <dgm:style>
+      <a:lnRef idx="2">
+        <a:scrgbClr r="0" g="0" b="0"/>
+      </a:lnRef>
+      <a:fillRef idx="1">
+        <a:scrgbClr r="0" g="0" b="0"/>
+      </a:fillRef>
+      <a:effectRef idx="0">
+        <a:scrgbClr r="0" g="0" b="0"/>
+      </a:effectRef>
+      <a:fontRef idx="minor"/>
+    </dgm:style>
+  </dgm:styleLbl>
+  <dgm:styleLbl name="fgAccFollowNode1">
+    <dgm:scene3d>
+      <a:camera prst="orthographicFront"/>
+      <a:lightRig rig="threePt" dir="t"/>
+    </dgm:scene3d>
+    <dgm:sp3d/>
+    <dgm:txPr/>
+    <dgm:style>
+      <a:lnRef idx="2">
+        <a:scrgbClr r="0" g="0" b="0"/>
+      </a:lnRef>
+      <a:fillRef idx="1">
+        <a:scrgbClr r="0" g="0" b="0"/>
+      </a:fillRef>
+      <a:effectRef idx="0">
+        <a:scrgbClr r="0" g="0" b="0"/>
+      </a:effectRef>
+      <a:fontRef idx="minor"/>
+    </dgm:style>
+  </dgm:styleLbl>
+  <dgm:styleLbl name="alignAccFollowNode1">
+    <dgm:scene3d>
+      <a:camera prst="orthographicFront"/>
+      <a:lightRig rig="threePt" dir="t"/>
+    </dgm:scene3d>
+    <dgm:sp3d/>
+    <dgm:txPr/>
+    <dgm:style>
+      <a:lnRef idx="2">
+        <a:scrgbClr r="0" g="0" b="0"/>
+      </a:lnRef>
+      <a:fillRef idx="1">
+        <a:scrgbClr r="0" g="0" b="0"/>
+      </a:fillRef>
+      <a:effectRef idx="0">
+        <a:scrgbClr r="0" g="0" b="0"/>
+      </a:effectRef>
+      <a:fontRef idx="minor"/>
+    </dgm:style>
+  </dgm:styleLbl>
+  <dgm:styleLbl name="bgAccFollowNode1">
+    <dgm:scene3d>
+      <a:camera prst="orthographicFront"/>
+      <a:lightRig rig="threePt" dir="t"/>
+    </dgm:scene3d>
+    <dgm:sp3d/>
+    <dgm:txPr/>
+    <dgm:style>
+      <a:lnRef idx="2">
+        <a:scrgbClr r="0" g="0" b="0"/>
+      </a:lnRef>
+      <a:fillRef idx="1">
+        <a:scrgbClr r="0" g="0" b="0"/>
+      </a:fillRef>
+      <a:effectRef idx="0">
+        <a:scrgbClr r="0" g="0" b="0"/>
+      </a:effectRef>
+      <a:fontRef idx="minor"/>
+    </dgm:style>
+  </dgm:styleLbl>
+  <dgm:styleLbl name="fgAcc0">
+    <dgm:scene3d>
+      <a:camera prst="orthographicFront"/>
+      <a:lightRig rig="threePt" dir="t"/>
+    </dgm:scene3d>
+    <dgm:sp3d/>
+    <dgm:txPr/>
+    <dgm:style>
+      <a:lnRef idx="2">
+        <a:scrgbClr r="0" g="0" b="0"/>
+      </a:lnRef>
+      <a:fillRef idx="1">
+        <a:scrgbClr r="0" g="0" b="0"/>
+      </a:fillRef>
+      <a:effectRef idx="0">
+        <a:scrgbClr r="0" g="0" b="0"/>
+      </a:effectRef>
+      <a:fontRef idx="minor"/>
+    </dgm:style>
+  </dgm:styleLbl>
+  <dgm:styleLbl name="fgAcc2">
+    <dgm:scene3d>
+      <a:camera prst="orthographicFront"/>
+      <a:lightRig rig="threePt" dir="t"/>
+    </dgm:scene3d>
+    <dgm:sp3d/>
+    <dgm:txPr/>
+    <dgm:style>
+      <a:lnRef idx="2">
+        <a:scrgbClr r="0" g="0" b="0"/>
+      </a:lnRef>
+      <a:fillRef idx="1">
+        <a:scrgbClr r="0" g="0" b="0"/>
+      </a:fillRef>
+      <a:effectRef idx="0">
+        <a:scrgbClr r="0" g="0" b="0"/>
+      </a:effectRef>
+      <a:fontRef idx="minor"/>
+    </dgm:style>
+  </dgm:styleLbl>
+  <dgm:styleLbl name="fgAcc3">
+    <dgm:scene3d>
+      <a:camera prst="orthographicFront"/>
+      <a:lightRig rig="threePt" dir="t"/>
+    </dgm:scene3d>
+    <dgm:sp3d/>
+    <dgm:txPr/>
+    <dgm:style>
+      <a:lnRef idx="2">
+        <a:scrgbClr r="0" g="0" b="0"/>
+      </a:lnRef>
+      <a:fillRef idx="1">
+        <a:scrgbClr r="0" g="0" b="0"/>
+      </a:fillRef>
+      <a:effectRef idx="0">
+        <a:scrgbClr r="0" g="0" b="0"/>
+      </a:effectRef>
+      <a:fontRef idx="minor"/>
+    </dgm:style>
+  </dgm:styleLbl>
+  <dgm:styleLbl name="fgAcc4">
+    <dgm:scene3d>
+      <a:camera prst="orthographicFront"/>
+      <a:lightRig rig="threePt" dir="t"/>
+    </dgm:scene3d>
+    <dgm:sp3d/>
+    <dgm:txPr/>
+    <dgm:style>
+      <a:lnRef idx="2">
+        <a:scrgbClr r="0" g="0" b="0"/>
+      </a:lnRef>
+      <a:fillRef idx="1">
+        <a:scrgbClr r="0" g="0" b="0"/>
+      </a:fillRef>
+      <a:effectRef idx="0">
+        <a:scrgbClr r="0" g="0" b="0"/>
+      </a:effectRef>
+      <a:fontRef idx="minor"/>
+    </dgm:style>
+  </dgm:styleLbl>
+  <dgm:styleLbl name="bgShp">
+    <dgm:scene3d>
+      <a:camera prst="orthographicFront"/>
+      <a:lightRig rig="threePt" dir="t"/>
+    </dgm:scene3d>
+    <dgm:sp3d/>
+    <dgm:txPr/>
+    <dgm:style>
+      <a:lnRef idx="0">
+        <a:scrgbClr r="0" g="0" b="0"/>
+      </a:lnRef>
+      <a:fillRef idx="1">
+        <a:scrgbClr r="0" g="0" b="0"/>
+      </a:fillRef>
+      <a:effectRef idx="0">
+        <a:scrgbClr r="0" g="0" b="0"/>
+      </a:effectRef>
+      <a:fontRef idx="minor"/>
+    </dgm:style>
+  </dgm:styleLbl>
+  <dgm:styleLbl name="dkBgShp">
+    <dgm:scene3d>
+      <a:camera prst="orthographicFront"/>
+      <a:lightRig rig="threePt" dir="t"/>
+    </dgm:scene3d>
+    <dgm:sp3d/>
+    <dgm:txPr/>
+    <dgm:style>
+      <a:lnRef idx="0">
+        <a:scrgbClr r="0" g="0" b="0"/>
+      </a:lnRef>
+      <a:fillRef idx="1">
+        <a:scrgbClr r="0" g="0" b="0"/>
+      </a:fillRef>
+      <a:effectRef idx="0">
+        <a:scrgbClr r="0" g="0" b="0"/>
+      </a:effectRef>
+      <a:fontRef idx="minor"/>
+    </dgm:style>
+  </dgm:styleLbl>
+  <dgm:styleLbl name="trBgShp">
+    <dgm:scene3d>
+      <a:camera prst="orthographicFront"/>
+      <a:lightRig rig="threePt" dir="t"/>
+    </dgm:scene3d>
+    <dgm:sp3d/>
+    <dgm:txPr/>
+    <dgm:style>
+      <a:lnRef idx="0">
+        <a:scrgbClr r="0" g="0" b="0"/>
+      </a:lnRef>
+      <a:fillRef idx="1">
+        <a:scrgbClr r="0" g="0" b="0"/>
+      </a:fillRef>
+      <a:effectRef idx="0">
+        <a:scrgbClr r="0" g="0" b="0"/>
+      </a:effectRef>
+      <a:fontRef idx="minor"/>
+    </dgm:style>
+  </dgm:styleLbl>
+  <dgm:styleLbl name="fgShp">
+    <dgm:scene3d>
+      <a:camera prst="orthographicFront"/>
+      <a:lightRig rig="threePt" dir="t"/>
+    </dgm:scene3d>
+    <dgm:sp3d/>
+    <dgm:txPr/>
+    <dgm:style>
+      <a:lnRef idx="2">
+        <a:scrgbClr r="0" g="0" b="0"/>
+      </a:lnRef>
+      <a:fillRef idx="1">
+        <a:scrgbClr r="0" g="0" b="0"/>
+      </a:fillRef>
+      <a:effectRef idx="0">
+        <a:scrgbClr r="0" g="0" b="0"/>
+      </a:effectRef>
+      <a:fontRef idx="minor"/>
+    </dgm:style>
+  </dgm:styleLbl>
+  <dgm:styleLbl name="revTx">
+    <dgm:scene3d>
+      <a:camera prst="orthographicFront"/>
+      <a:lightRig rig="threePt" dir="t"/>
+    </dgm:scene3d>
+    <dgm:sp3d/>
+    <dgm:txPr/>
+    <dgm:style>
+      <a:lnRef idx="0">
+        <a:scrgbClr r="0" g="0" b="0"/>
+      </a:lnRef>
+      <a:fillRef idx="0">
+        <a:scrgbClr r="0" g="0" b="0"/>
+      </a:fillRef>
+      <a:effectRef idx="0">
+        <a:scrgbClr r="0" g="0" b="0"/>
+      </a:effectRef>
+      <a:fontRef idx="minor"/>
+    </dgm:style>
+  </dgm:styleLbl>
+</dgm:styleDef>
+</file>
+
+<file path=ppt/notesMasters/notesMaster1.xml><?xml version="1.0" encoding="utf-8"?>
+<p:notesMaster xmlns:a="http://schemas.openxmlformats.org/drawingml/2006/main" xmlns:r="http://schemas.openxmlformats.org/officeDocument/2006/relationships" xmlns:p="http://schemas.openxmlformats.org/presentationml/2006/main">
+  <p:cSld>
+    <p:bg>
+      <p:bgRef idx="1001">
+        <a:schemeClr val="bg1"/>
+      </p:bgRef>
+    </p:bg>
+    <p:spTree>
+      <p:nvGrpSpPr>
+        <p:cNvPr id="1" name=""/>
+        <p:cNvGrpSpPr/>
+        <p:nvPr/>
+      </p:nvGrpSpPr>
+      <p:grpSpPr>
+        <a:xfrm>
+          <a:off x="0" y="0"/>
+          <a:ext cx="0" cy="0"/>
+          <a:chOff x="0" y="0"/>
+          <a:chExt cx="0" cy="0"/>
+        </a:xfrm>
+      </p:grpSpPr>
+      <p:sp>
+        <p:nvSpPr>
+          <p:cNvPr id="2" name="Header Placeholder 1"/>
+          <p:cNvSpPr>
+            <a:spLocks noGrp="1"/>
+          </p:cNvSpPr>
+          <p:nvPr>
+            <p:ph type="hdr" sz="quarter"/>
+          </p:nvPr>
+        </p:nvSpPr>
+        <p:spPr>
+          <a:xfrm>
+            <a:off x="0" y="0"/>
+            <a:ext cx="2971800" cy="458788"/>
+          </a:xfrm>
+          <a:prstGeom prst="rect">
+            <a:avLst/>
+          </a:prstGeom>
+        </p:spPr>
+        <p:txBody>
+          <a:bodyPr vert="horz" lIns="91440" tIns="45720" rIns="91440" bIns="45720" rtlCol="0"/>
+          <a:lstStyle>
+            <a:lvl1pPr algn="l">
+              <a:defRPr sz="1200"/>
+            </a:lvl1pPr>
+          </a:lstStyle>
+          <a:p>
+            <a:endParaRPr lang="en-US"/>
+          </a:p>
+        </p:txBody>
+      </p:sp>
+      <p:sp>
+        <p:nvSpPr>
+          <p:cNvPr id="3" name="Date Placeholder 2"/>
+          <p:cNvSpPr>
+            <a:spLocks noGrp="1"/>
+          </p:cNvSpPr>
+          <p:nvPr>
+            <p:ph type="dt" idx="1"/>
+          </p:nvPr>
+        </p:nvSpPr>
+        <p:spPr>
+          <a:xfrm>
+            <a:off x="3884613" y="0"/>
+            <a:ext cx="2971800" cy="458788"/>
+          </a:xfrm>
+          <a:prstGeom prst="rect">
+            <a:avLst/>
+          </a:prstGeom>
+        </p:spPr>
+        <p:txBody>
+          <a:bodyPr vert="horz" lIns="91440" tIns="45720" rIns="91440" bIns="45720" rtlCol="0"/>
+          <a:lstStyle>
+            <a:lvl1pPr algn="r">
+              <a:defRPr sz="1200"/>
+            </a:lvl1pPr>
+          </a:lstStyle>
+          <a:p>
+            <a:fld id="{582E0CC2-0994-4C9A-9702-4F9BA0CB1F6B}" type="datetimeFigureOut">
+              <a:rPr lang="en-US" smtClean="0"/>
+              <a:t>2/4/2022</a:t>
+            </a:fld>
+            <a:endParaRPr lang="en-US"/>
+          </a:p>
+        </p:txBody>
+      </p:sp>
+      <p:sp>
+        <p:nvSpPr>
+          <p:cNvPr id="4" name="Slide Image Placeholder 3"/>
+          <p:cNvSpPr>
+            <a:spLocks noGrp="1" noRot="1" noChangeAspect="1"/>
+          </p:cNvSpPr>
+          <p:nvPr>
+            <p:ph type="sldImg" idx="2"/>
+          </p:nvPr>
+        </p:nvSpPr>
+        <p:spPr>
+          <a:xfrm>
+            <a:off x="685800" y="1143000"/>
+            <a:ext cx="5486400" cy="3086100"/>
+          </a:xfrm>
+          <a:prstGeom prst="rect">
+            <a:avLst/>
+          </a:prstGeom>
+          <a:noFill/>
+          <a:ln w="12700">
+            <a:solidFill>
+              <a:prstClr val="black"/>
+            </a:solidFill>
+          </a:ln>
+        </p:spPr>
+        <p:txBody>
+          <a:bodyPr vert="horz" lIns="91440" tIns="45720" rIns="91440" bIns="45720" rtlCol="0" anchor="ctr"/>
+          <a:lstStyle/>
+          <a:p>
+            <a:endParaRPr lang="en-US"/>
+          </a:p>
+        </p:txBody>
+      </p:sp>
+      <p:sp>
+        <p:nvSpPr>
+          <p:cNvPr id="5" name="Notes Placeholder 4"/>
+          <p:cNvSpPr>
+            <a:spLocks noGrp="1"/>
+          </p:cNvSpPr>
+          <p:nvPr>
+            <p:ph type="body" sz="quarter" idx="3"/>
+          </p:nvPr>
+        </p:nvSpPr>
+        <p:spPr>
+          <a:xfrm>
+            <a:off x="685800" y="4400550"/>
+            <a:ext cx="5486400" cy="3600450"/>
+          </a:xfrm>
+          <a:prstGeom prst="rect">
+            <a:avLst/>
+          </a:prstGeom>
+        </p:spPr>
+        <p:txBody>
+          <a:bodyPr vert="horz" lIns="91440" tIns="45720" rIns="91440" bIns="45720" rtlCol="0"/>
+          <a:lstStyle/>
+          <a:p>
+            <a:pPr lvl="0"/>
+            <a:r>
+              <a:rPr lang="en-US" smtClean="0"/>
+              <a:t>Edit Master text styles</a:t>
+            </a:r>
+          </a:p>
+          <a:p>
+            <a:pPr lvl="1"/>
+            <a:r>
+              <a:rPr lang="en-US" smtClean="0"/>
+              <a:t>Second level</a:t>
+            </a:r>
+          </a:p>
+          <a:p>
+            <a:pPr lvl="2"/>
+            <a:r>
+              <a:rPr lang="en-US" smtClean="0"/>
+              <a:t>Third level</a:t>
+            </a:r>
+          </a:p>
+          <a:p>
+            <a:pPr lvl="3"/>
+            <a:r>
+              <a:rPr lang="en-US" smtClean="0"/>
+              <a:t>Fourth level</a:t>
+            </a:r>
+          </a:p>
+          <a:p>
+            <a:pPr lvl="4"/>
+            <a:r>
+              <a:rPr lang="en-US" smtClean="0"/>
+              <a:t>Fifth level</a:t>
+            </a:r>
+            <a:endParaRPr lang="en-US"/>
+          </a:p>
+        </p:txBody>
+      </p:sp>
+      <p:sp>
+        <p:nvSpPr>
+          <p:cNvPr id="6" name="Footer Placeholder 5"/>
+          <p:cNvSpPr>
+            <a:spLocks noGrp="1"/>
+          </p:cNvSpPr>
+          <p:nvPr>
+            <p:ph type="ftr" sz="quarter" idx="4"/>
+          </p:nvPr>
+        </p:nvSpPr>
+        <p:spPr>
+          <a:xfrm>
+            <a:off x="0" y="8685213"/>
+            <a:ext cx="2971800" cy="458787"/>
+          </a:xfrm>
+          <a:prstGeom prst="rect">
+            <a:avLst/>
+          </a:prstGeom>
+        </p:spPr>
+        <p:txBody>
+          <a:bodyPr vert="horz" lIns="91440" tIns="45720" rIns="91440" bIns="45720" rtlCol="0" anchor="b"/>
+          <a:lstStyle>
+            <a:lvl1pPr algn="l">
+              <a:defRPr sz="1200"/>
+            </a:lvl1pPr>
+          </a:lstStyle>
+          <a:p>
+            <a:endParaRPr lang="en-US"/>
+          </a:p>
+        </p:txBody>
+      </p:sp>
+      <p:sp>
+        <p:nvSpPr>
+          <p:cNvPr id="7" name="Slide Number Placeholder 6"/>
+          <p:cNvSpPr>
+            <a:spLocks noGrp="1"/>
+          </p:cNvSpPr>
+          <p:nvPr>
+            <p:ph type="sldNum" sz="quarter" idx="5"/>
+          </p:nvPr>
+        </p:nvSpPr>
+        <p:spPr>
+          <a:xfrm>
+            <a:off x="3884613" y="8685213"/>
+            <a:ext cx="2971800" cy="458787"/>
+          </a:xfrm>
+          <a:prstGeom prst="rect">
+            <a:avLst/>
+          </a:prstGeom>
+        </p:spPr>
+        <p:txBody>
+          <a:bodyPr vert="horz" lIns="91440" tIns="45720" rIns="91440" bIns="45720" rtlCol="0" anchor="b"/>
+          <a:lstStyle>
+            <a:lvl1pPr algn="r">
+              <a:defRPr sz="1200"/>
+            </a:lvl1pPr>
+          </a:lstStyle>
+          <a:p>
+            <a:fld id="{45F4B70B-9A9A-4B17-80D6-8B5D8A3D7FCF}" type="slidenum">
+              <a:rPr lang="en-US" smtClean="0"/>
+              <a:t>‹#›</a:t>
+            </a:fld>
+            <a:endParaRPr lang="en-US"/>
+          </a:p>
+        </p:txBody>
+      </p:sp>
+    </p:spTree>
+    <p:extLst>
+      <p:ext uri="{BB962C8B-B14F-4D97-AF65-F5344CB8AC3E}">
+        <p14:creationId xmlns:p14="http://schemas.microsoft.com/office/powerpoint/2010/main" val="3439490024"/>
+      </p:ext>
+    </p:extLst>
+  </p:cSld>
+  <p:clrMap bg1="lt1" tx1="dk1" bg2="lt2" tx2="dk2" accent1="accent1" accent2="accent2" accent3="accent3" accent4="accent4" accent5="accent5" accent6="accent6" hlink="hlink" folHlink="folHlink"/>
+  <p:notesStyle>
+    <a:lvl1pPr marL="0" algn="l" defTabSz="914400" rtl="0" eaLnBrk="1" latinLnBrk="0" hangingPunct="1">
+      <a:defRPr sz="1200" kern="1200">
+        <a:solidFill>
+          <a:schemeClr val="tx1"/>
+        </a:solidFill>
+        <a:latin typeface="+mn-lt"/>
+        <a:ea typeface="+mn-ea"/>
+        <a:cs typeface="+mn-cs"/>
+      </a:defRPr>
+    </a:lvl1pPr>
+    <a:lvl2pPr marL="457200" algn="l" defTabSz="914400" rtl="0" eaLnBrk="1" latinLnBrk="0" hangingPunct="1">
+      <a:defRPr sz="1200" kern="1200">
+        <a:solidFill>
+          <a:schemeClr val="tx1"/>
+        </a:solidFill>
+        <a:latin typeface="+mn-lt"/>
+        <a:ea typeface="+mn-ea"/>
+        <a:cs typeface="+mn-cs"/>
+      </a:defRPr>
+    </a:lvl2pPr>
+    <a:lvl3pPr marL="914400" algn="l" defTabSz="914400" rtl="0" eaLnBrk="1" latinLnBrk="0" hangingPunct="1">
+      <a:defRPr sz="1200" kern="1200">
+        <a:solidFill>
+          <a:schemeClr val="tx1"/>
+        </a:solidFill>
+        <a:latin typeface="+mn-lt"/>
+        <a:ea typeface="+mn-ea"/>
+        <a:cs typeface="+mn-cs"/>
+      </a:defRPr>
+    </a:lvl3pPr>
+    <a:lvl4pPr marL="1371600" algn="l" defTabSz="914400" rtl="0" eaLnBrk="1" latinLnBrk="0" hangingPunct="1">
+      <a:defRPr sz="1200" kern="1200">
+        <a:solidFill>
+          <a:schemeClr val="tx1"/>
+        </a:solidFill>
+        <a:latin typeface="+mn-lt"/>
+        <a:ea typeface="+mn-ea"/>
+        <a:cs typeface="+mn-cs"/>
+      </a:defRPr>
+    </a:lvl4pPr>
+    <a:lvl5pPr marL="1828800" algn="l" defTabSz="914400" rtl="0" eaLnBrk="1" latinLnBrk="0" hangingPunct="1">
+      <a:defRPr sz="1200" kern="1200">
+        <a:solidFill>
+          <a:schemeClr val="tx1"/>
+        </a:solidFill>
+        <a:latin typeface="+mn-lt"/>
+        <a:ea typeface="+mn-ea"/>
+        <a:cs typeface="+mn-cs"/>
+      </a:defRPr>
+    </a:lvl5pPr>
+    <a:lvl6pPr marL="2286000" algn="l" defTabSz="914400" rtl="0" eaLnBrk="1" latinLnBrk="0" hangingPunct="1">
+      <a:defRPr sz="1200" kern="1200">
+        <a:solidFill>
+          <a:schemeClr val="tx1"/>
+        </a:solidFill>
+        <a:latin typeface="+mn-lt"/>
+        <a:ea typeface="+mn-ea"/>
+        <a:cs typeface="+mn-cs"/>
+      </a:defRPr>
+    </a:lvl6pPr>
+    <a:lvl7pPr marL="2743200" algn="l" defTabSz="914400" rtl="0" eaLnBrk="1" latinLnBrk="0" hangingPunct="1">
+      <a:defRPr sz="1200" kern="1200">
+        <a:solidFill>
+          <a:schemeClr val="tx1"/>
+        </a:solidFill>
+        <a:latin typeface="+mn-lt"/>
+        <a:ea typeface="+mn-ea"/>
+        <a:cs typeface="+mn-cs"/>
+      </a:defRPr>
+    </a:lvl7pPr>
+    <a:lvl8pPr marL="3200400" algn="l" defTabSz="914400" rtl="0" eaLnBrk="1" latinLnBrk="0" hangingPunct="1">
+      <a:defRPr sz="1200" kern="1200">
+        <a:solidFill>
+          <a:schemeClr val="tx1"/>
+        </a:solidFill>
+        <a:latin typeface="+mn-lt"/>
+        <a:ea typeface="+mn-ea"/>
+        <a:cs typeface="+mn-cs"/>
+      </a:defRPr>
+    </a:lvl8pPr>
+    <a:lvl9pPr marL="3657600" algn="l" defTabSz="914400" rtl="0" eaLnBrk="1" latinLnBrk="0" hangingPunct="1">
+      <a:defRPr sz="1200" kern="1200">
+        <a:solidFill>
+          <a:schemeClr val="tx1"/>
+        </a:solidFill>
+        <a:latin typeface="+mn-lt"/>
+        <a:ea typeface="+mn-ea"/>
+        <a:cs typeface="+mn-cs"/>
+      </a:defRPr>
+    </a:lvl9pPr>
+  </p:notesStyle>
+</p:notesMaster>
 </file>
 
 <file path=ppt/slideLayouts/slideLayout1.xml><?xml version="1.0" encoding="utf-8"?>
@@ -238,7 +5017,7 @@
           <a:p>
             <a:fld id="{43584B38-4391-46B1-B765-D1912D56B3FE}" type="datetimeFigureOut">
               <a:rPr lang="en-US" smtClean="0"/>
-              <a:t>12/11/2021</a:t>
+              <a:t>2/4/2022</a:t>
             </a:fld>
             <a:endParaRPr lang="en-US"/>
           </a:p>
@@ -408,7 +5187,7 @@
           <a:p>
             <a:fld id="{43584B38-4391-46B1-B765-D1912D56B3FE}" type="datetimeFigureOut">
               <a:rPr lang="en-US" smtClean="0"/>
-              <a:t>12/11/2021</a:t>
+              <a:t>2/4/2022</a:t>
             </a:fld>
             <a:endParaRPr lang="en-US"/>
           </a:p>
@@ -588,7 +5367,7 @@
           <a:p>
             <a:fld id="{43584B38-4391-46B1-B765-D1912D56B3FE}" type="datetimeFigureOut">
               <a:rPr lang="en-US" smtClean="0"/>
-              <a:t>12/11/2021</a:t>
+              <a:t>2/4/2022</a:t>
             </a:fld>
             <a:endParaRPr lang="en-US"/>
           </a:p>
@@ -758,7 +5537,7 @@
           <a:p>
             <a:fld id="{43584B38-4391-46B1-B765-D1912D56B3FE}" type="datetimeFigureOut">
               <a:rPr lang="en-US" smtClean="0"/>
-              <a:t>12/11/2021</a:t>
+              <a:t>2/4/2022</a:t>
             </a:fld>
             <a:endParaRPr lang="en-US"/>
           </a:p>
@@ -1004,7 +5783,7 @@
           <a:p>
             <a:fld id="{43584B38-4391-46B1-B765-D1912D56B3FE}" type="datetimeFigureOut">
               <a:rPr lang="en-US" smtClean="0"/>
-              <a:t>12/11/2021</a:t>
+              <a:t>2/4/2022</a:t>
             </a:fld>
             <a:endParaRPr lang="en-US"/>
           </a:p>
@@ -1236,7 +6015,7 @@
           <a:p>
             <a:fld id="{43584B38-4391-46B1-B765-D1912D56B3FE}" type="datetimeFigureOut">
               <a:rPr lang="en-US" smtClean="0"/>
-              <a:t>12/11/2021</a:t>
+              <a:t>2/4/2022</a:t>
             </a:fld>
             <a:endParaRPr lang="en-US"/>
           </a:p>
@@ -1603,7 +6382,7 @@
           <a:p>
             <a:fld id="{43584B38-4391-46B1-B765-D1912D56B3FE}" type="datetimeFigureOut">
               <a:rPr lang="en-US" smtClean="0"/>
-              <a:t>12/11/2021</a:t>
+              <a:t>2/4/2022</a:t>
             </a:fld>
             <a:endParaRPr lang="en-US"/>
           </a:p>
@@ -1721,7 +6500,7 @@
           <a:p>
             <a:fld id="{43584B38-4391-46B1-B765-D1912D56B3FE}" type="datetimeFigureOut">
               <a:rPr lang="en-US" smtClean="0"/>
-              <a:t>12/11/2021</a:t>
+              <a:t>2/4/2022</a:t>
             </a:fld>
             <a:endParaRPr lang="en-US"/>
           </a:p>
@@ -1816,7 +6595,7 @@
           <a:p>
             <a:fld id="{43584B38-4391-46B1-B765-D1912D56B3FE}" type="datetimeFigureOut">
               <a:rPr lang="en-US" smtClean="0"/>
-              <a:t>12/11/2021</a:t>
+              <a:t>2/4/2022</a:t>
             </a:fld>
             <a:endParaRPr lang="en-US"/>
           </a:p>
@@ -2093,7 +6872,7 @@
           <a:p>
             <a:fld id="{43584B38-4391-46B1-B765-D1912D56B3FE}" type="datetimeFigureOut">
               <a:rPr lang="en-US" smtClean="0"/>
-              <a:t>12/11/2021</a:t>
+              <a:t>2/4/2022</a:t>
             </a:fld>
             <a:endParaRPr lang="en-US"/>
           </a:p>
@@ -2346,7 +7125,7 @@
           <a:p>
             <a:fld id="{43584B38-4391-46B1-B765-D1912D56B3FE}" type="datetimeFigureOut">
               <a:rPr lang="en-US" smtClean="0"/>
-              <a:t>12/11/2021</a:t>
+              <a:t>2/4/2022</a:t>
             </a:fld>
             <a:endParaRPr lang="en-US"/>
           </a:p>
@@ -2559,7 +7338,7 @@
           <a:p>
             <a:fld id="{43584B38-4391-46B1-B765-D1912D56B3FE}" type="datetimeFigureOut">
               <a:rPr lang="en-US" smtClean="0"/>
-              <a:t>12/11/2021</a:t>
+              <a:t>2/4/2022</a:t>
             </a:fld>
             <a:endParaRPr lang="en-US"/>
           </a:p>
@@ -2964,6 +7743,412 @@
           <a:chExt cx="0" cy="0"/>
         </a:xfrm>
       </p:grpSpPr>
+      <p:graphicFrame>
+        <p:nvGraphicFramePr>
+          <p:cNvPr id="2" name="Diagram 1"/>
+          <p:cNvGraphicFramePr/>
+          <p:nvPr>
+            <p:extLst>
+              <p:ext uri="{D42A27DB-BD31-4B8C-83A1-F6EECF244321}">
+                <p14:modId xmlns:p14="http://schemas.microsoft.com/office/powerpoint/2010/main" val="92130843"/>
+              </p:ext>
+            </p:extLst>
+          </p:nvPr>
+        </p:nvGraphicFramePr>
+        <p:xfrm>
+          <a:off x="2185853" y="940526"/>
+          <a:ext cx="8186056" cy="4920342"/>
+        </p:xfrm>
+        <a:graphic>
+          <a:graphicData uri="http://schemas.openxmlformats.org/drawingml/2006/diagram">
+            <dgm:relIds xmlns:dgm="http://schemas.openxmlformats.org/drawingml/2006/diagram" xmlns:r="http://schemas.openxmlformats.org/officeDocument/2006/relationships" r:dm="rId2" r:lo="rId3" r:qs="rId4" r:cs="rId5"/>
+          </a:graphicData>
+        </a:graphic>
+      </p:graphicFrame>
+    </p:spTree>
+    <p:extLst>
+      <p:ext uri="{BB962C8B-B14F-4D97-AF65-F5344CB8AC3E}">
+        <p14:creationId xmlns:p14="http://schemas.microsoft.com/office/powerpoint/2010/main" val="436570034"/>
+      </p:ext>
+    </p:extLst>
+  </p:cSld>
+  <p:clrMapOvr>
+    <a:masterClrMapping/>
+  </p:clrMapOvr>
+</p:sld>
+</file>
+
+<file path=ppt/slides/slide2.xml><?xml version="1.0" encoding="utf-8"?>
+<p:sld xmlns:a="http://schemas.openxmlformats.org/drawingml/2006/main" xmlns:r="http://schemas.openxmlformats.org/officeDocument/2006/relationships" xmlns:p="http://schemas.openxmlformats.org/presentationml/2006/main">
+  <p:cSld>
+    <p:spTree>
+      <p:nvGrpSpPr>
+        <p:cNvPr id="1" name=""/>
+        <p:cNvGrpSpPr/>
+        <p:nvPr/>
+      </p:nvGrpSpPr>
+      <p:grpSpPr>
+        <a:xfrm>
+          <a:off x="0" y="0"/>
+          <a:ext cx="0" cy="0"/>
+          <a:chOff x="0" y="0"/>
+          <a:chExt cx="0" cy="0"/>
+        </a:xfrm>
+      </p:grpSpPr>
+      <p:sp>
+        <p:nvSpPr>
+          <p:cNvPr id="2" name="Rectangle 1"/>
+          <p:cNvSpPr/>
+          <p:nvPr/>
+        </p:nvSpPr>
+        <p:spPr>
+          <a:xfrm>
+            <a:off x="5233851" y="2220684"/>
+            <a:ext cx="1184366" cy="391886"/>
+          </a:xfrm>
+          <a:prstGeom prst="rect">
+            <a:avLst/>
+          </a:prstGeom>
+          <a:noFill/>
+          <a:ln w="28575">
+            <a:solidFill>
+              <a:schemeClr val="tx1"/>
+            </a:solidFill>
+          </a:ln>
+        </p:spPr>
+        <p:style>
+          <a:lnRef idx="2">
+            <a:schemeClr val="accent1">
+              <a:shade val="50000"/>
+            </a:schemeClr>
+          </a:lnRef>
+          <a:fillRef idx="1">
+            <a:schemeClr val="accent1"/>
+          </a:fillRef>
+          <a:effectRef idx="0">
+            <a:schemeClr val="accent1"/>
+          </a:effectRef>
+          <a:fontRef idx="minor">
+            <a:schemeClr val="lt1"/>
+          </a:fontRef>
+        </p:style>
+        <p:txBody>
+          <a:bodyPr rtlCol="0" anchor="ctr"/>
+          <a:lstStyle/>
+          <a:p>
+            <a:pPr algn="ctr"/>
+            <a:r>
+              <a:rPr lang="en-US" dirty="0" smtClean="0">
+                <a:solidFill>
+                  <a:schemeClr val="tx1"/>
+                </a:solidFill>
+              </a:rPr>
+              <a:t>Client</a:t>
+            </a:r>
+            <a:endParaRPr lang="en-US" dirty="0">
+              <a:solidFill>
+                <a:schemeClr val="tx1"/>
+              </a:solidFill>
+            </a:endParaRPr>
+          </a:p>
+        </p:txBody>
+      </p:sp>
+      <p:sp>
+        <p:nvSpPr>
+          <p:cNvPr id="3" name="Rectangle 2"/>
+          <p:cNvSpPr/>
+          <p:nvPr/>
+        </p:nvSpPr>
+        <p:spPr>
+          <a:xfrm>
+            <a:off x="5233851" y="2972731"/>
+            <a:ext cx="1184366" cy="391886"/>
+          </a:xfrm>
+          <a:prstGeom prst="rect">
+            <a:avLst/>
+          </a:prstGeom>
+          <a:noFill/>
+          <a:ln w="28575">
+            <a:solidFill>
+              <a:schemeClr val="tx1"/>
+            </a:solidFill>
+          </a:ln>
+        </p:spPr>
+        <p:style>
+          <a:lnRef idx="2">
+            <a:schemeClr val="accent1">
+              <a:shade val="50000"/>
+            </a:schemeClr>
+          </a:lnRef>
+          <a:fillRef idx="1">
+            <a:schemeClr val="accent1"/>
+          </a:fillRef>
+          <a:effectRef idx="0">
+            <a:schemeClr val="accent1"/>
+          </a:effectRef>
+          <a:fontRef idx="minor">
+            <a:schemeClr val="lt1"/>
+          </a:fontRef>
+        </p:style>
+        <p:txBody>
+          <a:bodyPr rtlCol="0" anchor="ctr"/>
+          <a:lstStyle/>
+          <a:p>
+            <a:pPr algn="ctr"/>
+            <a:r>
+              <a:rPr lang="en-US" dirty="0" smtClean="0">
+                <a:solidFill>
+                  <a:schemeClr val="tx1"/>
+                </a:solidFill>
+              </a:rPr>
+              <a:t>Geoportal</a:t>
+            </a:r>
+            <a:endParaRPr lang="en-US" dirty="0">
+              <a:solidFill>
+                <a:schemeClr val="tx1"/>
+              </a:solidFill>
+            </a:endParaRPr>
+          </a:p>
+        </p:txBody>
+      </p:sp>
+      <p:sp>
+        <p:nvSpPr>
+          <p:cNvPr id="6" name="Rectangle 5"/>
+          <p:cNvSpPr/>
+          <p:nvPr/>
+        </p:nvSpPr>
+        <p:spPr>
+          <a:xfrm>
+            <a:off x="5233851" y="6169628"/>
+            <a:ext cx="1319349" cy="439785"/>
+          </a:xfrm>
+          <a:prstGeom prst="rect">
+            <a:avLst/>
+          </a:prstGeom>
+          <a:noFill/>
+          <a:ln w="28575">
+            <a:solidFill>
+              <a:schemeClr val="tx1"/>
+            </a:solidFill>
+          </a:ln>
+        </p:spPr>
+        <p:style>
+          <a:lnRef idx="2">
+            <a:schemeClr val="accent1">
+              <a:shade val="50000"/>
+            </a:schemeClr>
+          </a:lnRef>
+          <a:fillRef idx="1">
+            <a:schemeClr val="accent1"/>
+          </a:fillRef>
+          <a:effectRef idx="0">
+            <a:schemeClr val="accent1"/>
+          </a:effectRef>
+          <a:fontRef idx="minor">
+            <a:schemeClr val="lt1"/>
+          </a:fontRef>
+        </p:style>
+        <p:txBody>
+          <a:bodyPr rtlCol="0" anchor="ctr"/>
+          <a:lstStyle/>
+          <a:p>
+            <a:pPr algn="ctr"/>
+            <a:r>
+              <a:rPr lang="en-US" dirty="0" smtClean="0">
+                <a:solidFill>
+                  <a:schemeClr val="tx1"/>
+                </a:solidFill>
+              </a:rPr>
+              <a:t>Data server</a:t>
+            </a:r>
+            <a:endParaRPr lang="en-US" dirty="0">
+              <a:solidFill>
+                <a:schemeClr val="tx1"/>
+              </a:solidFill>
+            </a:endParaRPr>
+          </a:p>
+        </p:txBody>
+      </p:sp>
+      <p:sp>
+        <p:nvSpPr>
+          <p:cNvPr id="7" name="Rectangle 6"/>
+          <p:cNvSpPr/>
+          <p:nvPr/>
+        </p:nvSpPr>
+        <p:spPr>
+          <a:xfrm>
+            <a:off x="4500153" y="5300946"/>
+            <a:ext cx="2786744" cy="391886"/>
+          </a:xfrm>
+          <a:prstGeom prst="rect">
+            <a:avLst/>
+          </a:prstGeom>
+          <a:noFill/>
+          <a:ln w="28575">
+            <a:solidFill>
+              <a:schemeClr val="tx1"/>
+            </a:solidFill>
+          </a:ln>
+        </p:spPr>
+        <p:style>
+          <a:lnRef idx="2">
+            <a:schemeClr val="accent1">
+              <a:shade val="50000"/>
+            </a:schemeClr>
+          </a:lnRef>
+          <a:fillRef idx="1">
+            <a:schemeClr val="accent1"/>
+          </a:fillRef>
+          <a:effectRef idx="0">
+            <a:schemeClr val="accent1"/>
+          </a:effectRef>
+          <a:fontRef idx="minor">
+            <a:schemeClr val="lt1"/>
+          </a:fontRef>
+        </p:style>
+        <p:txBody>
+          <a:bodyPr rtlCol="0" anchor="ctr"/>
+          <a:lstStyle/>
+          <a:p>
+            <a:pPr algn="ctr"/>
+            <a:r>
+              <a:rPr lang="en-US" dirty="0" smtClean="0">
+                <a:solidFill>
+                  <a:schemeClr val="tx1"/>
+                </a:solidFill>
+              </a:rPr>
+              <a:t>Knwledge discovery engine</a:t>
+            </a:r>
+            <a:endParaRPr lang="en-US" dirty="0">
+              <a:solidFill>
+                <a:schemeClr val="tx1"/>
+              </a:solidFill>
+            </a:endParaRPr>
+          </a:p>
+        </p:txBody>
+      </p:sp>
+      <p:sp>
+        <p:nvSpPr>
+          <p:cNvPr id="11" name="Rectangle 10"/>
+          <p:cNvSpPr/>
+          <p:nvPr/>
+        </p:nvSpPr>
+        <p:spPr>
+          <a:xfrm>
+            <a:off x="4858626" y="3587426"/>
+            <a:ext cx="2069797" cy="369332"/>
+          </a:xfrm>
+          <a:prstGeom prst="rect">
+            <a:avLst/>
+          </a:prstGeom>
+        </p:spPr>
+        <p:txBody>
+          <a:bodyPr wrap="none">
+            <a:spAutoFit/>
+          </a:bodyPr>
+          <a:lstStyle/>
+          <a:p>
+            <a:r>
+              <a:rPr lang="en-US" dirty="0">
+                <a:solidFill>
+                  <a:srgbClr val="24292F"/>
+                </a:solidFill>
+                <a:latin typeface="-apple-system"/>
+              </a:rPr>
+              <a:t>Catalogue Service</a:t>
+            </a:r>
+            <a:endParaRPr lang="en-US" dirty="0"/>
+          </a:p>
+        </p:txBody>
+      </p:sp>
+      <p:sp>
+        <p:nvSpPr>
+          <p:cNvPr id="12" name="Rectangle 11"/>
+          <p:cNvSpPr/>
+          <p:nvPr/>
+        </p:nvSpPr>
+        <p:spPr>
+          <a:xfrm>
+            <a:off x="4978748" y="4432264"/>
+            <a:ext cx="1694572" cy="391886"/>
+          </a:xfrm>
+          <a:prstGeom prst="rect">
+            <a:avLst/>
+          </a:prstGeom>
+          <a:noFill/>
+          <a:ln w="28575">
+            <a:solidFill>
+              <a:schemeClr val="tx1"/>
+            </a:solidFill>
+          </a:ln>
+        </p:spPr>
+        <p:style>
+          <a:lnRef idx="2">
+            <a:schemeClr val="accent1">
+              <a:shade val="50000"/>
+            </a:schemeClr>
+          </a:lnRef>
+          <a:fillRef idx="1">
+            <a:schemeClr val="accent1"/>
+          </a:fillRef>
+          <a:effectRef idx="0">
+            <a:schemeClr val="accent1"/>
+          </a:effectRef>
+          <a:fontRef idx="minor">
+            <a:schemeClr val="lt1"/>
+          </a:fontRef>
+        </p:style>
+        <p:txBody>
+          <a:bodyPr rtlCol="0" anchor="ctr"/>
+          <a:lstStyle/>
+          <a:p>
+            <a:pPr algn="ctr"/>
+            <a:r>
+              <a:rPr lang="en-US" dirty="0" smtClean="0">
+                <a:solidFill>
+                  <a:schemeClr val="tx1"/>
+                </a:solidFill>
+              </a:rPr>
+              <a:t>KDWS services</a:t>
+            </a:r>
+            <a:endParaRPr lang="en-US" dirty="0">
+              <a:solidFill>
+                <a:schemeClr val="tx1"/>
+              </a:solidFill>
+            </a:endParaRPr>
+          </a:p>
+        </p:txBody>
+      </p:sp>
+    </p:spTree>
+    <p:extLst>
+      <p:ext uri="{BB962C8B-B14F-4D97-AF65-F5344CB8AC3E}">
+        <p14:creationId xmlns:p14="http://schemas.microsoft.com/office/powerpoint/2010/main" val="4162938063"/>
+      </p:ext>
+    </p:extLst>
+  </p:cSld>
+  <p:clrMapOvr>
+    <a:masterClrMapping/>
+  </p:clrMapOvr>
+</p:sld>
+</file>
+
+<file path=ppt/slides/slide3.xml><?xml version="1.0" encoding="utf-8"?>
+<p:sld xmlns:a="http://schemas.openxmlformats.org/drawingml/2006/main" xmlns:r="http://schemas.openxmlformats.org/officeDocument/2006/relationships" xmlns:p="http://schemas.openxmlformats.org/presentationml/2006/main">
+  <p:cSld>
+    <p:spTree>
+      <p:nvGrpSpPr>
+        <p:cNvPr id="1" name=""/>
+        <p:cNvGrpSpPr/>
+        <p:nvPr/>
+      </p:nvGrpSpPr>
+      <p:grpSpPr>
+        <a:xfrm>
+          <a:off x="0" y="0"/>
+          <a:ext cx="0" cy="0"/>
+          <a:chOff x="0" y="0"/>
+          <a:chExt cx="0" cy="0"/>
+        </a:xfrm>
+      </p:grpSpPr>
       <p:sp>
         <p:nvSpPr>
           <p:cNvPr id="21" name="Rounded Rectangle 20"/>
@@ -3969,4 +9154,265 @@
     </a:ext>
   </a:extLst>
 </a:theme>
+</file>
+
+<file path=ppt/theme/theme2.xml><?xml version="1.0" encoding="utf-8"?>
+<a:theme xmlns:a="http://schemas.openxmlformats.org/drawingml/2006/main" name="Office Theme">
+  <a:themeElements>
+    <a:clrScheme name="Office">
+      <a:dk1>
+        <a:sysClr val="windowText" lastClr="000000"/>
+      </a:dk1>
+      <a:lt1>
+        <a:sysClr val="window" lastClr="FFFFFF"/>
+      </a:lt1>
+      <a:dk2>
+        <a:srgbClr val="44546A"/>
+      </a:dk2>
+      <a:lt2>
+        <a:srgbClr val="E7E6E6"/>
+      </a:lt2>
+      <a:accent1>
+        <a:srgbClr val="5B9BD5"/>
+      </a:accent1>
+      <a:accent2>
+        <a:srgbClr val="ED7D31"/>
+      </a:accent2>
+      <a:accent3>
+        <a:srgbClr val="A5A5A5"/>
+      </a:accent3>
+      <a:accent4>
+        <a:srgbClr val="FFC000"/>
+      </a:accent4>
+      <a:accent5>
+        <a:srgbClr val="4472C4"/>
+      </a:accent5>
+      <a:accent6>
+        <a:srgbClr val="70AD47"/>
+      </a:accent6>
+      <a:hlink>
+        <a:srgbClr val="0563C1"/>
+      </a:hlink>
+      <a:folHlink>
+        <a:srgbClr val="954F72"/>
+      </a:folHlink>
+    </a:clrScheme>
+    <a:fontScheme name="Office">
+      <a:majorFont>
+        <a:latin typeface="Calibri Light" panose="020F0302020204030204"/>
+        <a:ea typeface=""/>
+        <a:cs typeface=""/>
+        <a:font script="Jpan" typeface="游ゴシック Light"/>
+        <a:font script="Hang" typeface="맑은 고딕"/>
+        <a:font script="Hans" typeface="等线 Light"/>
+        <a:font script="Hant" typeface="新細明體"/>
+        <a:font script="Arab" typeface="Times New Roman"/>
+        <a:font script="Hebr" typeface="Times New Roman"/>
+        <a:font script="Thai" typeface="Angsana New"/>
+        <a:font script="Ethi" typeface="Nyala"/>
+        <a:font script="Beng" typeface="Vrinda"/>
+        <a:font script="Gujr" typeface="Shruti"/>
+        <a:font script="Khmr" typeface="MoolBoran"/>
+        <a:font script="Knda" typeface="Tunga"/>
+        <a:font script="Guru" typeface="Raavi"/>
+        <a:font script="Cans" typeface="Euphemia"/>
+        <a:font script="Cher" typeface="Plantagenet Cherokee"/>
+        <a:font script="Yiii" typeface="Microsoft Yi Baiti"/>
+        <a:font script="Tibt" typeface="Microsoft Himalaya"/>
+        <a:font script="Thaa" typeface="MV Boli"/>
+        <a:font script="Deva" typeface="Mangal"/>
+        <a:font script="Telu" typeface="Gautami"/>
+        <a:font script="Taml" typeface="Latha"/>
+        <a:font script="Syrc" typeface="Estrangelo Edessa"/>
+        <a:font script="Orya" typeface="Kalinga"/>
+        <a:font script="Mlym" typeface="Kartika"/>
+        <a:font script="Laoo" typeface="DokChampa"/>
+        <a:font script="Sinh" typeface="Iskoola Pota"/>
+        <a:font script="Mong" typeface="Mongolian Baiti"/>
+        <a:font script="Viet" typeface="Times New Roman"/>
+        <a:font script="Uigh" typeface="Microsoft Uighur"/>
+        <a:font script="Geor" typeface="Sylfaen"/>
+      </a:majorFont>
+      <a:minorFont>
+        <a:latin typeface="Calibri" panose="020F0502020204030204"/>
+        <a:ea typeface=""/>
+        <a:cs typeface=""/>
+        <a:font script="Jpan" typeface="游ゴシック"/>
+        <a:font script="Hang" typeface="맑은 고딕"/>
+        <a:font script="Hans" typeface="等线"/>
+        <a:font script="Hant" typeface="新細明體"/>
+        <a:font script="Arab" typeface="Arial"/>
+        <a:font script="Hebr" typeface="Arial"/>
+        <a:font script="Thai" typeface="Cordia New"/>
+        <a:font script="Ethi" typeface="Nyala"/>
+        <a:font script="Beng" typeface="Vrinda"/>
+        <a:font script="Gujr" typeface="Shruti"/>
+        <a:font script="Khmr" typeface="DaunPenh"/>
+        <a:font script="Knda" typeface="Tunga"/>
+        <a:font script="Guru" typeface="Raavi"/>
+        <a:font script="Cans" typeface="Euphemia"/>
+        <a:font script="Cher" typeface="Plantagenet Cherokee"/>
+        <a:font script="Yiii" typeface="Microsoft Yi Baiti"/>
+        <a:font script="Tibt" typeface="Microsoft Himalaya"/>
+        <a:font script="Thaa" typeface="MV Boli"/>
+        <a:font script="Deva" typeface="Mangal"/>
+        <a:font script="Telu" typeface="Gautami"/>
+        <a:font script="Taml" typeface="Latha"/>
+        <a:font script="Syrc" typeface="Estrangelo Edessa"/>
+        <a:font script="Orya" typeface="Kalinga"/>
+        <a:font script="Mlym" typeface="Kartika"/>
+        <a:font script="Laoo" typeface="DokChampa"/>
+        <a:font script="Sinh" typeface="Iskoola Pota"/>
+        <a:font script="Mong" typeface="Mongolian Baiti"/>
+        <a:font script="Viet" typeface="Arial"/>
+        <a:font script="Uigh" typeface="Microsoft Uighur"/>
+        <a:font script="Geor" typeface="Sylfaen"/>
+      </a:minorFont>
+    </a:fontScheme>
+    <a:fmtScheme name="Office">
+      <a:fillStyleLst>
+        <a:solidFill>
+          <a:schemeClr val="phClr"/>
+        </a:solidFill>
+        <a:gradFill rotWithShape="1">
+          <a:gsLst>
+            <a:gs pos="0">
+              <a:schemeClr val="phClr">
+                <a:lumMod val="110000"/>
+                <a:satMod val="105000"/>
+                <a:tint val="67000"/>
+              </a:schemeClr>
+            </a:gs>
+            <a:gs pos="50000">
+              <a:schemeClr val="phClr">
+                <a:lumMod val="105000"/>
+                <a:satMod val="103000"/>
+                <a:tint val="73000"/>
+              </a:schemeClr>
+            </a:gs>
+            <a:gs pos="100000">
+              <a:schemeClr val="phClr">
+                <a:lumMod val="105000"/>
+                <a:satMod val="109000"/>
+                <a:tint val="81000"/>
+              </a:schemeClr>
+            </a:gs>
+          </a:gsLst>
+          <a:lin ang="5400000" scaled="0"/>
+        </a:gradFill>
+        <a:gradFill rotWithShape="1">
+          <a:gsLst>
+            <a:gs pos="0">
+              <a:schemeClr val="phClr">
+                <a:satMod val="103000"/>
+                <a:lumMod val="102000"/>
+                <a:tint val="94000"/>
+              </a:schemeClr>
+            </a:gs>
+            <a:gs pos="50000">
+              <a:schemeClr val="phClr">
+                <a:satMod val="110000"/>
+                <a:lumMod val="100000"/>
+                <a:shade val="100000"/>
+              </a:schemeClr>
+            </a:gs>
+            <a:gs pos="100000">
+              <a:schemeClr val="phClr">
+                <a:lumMod val="99000"/>
+                <a:satMod val="120000"/>
+                <a:shade val="78000"/>
+              </a:schemeClr>
+            </a:gs>
+          </a:gsLst>
+          <a:lin ang="5400000" scaled="0"/>
+        </a:gradFill>
+      </a:fillStyleLst>
+      <a:lnStyleLst>
+        <a:ln w="6350" cap="flat" cmpd="sng" algn="ctr">
+          <a:solidFill>
+            <a:schemeClr val="phClr"/>
+          </a:solidFill>
+          <a:prstDash val="solid"/>
+          <a:miter lim="800000"/>
+        </a:ln>
+        <a:ln w="12700" cap="flat" cmpd="sng" algn="ctr">
+          <a:solidFill>
+            <a:schemeClr val="phClr"/>
+          </a:solidFill>
+          <a:prstDash val="solid"/>
+          <a:miter lim="800000"/>
+        </a:ln>
+        <a:ln w="19050" cap="flat" cmpd="sng" algn="ctr">
+          <a:solidFill>
+            <a:schemeClr val="phClr"/>
+          </a:solidFill>
+          <a:prstDash val="solid"/>
+          <a:miter lim="800000"/>
+        </a:ln>
+      </a:lnStyleLst>
+      <a:effectStyleLst>
+        <a:effectStyle>
+          <a:effectLst/>
+        </a:effectStyle>
+        <a:effectStyle>
+          <a:effectLst/>
+        </a:effectStyle>
+        <a:effectStyle>
+          <a:effectLst>
+            <a:outerShdw blurRad="57150" dist="19050" dir="5400000" algn="ctr" rotWithShape="0">
+              <a:srgbClr val="000000">
+                <a:alpha val="63000"/>
+              </a:srgbClr>
+            </a:outerShdw>
+          </a:effectLst>
+        </a:effectStyle>
+      </a:effectStyleLst>
+      <a:bgFillStyleLst>
+        <a:solidFill>
+          <a:schemeClr val="phClr"/>
+        </a:solidFill>
+        <a:solidFill>
+          <a:schemeClr val="phClr">
+            <a:tint val="95000"/>
+            <a:satMod val="170000"/>
+          </a:schemeClr>
+        </a:solidFill>
+        <a:gradFill rotWithShape="1">
+          <a:gsLst>
+            <a:gs pos="0">
+              <a:schemeClr val="phClr">
+                <a:tint val="93000"/>
+                <a:satMod val="150000"/>
+                <a:shade val="98000"/>
+                <a:lumMod val="102000"/>
+              </a:schemeClr>
+            </a:gs>
+            <a:gs pos="50000">
+              <a:schemeClr val="phClr">
+                <a:tint val="98000"/>
+                <a:satMod val="130000"/>
+                <a:shade val="90000"/>
+                <a:lumMod val="103000"/>
+              </a:schemeClr>
+            </a:gs>
+            <a:gs pos="100000">
+              <a:schemeClr val="phClr">
+                <a:shade val="63000"/>
+                <a:satMod val="120000"/>
+              </a:schemeClr>
+            </a:gs>
+          </a:gsLst>
+          <a:lin ang="5400000" scaled="0"/>
+        </a:gradFill>
+      </a:bgFillStyleLst>
+    </a:fmtScheme>
+  </a:themeElements>
+  <a:objectDefaults/>
+  <a:extraClrSchemeLst/>
+  <a:extLst>
+    <a:ext uri="{05A4C25C-085E-4340-85A3-A5531E510DB2}">
+      <thm15:themeFamily xmlns:thm15="http://schemas.microsoft.com/office/thememl/2012/main" name="Office Theme" id="{62F939B6-93AF-4DB8-9C6B-D6C7DFDC589F}" vid="{4A3C46E8-61CC-4603-A589-7422A47A8E4A}"/>
+    </a:ext>
+  </a:extLst>
+</a:theme>
 </file>